--- a/Castle Windsor Inversion of Control.pptx
+++ b/Castle Windsor Inversion of Control.pptx
@@ -204,7 +204,7 @@
           <a:p>
             <a:fld id="{379D1070-BEDC-42A4-AAFB-8F85D17E0DE1}" type="datetimeFigureOut">
               <a:rPr lang="en-GB" smtClean="0"/>
-              <a:t>14/10/2015</a:t>
+              <a:t>28/10/2015</a:t>
             </a:fld>
             <a:endParaRPr lang="en-GB"/>
           </a:p>
@@ -2530,7 +2530,7 @@
           <a:p>
             <a:fld id="{4AAD347D-5ACD-4C99-B74B-A9C85AD731AF}" type="datetimeFigureOut">
               <a:rPr lang="en-US" dirty="0"/>
-              <a:t>10/14/2015</a:t>
+              <a:t>10/28/2015</a:t>
             </a:fld>
             <a:endParaRPr lang="en-US" dirty="0"/>
           </a:p>
@@ -2800,7 +2800,7 @@
           <a:p>
             <a:fld id="{4509A250-FF31-4206-8172-F9D3106AACB1}" type="datetimeFigureOut">
               <a:rPr lang="en-US" dirty="0"/>
-              <a:t>10/14/2015</a:t>
+              <a:t>10/28/2015</a:t>
             </a:fld>
             <a:endParaRPr lang="en-US" dirty="0"/>
           </a:p>
@@ -2989,7 +2989,7 @@
           <a:p>
             <a:fld id="{4509A250-FF31-4206-8172-F9D3106AACB1}" type="datetimeFigureOut">
               <a:rPr lang="en-US" dirty="0"/>
-              <a:t>10/14/2015</a:t>
+              <a:t>10/28/2015</a:t>
             </a:fld>
             <a:endParaRPr lang="en-US" dirty="0"/>
           </a:p>
@@ -3257,7 +3257,7 @@
           <a:p>
             <a:fld id="{4509A250-FF31-4206-8172-F9D3106AACB1}" type="datetimeFigureOut">
               <a:rPr lang="en-US" dirty="0"/>
-              <a:t>10/14/2015</a:t>
+              <a:t>10/28/2015</a:t>
             </a:fld>
             <a:endParaRPr lang="en-US" dirty="0"/>
           </a:p>
@@ -3593,7 +3593,7 @@
           <a:p>
             <a:fld id="{4509A250-FF31-4206-8172-F9D3106AACB1}" type="datetimeFigureOut">
               <a:rPr lang="en-US" dirty="0"/>
-              <a:t>10/14/2015</a:t>
+              <a:t>10/28/2015</a:t>
             </a:fld>
             <a:endParaRPr lang="en-US" dirty="0"/>
           </a:p>
@@ -4211,7 +4211,7 @@
           <a:p>
             <a:fld id="{4509A250-FF31-4206-8172-F9D3106AACB1}" type="datetimeFigureOut">
               <a:rPr lang="en-US" dirty="0"/>
-              <a:t>10/14/2015</a:t>
+              <a:t>10/28/2015</a:t>
             </a:fld>
             <a:endParaRPr lang="en-US" dirty="0"/>
           </a:p>
@@ -5066,7 +5066,7 @@
           <a:p>
             <a:fld id="{4509A250-FF31-4206-8172-F9D3106AACB1}" type="datetimeFigureOut">
               <a:rPr lang="en-US" dirty="0"/>
-              <a:t>10/14/2015</a:t>
+              <a:t>10/28/2015</a:t>
             </a:fld>
             <a:endParaRPr lang="en-US" dirty="0"/>
           </a:p>
@@ -5231,7 +5231,7 @@
           <a:p>
             <a:fld id="{4509A250-FF31-4206-8172-F9D3106AACB1}" type="datetimeFigureOut">
               <a:rPr lang="en-US" dirty="0"/>
-              <a:t>10/14/2015</a:t>
+              <a:t>10/28/2015</a:t>
             </a:fld>
             <a:endParaRPr lang="en-US" dirty="0"/>
           </a:p>
@@ -5406,7 +5406,7 @@
           <a:p>
             <a:fld id="{4509A250-FF31-4206-8172-F9D3106AACB1}" type="datetimeFigureOut">
               <a:rPr lang="en-US" dirty="0"/>
-              <a:t>10/14/2015</a:t>
+              <a:t>10/28/2015</a:t>
             </a:fld>
             <a:endParaRPr lang="en-US" dirty="0"/>
           </a:p>
@@ -5571,7 +5571,7 @@
           <a:p>
             <a:fld id="{4509A250-FF31-4206-8172-F9D3106AACB1}" type="datetimeFigureOut">
               <a:rPr lang="en-US" dirty="0"/>
-              <a:t>10/14/2015</a:t>
+              <a:t>10/28/2015</a:t>
             </a:fld>
             <a:endParaRPr lang="en-US" dirty="0"/>
           </a:p>
@@ -5813,7 +5813,7 @@
           <a:p>
             <a:fld id="{9796027F-7875-4030-9381-8BD8C4F21935}" type="datetimeFigureOut">
               <a:rPr lang="en-US" dirty="0"/>
-              <a:t>10/14/2015</a:t>
+              <a:t>10/28/2015</a:t>
             </a:fld>
             <a:endParaRPr lang="en-US" dirty="0"/>
           </a:p>
@@ -6100,7 +6100,7 @@
           <a:p>
             <a:fld id="{9796027F-7875-4030-9381-8BD8C4F21935}" type="datetimeFigureOut">
               <a:rPr lang="en-US" dirty="0"/>
-              <a:t>10/14/2015</a:t>
+              <a:t>10/28/2015</a:t>
             </a:fld>
             <a:endParaRPr lang="en-US" dirty="0"/>
           </a:p>
@@ -6539,7 +6539,7 @@
           <a:p>
             <a:fld id="{9796027F-7875-4030-9381-8BD8C4F21935}" type="datetimeFigureOut">
               <a:rPr lang="en-US" dirty="0"/>
-              <a:t>10/14/2015</a:t>
+              <a:t>10/28/2015</a:t>
             </a:fld>
             <a:endParaRPr lang="en-US" dirty="0"/>
           </a:p>
@@ -6652,7 +6652,7 @@
           <a:p>
             <a:fld id="{4509A250-FF31-4206-8172-F9D3106AACB1}" type="datetimeFigureOut">
               <a:rPr lang="en-US" dirty="0"/>
-              <a:t>10/14/2015</a:t>
+              <a:t>10/28/2015</a:t>
             </a:fld>
             <a:endParaRPr lang="en-US" dirty="0"/>
           </a:p>
@@ -6742,7 +6742,7 @@
           <a:p>
             <a:fld id="{4509A250-FF31-4206-8172-F9D3106AACB1}" type="datetimeFigureOut">
               <a:rPr lang="en-US" dirty="0"/>
-              <a:t>10/14/2015</a:t>
+              <a:t>10/28/2015</a:t>
             </a:fld>
             <a:endParaRPr lang="en-US" dirty="0"/>
           </a:p>
@@ -7016,7 +7016,7 @@
           <a:p>
             <a:fld id="{4509A250-FF31-4206-8172-F9D3106AACB1}" type="datetimeFigureOut">
               <a:rPr lang="en-US" dirty="0"/>
-              <a:t>10/14/2015</a:t>
+              <a:t>10/28/2015</a:t>
             </a:fld>
             <a:endParaRPr lang="en-US" dirty="0"/>
           </a:p>
@@ -7286,7 +7286,7 @@
           <a:p>
             <a:fld id="{4509A250-FF31-4206-8172-F9D3106AACB1}" type="datetimeFigureOut">
               <a:rPr lang="en-US" dirty="0"/>
-              <a:t>10/14/2015</a:t>
+              <a:t>10/28/2015</a:t>
             </a:fld>
             <a:endParaRPr lang="en-US" dirty="0"/>
           </a:p>
@@ -7710,7 +7710,7 @@
           <a:p>
             <a:fld id="{4AAD347D-5ACD-4C99-B74B-A9C85AD731AF}" type="datetimeFigureOut">
               <a:rPr lang="en-US" dirty="0"/>
-              <a:t>10/14/2015</a:t>
+              <a:t>10/28/2015</a:t>
             </a:fld>
             <a:endParaRPr lang="en-US" dirty="0"/>
           </a:p>
@@ -8350,7 +8350,12 @@
             <p:ph type="body" sz="half" idx="2"/>
           </p:nvPr>
         </p:nvSpPr>
-        <p:spPr/>
+        <p:spPr>
+          <a:xfrm>
+            <a:off x="1179230" y="3172078"/>
+            <a:ext cx="8825659" cy="2362200"/>
+          </a:xfrm>
+        </p:spPr>
         <p:txBody>
           <a:bodyPr/>
           <a:lstStyle/>
@@ -8466,7 +8471,7 @@
         </p:nvSpPr>
         <p:spPr>
           <a:xfrm>
-            <a:off x="1154954" y="3657600"/>
+            <a:off x="1110926" y="2532056"/>
             <a:ext cx="9138115" cy="2362200"/>
           </a:xfrm>
         </p:spPr>
@@ -8556,211 +8561,6 @@
           </a:p>
         </p:txBody>
       </p:sp>
-      <p:pic>
-        <p:nvPicPr>
-          <p:cNvPr id="1027" name="Picture 3" descr="C:\Users\U390690\AppData\Local\Microsoft\Windows\Temporary Internet Files\Content.IE5\89HVHPY6\1024px-Green_tick_pointed.svg[1].png"/>
-          <p:cNvPicPr>
-            <a:picLocks noChangeAspect="1" noChangeArrowheads="1"/>
-          </p:cNvPicPr>
-          <p:nvPr/>
-        </p:nvPicPr>
-        <p:blipFill>
-          <a:blip r:embed="rId3">
-            <a:extLst>
-              <a:ext uri="{28A0092B-C50C-407E-A947-70E740481C1C}">
-                <a14:useLocalDpi xmlns:a14="http://schemas.microsoft.com/office/drawing/2010/main" val="0"/>
-              </a:ext>
-            </a:extLst>
-          </a:blip>
-          <a:srcRect/>
-          <a:stretch>
-            <a:fillRect/>
-          </a:stretch>
-        </p:blipFill>
-        <p:spPr bwMode="auto">
-          <a:xfrm>
-            <a:off x="5802994" y="4343401"/>
-            <a:ext cx="270409" cy="228600"/>
-          </a:xfrm>
-          <a:prstGeom prst="rect">
-            <a:avLst/>
-          </a:prstGeom>
-          <a:noFill/>
-          <a:extLst>
-            <a:ext uri="{909E8E84-426E-40DD-AFC4-6F175D3DCCD1}">
-              <a14:hiddenFill xmlns:a14="http://schemas.microsoft.com/office/drawing/2010/main">
-                <a:solidFill>
-                  <a:srgbClr val="FFFFFF"/>
-                </a:solidFill>
-              </a14:hiddenFill>
-            </a:ext>
-          </a:extLst>
-        </p:spPr>
-      </p:pic>
-      <p:pic>
-        <p:nvPicPr>
-          <p:cNvPr id="7" name="Picture 3" descr="C:\Users\U390690\AppData\Local\Microsoft\Windows\Temporary Internet Files\Content.IE5\89HVHPY6\1024px-Green_tick_pointed.svg[1].png"/>
-          <p:cNvPicPr>
-            <a:picLocks noChangeAspect="1" noChangeArrowheads="1"/>
-          </p:cNvPicPr>
-          <p:nvPr/>
-        </p:nvPicPr>
-        <p:blipFill>
-          <a:blip r:embed="rId3">
-            <a:extLst>
-              <a:ext uri="{28A0092B-C50C-407E-A947-70E740481C1C}">
-                <a14:useLocalDpi xmlns:a14="http://schemas.microsoft.com/office/drawing/2010/main" val="0"/>
-              </a:ext>
-            </a:extLst>
-          </a:blip>
-          <a:srcRect/>
-          <a:stretch>
-            <a:fillRect/>
-          </a:stretch>
-        </p:blipFill>
-        <p:spPr bwMode="auto">
-          <a:xfrm>
-            <a:off x="7972323" y="4728530"/>
-            <a:ext cx="265367" cy="141442"/>
-          </a:xfrm>
-          <a:prstGeom prst="rect">
-            <a:avLst/>
-          </a:prstGeom>
-          <a:noFill/>
-          <a:extLst>
-            <a:ext uri="{909E8E84-426E-40DD-AFC4-6F175D3DCCD1}">
-              <a14:hiddenFill xmlns:a14="http://schemas.microsoft.com/office/drawing/2010/main">
-                <a:solidFill>
-                  <a:srgbClr val="FFFFFF"/>
-                </a:solidFill>
-              </a14:hiddenFill>
-            </a:ext>
-          </a:extLst>
-        </p:spPr>
-      </p:pic>
-      <p:pic>
-        <p:nvPicPr>
-          <p:cNvPr id="1028" name="Picture 4" descr="C:\Users\U390690\AppData\Local\Microsoft\Windows\Temporary Internet Files\Content.IE5\27W2PBKH\cross-157492_640[1].png"/>
-          <p:cNvPicPr>
-            <a:picLocks noChangeAspect="1" noChangeArrowheads="1"/>
-          </p:cNvPicPr>
-          <p:nvPr/>
-        </p:nvPicPr>
-        <p:blipFill>
-          <a:blip r:embed="rId4">
-            <a:extLst>
-              <a:ext uri="{28A0092B-C50C-407E-A947-70E740481C1C}">
-                <a14:useLocalDpi xmlns:a14="http://schemas.microsoft.com/office/drawing/2010/main" val="0"/>
-              </a:ext>
-            </a:extLst>
-          </a:blip>
-          <a:srcRect/>
-          <a:stretch>
-            <a:fillRect/>
-          </a:stretch>
-        </p:blipFill>
-        <p:spPr bwMode="auto">
-          <a:xfrm>
-            <a:off x="9709551" y="4894256"/>
-            <a:ext cx="235301" cy="204725"/>
-          </a:xfrm>
-          <a:prstGeom prst="rect">
-            <a:avLst/>
-          </a:prstGeom>
-          <a:noFill/>
-          <a:extLst>
-            <a:ext uri="{909E8E84-426E-40DD-AFC4-6F175D3DCCD1}">
-              <a14:hiddenFill xmlns:a14="http://schemas.microsoft.com/office/drawing/2010/main">
-                <a:solidFill>
-                  <a:srgbClr val="FFFFFF"/>
-                </a:solidFill>
-              </a14:hiddenFill>
-            </a:ext>
-          </a:extLst>
-        </p:spPr>
-      </p:pic>
-      <p:pic>
-        <p:nvPicPr>
-          <p:cNvPr id="9" name="Picture 3" descr="C:\Users\U390690\AppData\Local\Microsoft\Windows\Temporary Internet Files\Content.IE5\89HVHPY6\1024px-Green_tick_pointed.svg[1].png"/>
-          <p:cNvPicPr>
-            <a:picLocks noChangeAspect="1" noChangeArrowheads="1"/>
-          </p:cNvPicPr>
-          <p:nvPr/>
-        </p:nvPicPr>
-        <p:blipFill>
-          <a:blip r:embed="rId3">
-            <a:extLst>
-              <a:ext uri="{28A0092B-C50C-407E-A947-70E740481C1C}">
-                <a14:useLocalDpi xmlns:a14="http://schemas.microsoft.com/office/drawing/2010/main" val="0"/>
-              </a:ext>
-            </a:extLst>
-          </a:blip>
-          <a:srcRect/>
-          <a:stretch>
-            <a:fillRect/>
-          </a:stretch>
-        </p:blipFill>
-        <p:spPr bwMode="auto">
-          <a:xfrm>
-            <a:off x="5544780" y="5092045"/>
-            <a:ext cx="270409" cy="228600"/>
-          </a:xfrm>
-          <a:prstGeom prst="rect">
-            <a:avLst/>
-          </a:prstGeom>
-          <a:noFill/>
-          <a:extLst>
-            <a:ext uri="{909E8E84-426E-40DD-AFC4-6F175D3DCCD1}">
-              <a14:hiddenFill xmlns:a14="http://schemas.microsoft.com/office/drawing/2010/main">
-                <a:solidFill>
-                  <a:srgbClr val="FFFFFF"/>
-                </a:solidFill>
-              </a14:hiddenFill>
-            </a:ext>
-          </a:extLst>
-        </p:spPr>
-      </p:pic>
-      <p:pic>
-        <p:nvPicPr>
-          <p:cNvPr id="10" name="Picture 3" descr="C:\Users\U390690\AppData\Local\Microsoft\Windows\Temporary Internet Files\Content.IE5\89HVHPY6\1024px-Green_tick_pointed.svg[1].png"/>
-          <p:cNvPicPr>
-            <a:picLocks noChangeAspect="1" noChangeArrowheads="1"/>
-          </p:cNvPicPr>
-          <p:nvPr/>
-        </p:nvPicPr>
-        <p:blipFill>
-          <a:blip r:embed="rId3">
-            <a:extLst>
-              <a:ext uri="{28A0092B-C50C-407E-A947-70E740481C1C}">
-                <a14:useLocalDpi xmlns:a14="http://schemas.microsoft.com/office/drawing/2010/main" val="0"/>
-              </a:ext>
-            </a:extLst>
-          </a:blip>
-          <a:srcRect/>
-          <a:stretch>
-            <a:fillRect/>
-          </a:stretch>
-        </p:blipFill>
-        <p:spPr bwMode="auto">
-          <a:xfrm>
-            <a:off x="5525229" y="5320658"/>
-            <a:ext cx="270409" cy="228600"/>
-          </a:xfrm>
-          <a:prstGeom prst="rect">
-            <a:avLst/>
-          </a:prstGeom>
-          <a:noFill/>
-          <a:extLst>
-            <a:ext uri="{909E8E84-426E-40DD-AFC4-6F175D3DCCD1}">
-              <a14:hiddenFill xmlns:a14="http://schemas.microsoft.com/office/drawing/2010/main">
-                <a:solidFill>
-                  <a:srgbClr val="FFFFFF"/>
-                </a:solidFill>
-              </a14:hiddenFill>
-            </a:ext>
-          </a:extLst>
-        </p:spPr>
-      </p:pic>
     </p:spTree>
     <p:extLst>
       <p:ext uri="{BB962C8B-B14F-4D97-AF65-F5344CB8AC3E}">
@@ -9202,7 +9002,12 @@
             <p:ph type="body" sz="half" idx="2"/>
           </p:nvPr>
         </p:nvSpPr>
-        <p:spPr/>
+        <p:spPr>
+          <a:xfrm>
+            <a:off x="1235874" y="2565175"/>
+            <a:ext cx="8825659" cy="2362200"/>
+          </a:xfrm>
+        </p:spPr>
         <p:txBody>
           <a:bodyPr>
             <a:normAutofit/>
@@ -9215,6 +9020,15 @@
             </a:r>
           </a:p>
           <a:p>
+            <a:r>
+              <a:rPr lang="en-GB" dirty="0" smtClean="0">
+                <a:hlinkClick r:id="rId3"/>
+              </a:rPr>
+              <a:t>https://github/jscanlon77/dependency-injection</a:t>
+            </a:r>
+            <a:endParaRPr lang="en-GB" dirty="0" smtClean="0"/>
+          </a:p>
+          <a:p>
             <a:endParaRPr lang="en-GB" dirty="0"/>
           </a:p>
           <a:p>
@@ -9226,19 +9040,19 @@
           <a:p>
             <a:r>
               <a:rPr lang="en-GB" sz="1200" dirty="0" smtClean="0">
-                <a:hlinkClick r:id="rId3"/>
+                <a:hlinkClick r:id="rId4"/>
               </a:rPr>
               <a:t>https</a:t>
             </a:r>
             <a:r>
               <a:rPr lang="en-GB" sz="1200" dirty="0">
-                <a:hlinkClick r:id="rId3"/>
+                <a:hlinkClick r:id="rId4"/>
               </a:rPr>
               <a:t>://</a:t>
             </a:r>
             <a:r>
               <a:rPr lang="en-GB" sz="1200" dirty="0" smtClean="0">
-                <a:hlinkClick r:id="rId3"/>
+                <a:hlinkClick r:id="rId4"/>
               </a:rPr>
               <a:t>wts-svn.wellsfargo.com/wcrdr-fiit-sonar/branches/SONAR_IMPORT_IOC_BRANCH/</a:t>
             </a:r>
@@ -9253,328 +9067,6 @@
     <p:extLst>
       <p:ext uri="{BB962C8B-B14F-4D97-AF65-F5344CB8AC3E}">
         <p14:creationId xmlns:p14="http://schemas.microsoft.com/office/powerpoint/2010/main" val="482000602"/>
-      </p:ext>
-    </p:extLst>
-  </p:cSld>
-  <p:clrMapOvr>
-    <a:masterClrMapping/>
-  </p:clrMapOvr>
-  <p:timing>
-    <p:tnLst>
-      <p:par>
-        <p:cTn id="1" dur="indefinite" restart="never" nodeType="tmRoot">
-          <p:childTnLst>
-            <p:seq concurrent="1" nextAc="seek">
-              <p:cTn id="2" dur="indefinite" nodeType="mainSeq">
-                <p:childTnLst>
-                  <p:par>
-                    <p:cTn id="3" fill="hold">
-                      <p:stCondLst>
-                        <p:cond delay="indefinite"/>
-                      </p:stCondLst>
-                      <p:childTnLst>
-                        <p:par>
-                          <p:cTn id="4" fill="hold">
-                            <p:stCondLst>
-                              <p:cond delay="0"/>
-                            </p:stCondLst>
-                            <p:childTnLst>
-                              <p:par>
-                                <p:cTn id="5" presetID="1" presetClass="entr" presetSubtype="0" fill="hold" grpId="0" nodeType="clickEffect">
-                                  <p:stCondLst>
-                                    <p:cond delay="0"/>
-                                  </p:stCondLst>
-                                  <p:childTnLst>
-                                    <p:set>
-                                      <p:cBhvr>
-                                        <p:cTn id="6" dur="1" fill="hold">
-                                          <p:stCondLst>
-                                            <p:cond delay="0"/>
-                                          </p:stCondLst>
-                                        </p:cTn>
-                                        <p:tgtEl>
-                                          <p:spTgt spid="3">
-                                            <p:txEl>
-                                              <p:pRg st="0" end="0"/>
-                                            </p:txEl>
-                                          </p:spTgt>
-                                        </p:tgtEl>
-                                        <p:attrNameLst>
-                                          <p:attrName>style.visibility</p:attrName>
-                                        </p:attrNameLst>
-                                      </p:cBhvr>
-                                      <p:to>
-                                        <p:strVal val="visible"/>
-                                      </p:to>
-                                    </p:set>
-                                  </p:childTnLst>
-                                </p:cTn>
-                              </p:par>
-                            </p:childTnLst>
-                          </p:cTn>
-                        </p:par>
-                      </p:childTnLst>
-                    </p:cTn>
-                  </p:par>
-                  <p:par>
-                    <p:cTn id="7" fill="hold">
-                      <p:stCondLst>
-                        <p:cond delay="indefinite"/>
-                      </p:stCondLst>
-                      <p:childTnLst>
-                        <p:par>
-                          <p:cTn id="8" fill="hold">
-                            <p:stCondLst>
-                              <p:cond delay="0"/>
-                            </p:stCondLst>
-                            <p:childTnLst>
-                              <p:par>
-                                <p:cTn id="9" presetID="1" presetClass="entr" presetSubtype="0" fill="hold" grpId="0" nodeType="clickEffect">
-                                  <p:stCondLst>
-                                    <p:cond delay="0"/>
-                                  </p:stCondLst>
-                                  <p:childTnLst>
-                                    <p:set>
-                                      <p:cBhvr>
-                                        <p:cTn id="10" dur="1" fill="hold">
-                                          <p:stCondLst>
-                                            <p:cond delay="0"/>
-                                          </p:stCondLst>
-                                        </p:cTn>
-                                        <p:tgtEl>
-                                          <p:spTgt spid="3">
-                                            <p:txEl>
-                                              <p:pRg st="2" end="2"/>
-                                            </p:txEl>
-                                          </p:spTgt>
-                                        </p:tgtEl>
-                                        <p:attrNameLst>
-                                          <p:attrName>style.visibility</p:attrName>
-                                        </p:attrNameLst>
-                                      </p:cBhvr>
-                                      <p:to>
-                                        <p:strVal val="visible"/>
-                                      </p:to>
-                                    </p:set>
-                                  </p:childTnLst>
-                                </p:cTn>
-                              </p:par>
-                            </p:childTnLst>
-                          </p:cTn>
-                        </p:par>
-                      </p:childTnLst>
-                    </p:cTn>
-                  </p:par>
-                  <p:par>
-                    <p:cTn id="11" fill="hold">
-                      <p:stCondLst>
-                        <p:cond delay="indefinite"/>
-                      </p:stCondLst>
-                      <p:childTnLst>
-                        <p:par>
-                          <p:cTn id="12" fill="hold">
-                            <p:stCondLst>
-                              <p:cond delay="0"/>
-                            </p:stCondLst>
-                            <p:childTnLst>
-                              <p:par>
-                                <p:cTn id="13" presetID="1" presetClass="entr" presetSubtype="0" fill="hold" grpId="0" nodeType="clickEffect">
-                                  <p:stCondLst>
-                                    <p:cond delay="0"/>
-                                  </p:stCondLst>
-                                  <p:childTnLst>
-                                    <p:set>
-                                      <p:cBhvr>
-                                        <p:cTn id="14" dur="1" fill="hold">
-                                          <p:stCondLst>
-                                            <p:cond delay="0"/>
-                                          </p:stCondLst>
-                                        </p:cTn>
-                                        <p:tgtEl>
-                                          <p:spTgt spid="3">
-                                            <p:txEl>
-                                              <p:pRg st="3" end="3"/>
-                                            </p:txEl>
-                                          </p:spTgt>
-                                        </p:tgtEl>
-                                        <p:attrNameLst>
-                                          <p:attrName>style.visibility</p:attrName>
-                                        </p:attrNameLst>
-                                      </p:cBhvr>
-                                      <p:to>
-                                        <p:strVal val="visible"/>
-                                      </p:to>
-                                    </p:set>
-                                  </p:childTnLst>
-                                </p:cTn>
-                              </p:par>
-                            </p:childTnLst>
-                          </p:cTn>
-                        </p:par>
-                      </p:childTnLst>
-                    </p:cTn>
-                  </p:par>
-                </p:childTnLst>
-              </p:cTn>
-              <p:prevCondLst>
-                <p:cond evt="onPrev" delay="0">
-                  <p:tgtEl>
-                    <p:sldTgt/>
-                  </p:tgtEl>
-                </p:cond>
-              </p:prevCondLst>
-              <p:nextCondLst>
-                <p:cond evt="onNext" delay="0">
-                  <p:tgtEl>
-                    <p:sldTgt/>
-                  </p:tgtEl>
-                </p:cond>
-              </p:nextCondLst>
-            </p:seq>
-          </p:childTnLst>
-        </p:cTn>
-      </p:par>
-    </p:tnLst>
-    <p:bldLst>
-      <p:bldP spid="3" grpId="0" build="p"/>
-    </p:bldLst>
-  </p:timing>
-</p:sld>
-</file>
-
-<file path=ppt/slides/slide2.xml><?xml version="1.0" encoding="utf-8"?>
-<p:sld xmlns:a="http://schemas.openxmlformats.org/drawingml/2006/main" xmlns:r="http://schemas.openxmlformats.org/officeDocument/2006/relationships" xmlns:p="http://schemas.openxmlformats.org/presentationml/2006/main">
-  <p:cSld>
-    <p:spTree>
-      <p:nvGrpSpPr>
-        <p:cNvPr id="1" name=""/>
-        <p:cNvGrpSpPr/>
-        <p:nvPr/>
-      </p:nvGrpSpPr>
-      <p:grpSpPr>
-        <a:xfrm>
-          <a:off x="0" y="0"/>
-          <a:ext cx="0" cy="0"/>
-          <a:chOff x="0" y="0"/>
-          <a:chExt cx="0" cy="0"/>
-        </a:xfrm>
-      </p:grpSpPr>
-      <p:sp>
-        <p:nvSpPr>
-          <p:cNvPr id="2" name="Title 1"/>
-          <p:cNvSpPr>
-            <a:spLocks noGrp="1"/>
-          </p:cNvSpPr>
-          <p:nvPr>
-            <p:ph type="title"/>
-          </p:nvPr>
-        </p:nvSpPr>
-        <p:spPr>
-          <a:xfrm>
-            <a:off x="1154954" y="1447800"/>
-            <a:ext cx="8825659" cy="1174019"/>
-          </a:xfrm>
-        </p:spPr>
-        <p:txBody>
-          <a:bodyPr/>
-          <a:lstStyle/>
-          <a:p>
-            <a:r>
-              <a:rPr lang="en-GB" dirty="0" smtClean="0"/>
-              <a:t>What is inversion of control?</a:t>
-            </a:r>
-            <a:endParaRPr lang="en-GB" dirty="0"/>
-          </a:p>
-        </p:txBody>
-      </p:sp>
-      <p:sp>
-        <p:nvSpPr>
-          <p:cNvPr id="3" name="Text Placeholder 2"/>
-          <p:cNvSpPr>
-            <a:spLocks noGrp="1"/>
-          </p:cNvSpPr>
-          <p:nvPr>
-            <p:ph type="body" sz="half" idx="2"/>
-          </p:nvPr>
-        </p:nvSpPr>
-        <p:spPr>
-          <a:xfrm>
-            <a:off x="1130678" y="3657600"/>
-            <a:ext cx="8825659" cy="2362200"/>
-          </a:xfrm>
-        </p:spPr>
-        <p:txBody>
-          <a:bodyPr>
-            <a:normAutofit fontScale="85000" lnSpcReduction="10000"/>
-          </a:bodyPr>
-          <a:lstStyle/>
-          <a:p>
-            <a:r>
-              <a:rPr lang="en-GB" dirty="0" smtClean="0"/>
-              <a:t>Most of the time a non-trivial application is comprised of more than two classes which may/may not have features which are related to each other. </a:t>
-            </a:r>
-          </a:p>
-          <a:p>
-            <a:r>
-              <a:rPr lang="en-GB" dirty="0" smtClean="0"/>
-              <a:t>Typically that would mean either creating a static class used by those two classes, or creating an object reference or instance of that object and any dependent objects. </a:t>
-            </a:r>
-          </a:p>
-          <a:p>
-            <a:r>
-              <a:rPr lang="en-GB" dirty="0" smtClean="0"/>
-              <a:t>The concept of inversion of control seeks to ensure that any object creation is done by an external entity. From this those two classes can see to inject dependencies to any shared objects. </a:t>
-            </a:r>
-          </a:p>
-          <a:p>
-            <a:r>
-              <a:rPr lang="en-GB" dirty="0" smtClean="0"/>
-              <a:t>So in a nutshell we are passing the responsibility of creating those objects to another entity. </a:t>
-            </a:r>
-            <a:endParaRPr lang="en-GB" dirty="0"/>
-          </a:p>
-        </p:txBody>
-      </p:sp>
-      <p:sp>
-        <p:nvSpPr>
-          <p:cNvPr id="4" name="TextBox 3"/>
-          <p:cNvSpPr txBox="1"/>
-          <p:nvPr/>
-        </p:nvSpPr>
-        <p:spPr>
-          <a:xfrm>
-            <a:off x="1221898" y="2380090"/>
-            <a:ext cx="10225876" cy="646331"/>
-          </a:xfrm>
-          <a:prstGeom prst="rect">
-            <a:avLst/>
-          </a:prstGeom>
-          <a:noFill/>
-        </p:spPr>
-        <p:txBody>
-          <a:bodyPr wrap="none" rtlCol="0">
-            <a:spAutoFit/>
-          </a:bodyPr>
-          <a:lstStyle/>
-          <a:p>
-            <a:r>
-              <a:rPr lang="en-GB" b="1" dirty="0" smtClean="0"/>
-              <a:t>Inversion of control is the passing of the responsibility of creating dependencies </a:t>
-            </a:r>
-          </a:p>
-          <a:p>
-            <a:r>
-              <a:rPr lang="en-GB" b="1" dirty="0" smtClean="0"/>
-              <a:t>to an external ‘container’. This ‘container’ is used to register all our types or dependencies.</a:t>
-            </a:r>
-            <a:endParaRPr lang="en-GB" b="1" dirty="0"/>
-          </a:p>
-        </p:txBody>
-      </p:sp>
-    </p:spTree>
-    <p:extLst>
-      <p:ext uri="{BB962C8B-B14F-4D97-AF65-F5344CB8AC3E}">
-        <p14:creationId xmlns:p14="http://schemas.microsoft.com/office/powerpoint/2010/main" val="2651671283"/>
       </p:ext>
     </p:extLst>
   </p:cSld>
@@ -9715,7 +9207,7 @@
                                         <p:tgtEl>
                                           <p:spTgt spid="3">
                                             <p:txEl>
-                                              <p:pRg st="2" end="2"/>
+                                              <p:pRg st="3" end="3"/>
                                             </p:txEl>
                                           </p:spTgt>
                                         </p:tgtEl>
@@ -9764,7 +9256,7 @@
                                         <p:tgtEl>
                                           <p:spTgt spid="3">
                                             <p:txEl>
-                                              <p:pRg st="3" end="3"/>
+                                              <p:pRg st="4" end="4"/>
                                             </p:txEl>
                                           </p:spTgt>
                                         </p:tgtEl>
@@ -9813,6 +9305,161 @@
 </p:sld>
 </file>
 
+<file path=ppt/slides/slide2.xml><?xml version="1.0" encoding="utf-8"?>
+<p:sld xmlns:a="http://schemas.openxmlformats.org/drawingml/2006/main" xmlns:r="http://schemas.openxmlformats.org/officeDocument/2006/relationships" xmlns:p="http://schemas.openxmlformats.org/presentationml/2006/main">
+  <p:cSld>
+    <p:spTree>
+      <p:nvGrpSpPr>
+        <p:cNvPr id="1" name=""/>
+        <p:cNvGrpSpPr/>
+        <p:nvPr/>
+      </p:nvGrpSpPr>
+      <p:grpSpPr>
+        <a:xfrm>
+          <a:off x="0" y="0"/>
+          <a:ext cx="0" cy="0"/>
+          <a:chOff x="0" y="0"/>
+          <a:chExt cx="0" cy="0"/>
+        </a:xfrm>
+      </p:grpSpPr>
+      <p:sp>
+        <p:nvSpPr>
+          <p:cNvPr id="2" name="Title 1"/>
+          <p:cNvSpPr>
+            <a:spLocks noGrp="1"/>
+          </p:cNvSpPr>
+          <p:nvPr>
+            <p:ph type="title"/>
+          </p:nvPr>
+        </p:nvSpPr>
+        <p:spPr>
+          <a:xfrm>
+            <a:off x="1154954" y="1447800"/>
+            <a:ext cx="8825659" cy="1174019"/>
+          </a:xfrm>
+        </p:spPr>
+        <p:txBody>
+          <a:bodyPr/>
+          <a:lstStyle/>
+          <a:p>
+            <a:r>
+              <a:rPr lang="en-GB" dirty="0" smtClean="0"/>
+              <a:t>What is inversion of control?</a:t>
+            </a:r>
+            <a:endParaRPr lang="en-GB" dirty="0"/>
+          </a:p>
+        </p:txBody>
+      </p:sp>
+      <p:sp>
+        <p:nvSpPr>
+          <p:cNvPr id="4" name="TextBox 3"/>
+          <p:cNvSpPr txBox="1"/>
+          <p:nvPr/>
+        </p:nvSpPr>
+        <p:spPr>
+          <a:xfrm>
+            <a:off x="1221898" y="2380090"/>
+            <a:ext cx="10225876" cy="646331"/>
+          </a:xfrm>
+          <a:prstGeom prst="rect">
+            <a:avLst/>
+          </a:prstGeom>
+          <a:noFill/>
+        </p:spPr>
+        <p:txBody>
+          <a:bodyPr wrap="none" rtlCol="0">
+            <a:spAutoFit/>
+          </a:bodyPr>
+          <a:lstStyle/>
+          <a:p>
+            <a:r>
+              <a:rPr lang="en-GB" b="1" dirty="0" smtClean="0"/>
+              <a:t>Inversion of control is the passing of the responsibility of creating dependencies </a:t>
+            </a:r>
+          </a:p>
+          <a:p>
+            <a:r>
+              <a:rPr lang="en-GB" b="1" dirty="0" smtClean="0"/>
+              <a:t>to an external ‘container’. This ‘container’ is used to register all our types or dependencies.</a:t>
+            </a:r>
+            <a:endParaRPr lang="en-GB" b="1" dirty="0"/>
+          </a:p>
+        </p:txBody>
+      </p:sp>
+      <p:pic>
+        <p:nvPicPr>
+          <p:cNvPr id="1027" name="Picture 3"/>
+          <p:cNvPicPr>
+            <a:picLocks noChangeAspect="1" noChangeArrowheads="1"/>
+          </p:cNvPicPr>
+          <p:nvPr/>
+        </p:nvPicPr>
+        <p:blipFill>
+          <a:blip r:embed="rId3">
+            <a:extLst>
+              <a:ext uri="{28A0092B-C50C-407E-A947-70E740481C1C}">
+                <a14:useLocalDpi xmlns:a14="http://schemas.microsoft.com/office/drawing/2010/main" val="0"/>
+              </a:ext>
+            </a:extLst>
+          </a:blip>
+          <a:srcRect/>
+          <a:stretch>
+            <a:fillRect/>
+          </a:stretch>
+        </p:blipFill>
+        <p:spPr bwMode="auto">
+          <a:xfrm>
+            <a:off x="1349390" y="3132966"/>
+            <a:ext cx="8829675" cy="3505200"/>
+          </a:xfrm>
+          <a:prstGeom prst="rect">
+            <a:avLst/>
+          </a:prstGeom>
+          <a:noFill/>
+          <a:ln>
+            <a:noFill/>
+          </a:ln>
+          <a:extLst>
+            <a:ext uri="{909E8E84-426E-40DD-AFC4-6F175D3DCCD1}">
+              <a14:hiddenFill xmlns:a14="http://schemas.microsoft.com/office/drawing/2010/main">
+                <a:solidFill>
+                  <a:schemeClr val="accent1"/>
+                </a:solidFill>
+              </a14:hiddenFill>
+            </a:ext>
+            <a:ext uri="{91240B29-F687-4F45-9708-019B960494DF}">
+              <a14:hiddenLine xmlns:a14="http://schemas.microsoft.com/office/drawing/2010/main" w="9525">
+                <a:solidFill>
+                  <a:schemeClr val="tx1"/>
+                </a:solidFill>
+                <a:miter lim="800000"/>
+                <a:headEnd/>
+                <a:tailEnd/>
+              </a14:hiddenLine>
+            </a:ext>
+          </a:extLst>
+        </p:spPr>
+      </p:pic>
+    </p:spTree>
+    <p:extLst>
+      <p:ext uri="{BB962C8B-B14F-4D97-AF65-F5344CB8AC3E}">
+        <p14:creationId xmlns:p14="http://schemas.microsoft.com/office/powerpoint/2010/main" val="2651671283"/>
+      </p:ext>
+    </p:extLst>
+  </p:cSld>
+  <p:clrMapOvr>
+    <a:masterClrMapping/>
+  </p:clrMapOvr>
+  <p:timing>
+    <p:tnLst>
+      <p:par>
+        <p:cTn id="1" dur="indefinite" restart="never" nodeType="tmRoot"/>
+      </p:par>
+    </p:tnLst>
+  </p:timing>
+</p:sld>
+</file>
+
 <file path=ppt/slides/slide3.xml><?xml version="1.0" encoding="utf-8"?>
 <p:sld xmlns:a="http://schemas.openxmlformats.org/drawingml/2006/main" xmlns:r="http://schemas.openxmlformats.org/officeDocument/2006/relationships" xmlns:p="http://schemas.openxmlformats.org/presentationml/2006/main">
   <p:cSld>
@@ -9863,7 +9510,12 @@
             <p:ph type="body" sz="half" idx="2"/>
           </p:nvPr>
         </p:nvSpPr>
-        <p:spPr/>
+        <p:spPr>
+          <a:xfrm>
+            <a:off x="1154954" y="3228722"/>
+            <a:ext cx="8825659" cy="2362200"/>
+          </a:xfrm>
+        </p:spPr>
         <p:txBody>
           <a:bodyPr>
             <a:normAutofit fontScale="77500" lnSpcReduction="20000"/>
@@ -10165,113 +9817,78 @@
             <p:ph type="title"/>
           </p:nvPr>
         </p:nvSpPr>
-        <p:spPr/>
+        <p:spPr>
+          <a:xfrm>
+            <a:off x="1202479" y="1180763"/>
+            <a:ext cx="8825659" cy="688497"/>
+          </a:xfrm>
+        </p:spPr>
         <p:txBody>
           <a:bodyPr/>
           <a:lstStyle/>
           <a:p>
             <a:r>
               <a:rPr lang="en-GB" dirty="0" smtClean="0"/>
-              <a:t>So how do I do it then?</a:t>
+              <a:t>An architectural idea</a:t>
             </a:r>
             <a:endParaRPr lang="en-GB" dirty="0"/>
           </a:p>
         </p:txBody>
       </p:sp>
-      <p:sp>
-        <p:nvSpPr>
-          <p:cNvPr id="3" name="Text Placeholder 2"/>
-          <p:cNvSpPr>
-            <a:spLocks noGrp="1"/>
-          </p:cNvSpPr>
-          <p:nvPr>
-            <p:ph type="body" sz="half" idx="2"/>
-          </p:nvPr>
-        </p:nvSpPr>
-        <p:spPr/>
-        <p:txBody>
-          <a:bodyPr>
-            <a:normAutofit fontScale="70000" lnSpcReduction="20000"/>
-          </a:bodyPr>
-          <a:lstStyle/>
-          <a:p>
-            <a:pPr marL="285750" indent="-285750">
-              <a:buFont typeface="Arial" panose="020B0604020202020204" pitchFamily="34" charset="0"/>
-              <a:buChar char="•"/>
-            </a:pPr>
-            <a:r>
-              <a:rPr lang="en-GB" dirty="0" smtClean="0"/>
-              <a:t>Firstly, the developer should understand what type of application is to be developed. </a:t>
-            </a:r>
-          </a:p>
-          <a:p>
-            <a:pPr marL="285750" indent="-285750">
-              <a:buFont typeface="Arial" panose="020B0604020202020204" pitchFamily="34" charset="0"/>
-              <a:buChar char="•"/>
-            </a:pPr>
-            <a:r>
-              <a:rPr lang="en-GB" dirty="0" smtClean="0"/>
-              <a:t>If the application is a web app or a service based application, then any object graphing and lifecycle is likely to be designed in a per request fashion, whereas something like a WPF, Windows Forms or Console Application is likely to want to create objects which have a greater lifespan before they are disposed of.</a:t>
-            </a:r>
-          </a:p>
-          <a:p>
-            <a:pPr marL="285750" indent="-285750">
-              <a:buFont typeface="Arial" panose="020B0604020202020204" pitchFamily="34" charset="0"/>
-              <a:buChar char="•"/>
-            </a:pPr>
-            <a:r>
-              <a:rPr lang="en-GB" dirty="0" smtClean="0"/>
-              <a:t>To implement an inversion of control container into the app, a developer would usually ‘</a:t>
-            </a:r>
-            <a:r>
-              <a:rPr lang="en-GB" b="1" dirty="0" smtClean="0"/>
-              <a:t>bootstrap</a:t>
-            </a:r>
-            <a:r>
-              <a:rPr lang="en-GB" dirty="0" smtClean="0"/>
-              <a:t>’ the installation of all the relevant dependencies into the container so that these dependencies can be </a:t>
-            </a:r>
-            <a:r>
-              <a:rPr lang="en-GB" b="1" dirty="0" smtClean="0"/>
-              <a:t>resolved</a:t>
-            </a:r>
-            <a:r>
-              <a:rPr lang="en-GB" dirty="0" smtClean="0"/>
-              <a:t> later on when needed.</a:t>
-            </a:r>
-          </a:p>
-          <a:p>
-            <a:pPr marL="285750" indent="-285750">
-              <a:buFont typeface="Arial" panose="020B0604020202020204" pitchFamily="34" charset="0"/>
-              <a:buChar char="•"/>
-            </a:pPr>
-            <a:r>
-              <a:rPr lang="en-GB" dirty="0" smtClean="0"/>
-              <a:t>In order to install Castle Windsor, the container can either be downloaded or installed via NUGET</a:t>
-            </a:r>
-          </a:p>
-          <a:p>
-            <a:pPr marL="285750" indent="-285750">
-              <a:buFont typeface="Arial" panose="020B0604020202020204" pitchFamily="34" charset="0"/>
-              <a:buChar char="•"/>
-            </a:pPr>
-            <a:endParaRPr lang="en-GB" dirty="0"/>
-          </a:p>
-          <a:p>
-            <a:r>
-              <a:rPr lang="en-GB" b="1" dirty="0" smtClean="0"/>
-              <a:t>Demo: How to create the container</a:t>
-            </a:r>
-          </a:p>
-          <a:p>
-            <a:pPr marL="285750" indent="-285750">
-              <a:buFont typeface="Arial" panose="020B0604020202020204" pitchFamily="34" charset="0"/>
-              <a:buChar char="•"/>
-            </a:pPr>
-            <a:endParaRPr lang="en-GB" dirty="0"/>
-          </a:p>
-        </p:txBody>
-      </p:sp>
+      <p:pic>
+        <p:nvPicPr>
+          <p:cNvPr id="2050" name="Picture 2"/>
+          <p:cNvPicPr>
+            <a:picLocks noChangeAspect="1" noChangeArrowheads="1"/>
+          </p:cNvPicPr>
+          <p:nvPr/>
+        </p:nvPicPr>
+        <p:blipFill>
+          <a:blip r:embed="rId3">
+            <a:extLst>
+              <a:ext uri="{28A0092B-C50C-407E-A947-70E740481C1C}">
+                <a14:useLocalDpi xmlns:a14="http://schemas.microsoft.com/office/drawing/2010/main" val="0"/>
+              </a:ext>
+            </a:extLst>
+          </a:blip>
+          <a:srcRect/>
+          <a:stretch>
+            <a:fillRect/>
+          </a:stretch>
+        </p:blipFill>
+        <p:spPr bwMode="auto">
+          <a:xfrm>
+            <a:off x="1322288" y="2152144"/>
+            <a:ext cx="8705850" cy="4495800"/>
+          </a:xfrm>
+          <a:prstGeom prst="rect">
+            <a:avLst/>
+          </a:prstGeom>
+          <a:noFill/>
+          <a:ln>
+            <a:noFill/>
+          </a:ln>
+          <a:extLst>
+            <a:ext uri="{909E8E84-426E-40DD-AFC4-6F175D3DCCD1}">
+              <a14:hiddenFill xmlns:a14="http://schemas.microsoft.com/office/drawing/2010/main">
+                <a:solidFill>
+                  <a:schemeClr val="accent1"/>
+                </a:solidFill>
+              </a14:hiddenFill>
+            </a:ext>
+            <a:ext uri="{91240B29-F687-4F45-9708-019B960494DF}">
+              <a14:hiddenLine xmlns:a14="http://schemas.microsoft.com/office/drawing/2010/main" w="9525">
+                <a:solidFill>
+                  <a:schemeClr val="tx1"/>
+                </a:solidFill>
+                <a:miter lim="800000"/>
+                <a:headEnd/>
+                <a:tailEnd/>
+              </a14:hiddenLine>
+            </a:ext>
+          </a:extLst>
+        </p:spPr>
+      </p:pic>
     </p:spTree>
     <p:extLst>
       <p:ext uri="{BB962C8B-B14F-4D97-AF65-F5344CB8AC3E}">
@@ -10285,280 +9902,9 @@
   <p:timing>
     <p:tnLst>
       <p:par>
-        <p:cTn id="1" dur="indefinite" restart="never" nodeType="tmRoot">
-          <p:childTnLst>
-            <p:seq concurrent="1" nextAc="seek">
-              <p:cTn id="2" dur="indefinite" nodeType="mainSeq">
-                <p:childTnLst>
-                  <p:par>
-                    <p:cTn id="3" fill="hold">
-                      <p:stCondLst>
-                        <p:cond delay="indefinite"/>
-                      </p:stCondLst>
-                      <p:childTnLst>
-                        <p:par>
-                          <p:cTn id="4" fill="hold">
-                            <p:stCondLst>
-                              <p:cond delay="0"/>
-                            </p:stCondLst>
-                            <p:childTnLst>
-                              <p:par>
-                                <p:cTn id="5" presetID="1" presetClass="entr" presetSubtype="0" fill="hold" grpId="0" nodeType="clickEffect">
-                                  <p:stCondLst>
-                                    <p:cond delay="0"/>
-                                  </p:stCondLst>
-                                  <p:childTnLst>
-                                    <p:set>
-                                      <p:cBhvr>
-                                        <p:cTn id="6" dur="1" fill="hold">
-                                          <p:stCondLst>
-                                            <p:cond delay="0"/>
-                                          </p:stCondLst>
-                                        </p:cTn>
-                                        <p:tgtEl>
-                                          <p:spTgt spid="3">
-                                            <p:txEl>
-                                              <p:pRg st="0" end="0"/>
-                                            </p:txEl>
-                                          </p:spTgt>
-                                        </p:tgtEl>
-                                        <p:attrNameLst>
-                                          <p:attrName>style.visibility</p:attrName>
-                                        </p:attrNameLst>
-                                      </p:cBhvr>
-                                      <p:to>
-                                        <p:strVal val="visible"/>
-                                      </p:to>
-                                    </p:set>
-                                  </p:childTnLst>
-                                </p:cTn>
-                              </p:par>
-                            </p:childTnLst>
-                          </p:cTn>
-                        </p:par>
-                      </p:childTnLst>
-                    </p:cTn>
-                  </p:par>
-                  <p:par>
-                    <p:cTn id="7" fill="hold">
-                      <p:stCondLst>
-                        <p:cond delay="indefinite"/>
-                      </p:stCondLst>
-                      <p:childTnLst>
-                        <p:par>
-                          <p:cTn id="8" fill="hold">
-                            <p:stCondLst>
-                              <p:cond delay="0"/>
-                            </p:stCondLst>
-                            <p:childTnLst>
-                              <p:par>
-                                <p:cTn id="9" presetID="1" presetClass="entr" presetSubtype="0" fill="hold" grpId="0" nodeType="clickEffect">
-                                  <p:stCondLst>
-                                    <p:cond delay="0"/>
-                                  </p:stCondLst>
-                                  <p:childTnLst>
-                                    <p:set>
-                                      <p:cBhvr>
-                                        <p:cTn id="10" dur="1" fill="hold">
-                                          <p:stCondLst>
-                                            <p:cond delay="0"/>
-                                          </p:stCondLst>
-                                        </p:cTn>
-                                        <p:tgtEl>
-                                          <p:spTgt spid="3">
-                                            <p:txEl>
-                                              <p:pRg st="1" end="1"/>
-                                            </p:txEl>
-                                          </p:spTgt>
-                                        </p:tgtEl>
-                                        <p:attrNameLst>
-                                          <p:attrName>style.visibility</p:attrName>
-                                        </p:attrNameLst>
-                                      </p:cBhvr>
-                                      <p:to>
-                                        <p:strVal val="visible"/>
-                                      </p:to>
-                                    </p:set>
-                                  </p:childTnLst>
-                                </p:cTn>
-                              </p:par>
-                            </p:childTnLst>
-                          </p:cTn>
-                        </p:par>
-                      </p:childTnLst>
-                    </p:cTn>
-                  </p:par>
-                  <p:par>
-                    <p:cTn id="11" fill="hold">
-                      <p:stCondLst>
-                        <p:cond delay="indefinite"/>
-                      </p:stCondLst>
-                      <p:childTnLst>
-                        <p:par>
-                          <p:cTn id="12" fill="hold">
-                            <p:stCondLst>
-                              <p:cond delay="0"/>
-                            </p:stCondLst>
-                            <p:childTnLst>
-                              <p:par>
-                                <p:cTn id="13" presetID="1" presetClass="entr" presetSubtype="0" fill="hold" grpId="0" nodeType="clickEffect">
-                                  <p:stCondLst>
-                                    <p:cond delay="0"/>
-                                  </p:stCondLst>
-                                  <p:childTnLst>
-                                    <p:set>
-                                      <p:cBhvr>
-                                        <p:cTn id="14" dur="1" fill="hold">
-                                          <p:stCondLst>
-                                            <p:cond delay="0"/>
-                                          </p:stCondLst>
-                                        </p:cTn>
-                                        <p:tgtEl>
-                                          <p:spTgt spid="3">
-                                            <p:txEl>
-                                              <p:pRg st="2" end="2"/>
-                                            </p:txEl>
-                                          </p:spTgt>
-                                        </p:tgtEl>
-                                        <p:attrNameLst>
-                                          <p:attrName>style.visibility</p:attrName>
-                                        </p:attrNameLst>
-                                      </p:cBhvr>
-                                      <p:to>
-                                        <p:strVal val="visible"/>
-                                      </p:to>
-                                    </p:set>
-                                  </p:childTnLst>
-                                </p:cTn>
-                              </p:par>
-                            </p:childTnLst>
-                          </p:cTn>
-                        </p:par>
-                      </p:childTnLst>
-                    </p:cTn>
-                  </p:par>
-                  <p:par>
-                    <p:cTn id="15" fill="hold">
-                      <p:stCondLst>
-                        <p:cond delay="indefinite"/>
-                      </p:stCondLst>
-                      <p:childTnLst>
-                        <p:par>
-                          <p:cTn id="16" fill="hold">
-                            <p:stCondLst>
-                              <p:cond delay="0"/>
-                            </p:stCondLst>
-                            <p:childTnLst>
-                              <p:par>
-                                <p:cTn id="17" presetID="1" presetClass="entr" presetSubtype="0" fill="hold" grpId="0" nodeType="clickEffect">
-                                  <p:stCondLst>
-                                    <p:cond delay="0"/>
-                                  </p:stCondLst>
-                                  <p:childTnLst>
-                                    <p:set>
-                                      <p:cBhvr>
-                                        <p:cTn id="18" dur="1" fill="hold">
-                                          <p:stCondLst>
-                                            <p:cond delay="0"/>
-                                          </p:stCondLst>
-                                        </p:cTn>
-                                        <p:tgtEl>
-                                          <p:spTgt spid="3">
-                                            <p:txEl>
-                                              <p:pRg st="3" end="3"/>
-                                            </p:txEl>
-                                          </p:spTgt>
-                                        </p:tgtEl>
-                                        <p:attrNameLst>
-                                          <p:attrName>style.visibility</p:attrName>
-                                        </p:attrNameLst>
-                                      </p:cBhvr>
-                                      <p:to>
-                                        <p:strVal val="visible"/>
-                                      </p:to>
-                                    </p:set>
-                                  </p:childTnLst>
-                                </p:cTn>
-                              </p:par>
-                            </p:childTnLst>
-                          </p:cTn>
-                        </p:par>
-                      </p:childTnLst>
-                    </p:cTn>
-                  </p:par>
-                  <p:par>
-                    <p:cTn id="19" fill="hold">
-                      <p:stCondLst>
-                        <p:cond delay="indefinite"/>
-                      </p:stCondLst>
-                      <p:childTnLst>
-                        <p:par>
-                          <p:cTn id="20" fill="hold">
-                            <p:stCondLst>
-                              <p:cond delay="0"/>
-                            </p:stCondLst>
-                            <p:childTnLst>
-                              <p:par>
-                                <p:cTn id="21" presetID="1" presetClass="entr" presetSubtype="0" fill="hold" grpId="0" nodeType="clickEffect">
-                                  <p:stCondLst>
-                                    <p:cond delay="0"/>
-                                  </p:stCondLst>
-                                  <p:childTnLst>
-                                    <p:set>
-                                      <p:cBhvr>
-                                        <p:cTn id="22" dur="1" fill="hold">
-                                          <p:stCondLst>
-                                            <p:cond delay="0"/>
-                                          </p:stCondLst>
-                                        </p:cTn>
-                                        <p:tgtEl>
-                                          <p:spTgt spid="3">
-                                            <p:txEl>
-                                              <p:pRg st="5" end="5"/>
-                                            </p:txEl>
-                                          </p:spTgt>
-                                        </p:tgtEl>
-                                        <p:attrNameLst>
-                                          <p:attrName>style.visibility</p:attrName>
-                                        </p:attrNameLst>
-                                      </p:cBhvr>
-                                      <p:to>
-                                        <p:strVal val="visible"/>
-                                      </p:to>
-                                    </p:set>
-                                  </p:childTnLst>
-                                </p:cTn>
-                              </p:par>
-                            </p:childTnLst>
-                          </p:cTn>
-                        </p:par>
-                      </p:childTnLst>
-                    </p:cTn>
-                  </p:par>
-                </p:childTnLst>
-              </p:cTn>
-              <p:prevCondLst>
-                <p:cond evt="onPrev" delay="0">
-                  <p:tgtEl>
-                    <p:sldTgt/>
-                  </p:tgtEl>
-                </p:cond>
-              </p:prevCondLst>
-              <p:nextCondLst>
-                <p:cond evt="onNext" delay="0">
-                  <p:tgtEl>
-                    <p:sldTgt/>
-                  </p:tgtEl>
-                </p:cond>
-              </p:nextCondLst>
-            </p:seq>
-          </p:childTnLst>
-        </p:cTn>
+        <p:cTn id="1" dur="indefinite" restart="never" nodeType="tmRoot"/>
       </p:par>
     </p:tnLst>
-    <p:bldLst>
-      <p:bldP spid="3" grpId="0" build="p"/>
-    </p:bldLst>
   </p:timing>
 </p:sld>
 </file>
@@ -10590,466 +9936,78 @@
             <p:ph type="title"/>
           </p:nvPr>
         </p:nvSpPr>
-        <p:spPr/>
+        <p:spPr>
+          <a:xfrm>
+            <a:off x="1154954" y="1447800"/>
+            <a:ext cx="8825659" cy="939350"/>
+          </a:xfrm>
+        </p:spPr>
         <p:txBody>
           <a:bodyPr/>
           <a:lstStyle/>
           <a:p>
             <a:r>
-              <a:rPr lang="en-GB" dirty="0" smtClean="0"/>
-              <a:t>The simplest example</a:t>
-            </a:r>
-            <a:endParaRPr lang="en-GB" dirty="0"/>
-          </a:p>
-        </p:txBody>
-      </p:sp>
-      <p:sp>
-        <p:nvSpPr>
-          <p:cNvPr id="3" name="Text Placeholder 2"/>
-          <p:cNvSpPr>
-            <a:spLocks noGrp="1"/>
-          </p:cNvSpPr>
-          <p:nvPr>
-            <p:ph type="body" sz="half" idx="2"/>
-          </p:nvPr>
-        </p:nvSpPr>
-        <p:spPr/>
-        <p:txBody>
-          <a:bodyPr>
-            <a:normAutofit fontScale="40000" lnSpcReduction="20000"/>
-          </a:bodyPr>
-          <a:lstStyle/>
-          <a:p>
-            <a:pPr marL="285750" indent="-285750">
-              <a:buFont typeface="Arial" panose="020B0604020202020204" pitchFamily="34" charset="0"/>
-              <a:buChar char="•"/>
-            </a:pPr>
-            <a:r>
-              <a:rPr lang="en-GB" dirty="0" smtClean="0"/>
-              <a:t>To create the Windsor container (and we’re going to focus on the Sonar Importer project here) we can do the following in the start-up class:</a:t>
-            </a:r>
-          </a:p>
-          <a:p>
-            <a:pPr lvl="0"/>
-            <a:r>
-              <a:rPr lang="en-US" altLang="en-US" dirty="0" smtClean="0">
+              <a:rPr lang="en-GB" sz="3600" dirty="0" smtClean="0"/>
+              <a:t>The dependency tree (from Processor)</a:t>
+            </a:r>
+            <a:endParaRPr lang="en-GB" sz="3600" dirty="0"/>
+          </a:p>
+        </p:txBody>
+      </p:sp>
+      <p:pic>
+        <p:nvPicPr>
+          <p:cNvPr id="3074" name="Picture 2"/>
+          <p:cNvPicPr>
+            <a:picLocks noChangeAspect="1" noChangeArrowheads="1"/>
+          </p:cNvPicPr>
+          <p:nvPr/>
+        </p:nvPicPr>
+        <p:blipFill>
+          <a:blip r:embed="rId3">
+            <a:extLst>
+              <a:ext uri="{28A0092B-C50C-407E-A947-70E740481C1C}">
+                <a14:useLocalDpi xmlns:a14="http://schemas.microsoft.com/office/drawing/2010/main" val="0"/>
+              </a:ext>
+            </a:extLst>
+          </a:blip>
+          <a:srcRect/>
+          <a:stretch>
+            <a:fillRect/>
+          </a:stretch>
+        </p:blipFill>
+        <p:spPr bwMode="auto">
+          <a:xfrm>
+            <a:off x="1224511" y="2422933"/>
+            <a:ext cx="9467850" cy="2886075"/>
+          </a:xfrm>
+          <a:prstGeom prst="rect">
+            <a:avLst/>
+          </a:prstGeom>
+          <a:noFill/>
+          <a:ln>
+            <a:noFill/>
+          </a:ln>
+          <a:extLst>
+            <a:ext uri="{909E8E84-426E-40DD-AFC4-6F175D3DCCD1}">
+              <a14:hiddenFill xmlns:a14="http://schemas.microsoft.com/office/drawing/2010/main">
                 <a:solidFill>
-                  <a:srgbClr val="A71D5D"/>
+                  <a:schemeClr val="accent1"/>
                 </a:solidFill>
-                <a:latin typeface="Consolas" panose="020B0609020204030204" pitchFamily="49" charset="0"/>
-                <a:cs typeface="Consolas" panose="020B0609020204030204" pitchFamily="49" charset="0"/>
-              </a:rPr>
-              <a:t>	var </a:t>
-            </a:r>
-            <a:r>
-              <a:rPr lang="en-US" altLang="en-US" dirty="0" smtClean="0">
+              </a14:hiddenFill>
+            </a:ext>
+            <a:ext uri="{91240B29-F687-4F45-9708-019B960494DF}">
+              <a14:hiddenLine xmlns:a14="http://schemas.microsoft.com/office/drawing/2010/main" w="9525">
                 <a:solidFill>
-                  <a:srgbClr val="333333"/>
+                  <a:schemeClr val="tx1"/>
                 </a:solidFill>
-                <a:latin typeface="Consolas" panose="020B0609020204030204" pitchFamily="49" charset="0"/>
-                <a:cs typeface="Consolas" panose="020B0609020204030204" pitchFamily="49" charset="0"/>
-              </a:rPr>
-              <a:t>container </a:t>
-            </a:r>
-            <a:r>
-              <a:rPr lang="en-US" altLang="en-US" dirty="0">
-                <a:solidFill>
-                  <a:srgbClr val="333333"/>
-                </a:solidFill>
-                <a:latin typeface="Consolas" panose="020B0609020204030204" pitchFamily="49" charset="0"/>
-                <a:cs typeface="Consolas" panose="020B0609020204030204" pitchFamily="49" charset="0"/>
-              </a:rPr>
-              <a:t>= </a:t>
-            </a:r>
-            <a:r>
-              <a:rPr lang="en-US" altLang="en-US" dirty="0">
-                <a:solidFill>
-                  <a:srgbClr val="A71D5D"/>
-                </a:solidFill>
-                <a:latin typeface="Consolas" panose="020B0609020204030204" pitchFamily="49" charset="0"/>
-                <a:cs typeface="Consolas" panose="020B0609020204030204" pitchFamily="49" charset="0"/>
-              </a:rPr>
-              <a:t>new</a:t>
-            </a:r>
-            <a:r>
-              <a:rPr lang="en-US" altLang="en-US" dirty="0">
-                <a:solidFill>
-                  <a:srgbClr val="333333"/>
-                </a:solidFill>
-                <a:latin typeface="Consolas" panose="020B0609020204030204" pitchFamily="49" charset="0"/>
-                <a:cs typeface="Consolas" panose="020B0609020204030204" pitchFamily="49" charset="0"/>
-              </a:rPr>
-              <a:t> WindsorContainer();</a:t>
-            </a:r>
-            <a:r>
-              <a:rPr lang="en-US" altLang="en-US" sz="800" dirty="0"/>
-              <a:t> </a:t>
-            </a:r>
-            <a:endParaRPr lang="en-US" altLang="en-US" sz="800" dirty="0" smtClean="0"/>
-          </a:p>
-          <a:p>
-            <a:pPr marL="285750" lvl="0" indent="-285750">
-              <a:buFont typeface="Arial" panose="020B0604020202020204" pitchFamily="34" charset="0"/>
-              <a:buChar char="•"/>
-            </a:pPr>
-            <a:r>
-              <a:rPr lang="en-GB" altLang="en-US" dirty="0" smtClean="0"/>
-              <a:t>So in order to make use of this container we would need to have some dependencies to register (so lets do that)</a:t>
-            </a:r>
-          </a:p>
-          <a:p>
-            <a:pPr marL="285750" lvl="0" indent="-285750">
-              <a:buFont typeface="Arial" panose="020B0604020202020204" pitchFamily="34" charset="0"/>
-              <a:buChar char="•"/>
-            </a:pPr>
-            <a:r>
-              <a:rPr lang="en-GB" altLang="en-US" dirty="0" smtClean="0"/>
-              <a:t>We create an interface named ICar and two classes named Porsche and Mercedes which both implement ICar. Now we have this we can then register them in the Windsor Container.</a:t>
-            </a:r>
-            <a:endParaRPr lang="en-GB" altLang="en-US" dirty="0"/>
-          </a:p>
-          <a:p>
-            <a:pPr marL="285750" lvl="0" indent="-285750">
-              <a:buFont typeface="Arial" panose="020B0604020202020204" pitchFamily="34" charset="0"/>
-              <a:buChar char="•"/>
-            </a:pPr>
-            <a:r>
-              <a:rPr lang="en-GB" altLang="en-US" dirty="0" smtClean="0"/>
-              <a:t>The easiest way to do this is to write this:</a:t>
-            </a:r>
-          </a:p>
-          <a:p>
-            <a:r>
-              <a:rPr lang="en-GB" dirty="0" smtClean="0">
-                <a:solidFill>
-                  <a:srgbClr val="000000"/>
-                </a:solidFill>
-                <a:highlight>
-                  <a:srgbClr val="FFFFFF"/>
-                </a:highlight>
-                <a:latin typeface="Consolas"/>
-              </a:rPr>
-              <a:t>	container.Register(</a:t>
-            </a:r>
-            <a:r>
-              <a:rPr lang="en-GB" dirty="0" err="1" smtClean="0">
-                <a:solidFill>
-                  <a:srgbClr val="2B91AF"/>
-                </a:solidFill>
-                <a:highlight>
-                  <a:srgbClr val="FFFFFF"/>
-                </a:highlight>
-                <a:latin typeface="Consolas"/>
-              </a:rPr>
-              <a:t>Component</a:t>
-            </a:r>
-            <a:r>
-              <a:rPr lang="en-GB" dirty="0" err="1" smtClean="0">
-                <a:solidFill>
-                  <a:srgbClr val="000000"/>
-                </a:solidFill>
-                <a:highlight>
-                  <a:srgbClr val="FFFFFF"/>
-                </a:highlight>
-                <a:latin typeface="Consolas"/>
-              </a:rPr>
-              <a:t>.For</a:t>
-            </a:r>
-            <a:r>
-              <a:rPr lang="en-GB" dirty="0" smtClean="0">
-                <a:solidFill>
-                  <a:srgbClr val="000000"/>
-                </a:solidFill>
-                <a:highlight>
-                  <a:srgbClr val="FFFFFF"/>
-                </a:highlight>
-                <a:latin typeface="Consolas"/>
-              </a:rPr>
-              <a:t>&lt;</a:t>
-            </a:r>
-            <a:r>
-              <a:rPr lang="en-GB" dirty="0" smtClean="0">
-                <a:solidFill>
-                  <a:srgbClr val="2B91AF"/>
-                </a:solidFill>
-                <a:highlight>
-                  <a:srgbClr val="FFFFFF"/>
-                </a:highlight>
-                <a:latin typeface="Consolas"/>
-              </a:rPr>
-              <a:t>ICar</a:t>
-            </a:r>
-            <a:r>
-              <a:rPr lang="en-GB" dirty="0">
-                <a:solidFill>
-                  <a:srgbClr val="000000"/>
-                </a:solidFill>
-                <a:highlight>
-                  <a:srgbClr val="FFFFFF"/>
-                </a:highlight>
-                <a:latin typeface="Consolas"/>
-              </a:rPr>
-              <a:t>&gt;().</a:t>
-            </a:r>
-            <a:r>
-              <a:rPr lang="en-GB" dirty="0" err="1">
-                <a:solidFill>
-                  <a:srgbClr val="000000"/>
-                </a:solidFill>
-                <a:highlight>
-                  <a:srgbClr val="FFFFFF"/>
-                </a:highlight>
-                <a:latin typeface="Consolas"/>
-              </a:rPr>
-              <a:t>ImplementedBy</a:t>
-            </a:r>
-            <a:r>
-              <a:rPr lang="en-GB" dirty="0">
-                <a:solidFill>
-                  <a:srgbClr val="000000"/>
-                </a:solidFill>
-                <a:highlight>
-                  <a:srgbClr val="FFFFFF"/>
-                </a:highlight>
-                <a:latin typeface="Consolas"/>
-              </a:rPr>
-              <a:t>&lt;</a:t>
-            </a:r>
-            <a:r>
-              <a:rPr lang="en-GB" dirty="0">
-                <a:solidFill>
-                  <a:srgbClr val="2B91AF"/>
-                </a:solidFill>
-                <a:highlight>
-                  <a:srgbClr val="FFFFFF"/>
-                </a:highlight>
-                <a:latin typeface="Consolas"/>
-              </a:rPr>
-              <a:t>Porsche</a:t>
-            </a:r>
-            <a:r>
-              <a:rPr lang="en-GB" dirty="0">
-                <a:solidFill>
-                  <a:srgbClr val="000000"/>
-                </a:solidFill>
-                <a:highlight>
-                  <a:srgbClr val="FFFFFF"/>
-                </a:highlight>
-                <a:latin typeface="Consolas"/>
-              </a:rPr>
-              <a:t>&gt;());</a:t>
-            </a:r>
-          </a:p>
-          <a:p>
-            <a:r>
-              <a:rPr lang="en-GB" dirty="0">
-                <a:solidFill>
-                  <a:srgbClr val="000000"/>
-                </a:solidFill>
-                <a:highlight>
-                  <a:srgbClr val="FFFFFF"/>
-                </a:highlight>
-                <a:latin typeface="Consolas"/>
-              </a:rPr>
-              <a:t>      </a:t>
-            </a:r>
-            <a:r>
-              <a:rPr lang="en-GB" dirty="0" smtClean="0">
-                <a:solidFill>
-                  <a:srgbClr val="000000"/>
-                </a:solidFill>
-                <a:highlight>
-                  <a:srgbClr val="FFFFFF"/>
-                </a:highlight>
-                <a:latin typeface="Consolas"/>
-              </a:rPr>
-              <a:t>	</a:t>
-            </a:r>
-            <a:r>
-              <a:rPr lang="en-GB" dirty="0" err="1" smtClean="0">
-                <a:solidFill>
-                  <a:srgbClr val="000000"/>
-                </a:solidFill>
-                <a:highlight>
-                  <a:srgbClr val="FFFFFF"/>
-                </a:highlight>
-                <a:latin typeface="Consolas"/>
-              </a:rPr>
-              <a:t>container.Register</a:t>
-            </a:r>
-            <a:r>
-              <a:rPr lang="en-GB" dirty="0" smtClean="0">
-                <a:solidFill>
-                  <a:srgbClr val="000000"/>
-                </a:solidFill>
-                <a:highlight>
-                  <a:srgbClr val="FFFFFF"/>
-                </a:highlight>
-                <a:latin typeface="Consolas"/>
-              </a:rPr>
-              <a:t>(</a:t>
-            </a:r>
-            <a:r>
-              <a:rPr lang="en-GB" dirty="0" err="1" smtClean="0">
-                <a:solidFill>
-                  <a:srgbClr val="2B91AF"/>
-                </a:solidFill>
-                <a:highlight>
-                  <a:srgbClr val="FFFFFF"/>
-                </a:highlight>
-                <a:latin typeface="Consolas"/>
-              </a:rPr>
-              <a:t>Component</a:t>
-            </a:r>
-            <a:r>
-              <a:rPr lang="en-GB" dirty="0" err="1" smtClean="0">
-                <a:solidFill>
-                  <a:srgbClr val="000000"/>
-                </a:solidFill>
-                <a:highlight>
-                  <a:srgbClr val="FFFFFF"/>
-                </a:highlight>
-                <a:latin typeface="Consolas"/>
-              </a:rPr>
-              <a:t>.For</a:t>
-            </a:r>
-            <a:r>
-              <a:rPr lang="en-GB" dirty="0" smtClean="0">
-                <a:solidFill>
-                  <a:srgbClr val="000000"/>
-                </a:solidFill>
-                <a:highlight>
-                  <a:srgbClr val="FFFFFF"/>
-                </a:highlight>
-                <a:latin typeface="Consolas"/>
-              </a:rPr>
-              <a:t>&lt;</a:t>
-            </a:r>
-            <a:r>
-              <a:rPr lang="en-GB" dirty="0" smtClean="0">
-                <a:solidFill>
-                  <a:srgbClr val="2B91AF"/>
-                </a:solidFill>
-                <a:highlight>
-                  <a:srgbClr val="FFFFFF"/>
-                </a:highlight>
-                <a:latin typeface="Consolas"/>
-              </a:rPr>
-              <a:t>ICar</a:t>
-            </a:r>
-            <a:r>
-              <a:rPr lang="en-GB" dirty="0">
-                <a:solidFill>
-                  <a:srgbClr val="000000"/>
-                </a:solidFill>
-                <a:highlight>
-                  <a:srgbClr val="FFFFFF"/>
-                </a:highlight>
-                <a:latin typeface="Consolas"/>
-              </a:rPr>
-              <a:t>&gt;().</a:t>
-            </a:r>
-            <a:r>
-              <a:rPr lang="en-GB" dirty="0" err="1">
-                <a:solidFill>
-                  <a:srgbClr val="000000"/>
-                </a:solidFill>
-                <a:highlight>
-                  <a:srgbClr val="FFFFFF"/>
-                </a:highlight>
-                <a:latin typeface="Consolas"/>
-              </a:rPr>
-              <a:t>ImplementedBy</a:t>
-            </a:r>
-            <a:r>
-              <a:rPr lang="en-GB" dirty="0">
-                <a:solidFill>
-                  <a:srgbClr val="000000"/>
-                </a:solidFill>
-                <a:highlight>
-                  <a:srgbClr val="FFFFFF"/>
-                </a:highlight>
-                <a:latin typeface="Consolas"/>
-              </a:rPr>
-              <a:t>&lt;</a:t>
-            </a:r>
-            <a:r>
-              <a:rPr lang="en-GB" dirty="0">
-                <a:solidFill>
-                  <a:srgbClr val="2B91AF"/>
-                </a:solidFill>
-                <a:highlight>
-                  <a:srgbClr val="FFFFFF"/>
-                </a:highlight>
-                <a:latin typeface="Consolas"/>
-              </a:rPr>
-              <a:t>Mercedes</a:t>
-            </a:r>
-            <a:r>
-              <a:rPr lang="en-GB" dirty="0">
-                <a:solidFill>
-                  <a:srgbClr val="000000"/>
-                </a:solidFill>
-                <a:highlight>
-                  <a:srgbClr val="FFFFFF"/>
-                </a:highlight>
-                <a:latin typeface="Consolas"/>
-              </a:rPr>
-              <a:t>&gt;());</a:t>
-            </a:r>
-            <a:endParaRPr lang="en-GB" altLang="en-US" dirty="0" smtClean="0"/>
-          </a:p>
-          <a:p>
-            <a:pPr lvl="1"/>
-            <a:r>
-              <a:rPr lang="en-GB" altLang="en-US" dirty="0" smtClean="0">
-                <a:latin typeface="Arial" panose="020B0604020202020204" pitchFamily="34" charset="0"/>
-              </a:rPr>
-              <a:t>  </a:t>
-            </a:r>
-          </a:p>
-          <a:p>
-            <a:pPr lvl="0"/>
-            <a:r>
-              <a:rPr lang="en-GB" altLang="en-US" dirty="0">
-                <a:latin typeface="Arial" panose="020B0604020202020204" pitchFamily="34" charset="0"/>
-              </a:rPr>
-              <a:t>	</a:t>
-            </a:r>
-            <a:r>
-              <a:rPr lang="en-GB" altLang="en-US" dirty="0" smtClean="0"/>
-              <a:t>The container registration collection now contains two implementations of ICar. The default implementation in Castle Windsor is that the object is a 	singleton.</a:t>
-            </a:r>
-          </a:p>
-          <a:p>
-            <a:pPr lvl="0"/>
-            <a:r>
-              <a:rPr lang="en-GB" altLang="en-US" dirty="0">
-                <a:latin typeface="Arial" panose="020B0604020202020204" pitchFamily="34" charset="0"/>
-              </a:rPr>
-              <a:t>	</a:t>
-            </a:r>
-            <a:r>
-              <a:rPr lang="en-GB" altLang="en-US" b="1" dirty="0" smtClean="0">
-                <a:latin typeface="Arial" panose="020B0604020202020204" pitchFamily="34" charset="0"/>
-              </a:rPr>
-              <a:t>Demo: Registering a couple of components</a:t>
-            </a:r>
-          </a:p>
-          <a:p>
-            <a:pPr lvl="0"/>
-            <a:endParaRPr lang="en-US" altLang="en-US" dirty="0">
-              <a:latin typeface="Arial" panose="020B0604020202020204" pitchFamily="34" charset="0"/>
-            </a:endParaRPr>
-          </a:p>
-          <a:p>
-            <a:endParaRPr lang="en-GB" dirty="0"/>
-          </a:p>
-          <a:p>
-            <a:endParaRPr lang="en-GB" dirty="0"/>
-          </a:p>
-        </p:txBody>
-      </p:sp>
+                <a:miter lim="800000"/>
+                <a:headEnd/>
+                <a:tailEnd/>
+              </a14:hiddenLine>
+            </a:ext>
+          </a:extLst>
+        </p:spPr>
+      </p:pic>
     </p:spTree>
     <p:extLst>
       <p:ext uri="{BB962C8B-B14F-4D97-AF65-F5344CB8AC3E}">
@@ -11097,7 +10055,12 @@
             <p:ph type="title"/>
           </p:nvPr>
         </p:nvSpPr>
-        <p:spPr/>
+        <p:spPr>
+          <a:xfrm>
+            <a:off x="1154954" y="1447800"/>
+            <a:ext cx="8825659" cy="1198296"/>
+          </a:xfrm>
+        </p:spPr>
         <p:txBody>
           <a:bodyPr/>
           <a:lstStyle/>
@@ -11120,7 +10083,12 @@
             <p:ph type="body" sz="half" idx="2"/>
           </p:nvPr>
         </p:nvSpPr>
-        <p:spPr/>
+        <p:spPr>
+          <a:xfrm>
+            <a:off x="1341071" y="2597543"/>
+            <a:ext cx="8825659" cy="2362200"/>
+          </a:xfrm>
+        </p:spPr>
         <p:txBody>
           <a:bodyPr>
             <a:normAutofit fontScale="62500" lnSpcReduction="20000"/>
@@ -11133,7 +10101,11 @@
             </a:pPr>
             <a:r>
               <a:rPr lang="en-GB" dirty="0" smtClean="0"/>
-              <a:t>Configuration Based</a:t>
+              <a:t>Configuration </a:t>
+            </a:r>
+            <a:r>
+              <a:rPr lang="en-GB" dirty="0" smtClean="0"/>
+              <a:t>Based</a:t>
             </a:r>
           </a:p>
           <a:p>
@@ -11141,10 +10113,7 @@
               <a:buFont typeface="Arial" panose="020B0604020202020204" pitchFamily="34" charset="0"/>
               <a:buChar char="•"/>
             </a:pPr>
-            <a:r>
-              <a:rPr lang="en-GB" dirty="0" smtClean="0"/>
-              <a:t>Normal Class and Interface Registration by Fluent API</a:t>
-            </a:r>
+            <a:endParaRPr lang="en-GB" dirty="0" smtClean="0"/>
           </a:p>
           <a:p>
             <a:pPr marL="285750" indent="-285750">
@@ -11153,16 +10122,17 @@
             </a:pPr>
             <a:r>
               <a:rPr lang="en-GB" dirty="0" smtClean="0"/>
-              <a:t>OnCreate</a:t>
-            </a:r>
-            <a:r>
-              <a:rPr lang="en-GB" dirty="0"/>
-              <a:t> </a:t>
+              <a:t>Normal Class and Interface Registration by Fluent </a:t>
             </a:r>
             <a:r>
               <a:rPr lang="en-GB" dirty="0" smtClean="0"/>
-              <a:t>(Useful if something needs to exist before a feature is specifically implemented)</a:t>
-            </a:r>
+              <a:t>API – </a:t>
+            </a:r>
+            <a:r>
+              <a:rPr lang="en-GB" b="1" dirty="0" smtClean="0"/>
+              <a:t>Demo: Show the Fluent API</a:t>
+            </a:r>
+            <a:endParaRPr lang="en-GB" b="1" dirty="0" smtClean="0"/>
           </a:p>
           <a:p>
             <a:pPr marL="285750" indent="-285750">
@@ -11171,8 +10141,31 @@
             </a:pPr>
             <a:r>
               <a:rPr lang="en-GB" dirty="0" smtClean="0"/>
-              <a:t>Registering Generic Types</a:t>
-            </a:r>
+              <a:t>OnCreate</a:t>
+            </a:r>
+            <a:r>
+              <a:rPr lang="en-GB" dirty="0"/>
+              <a:t> </a:t>
+            </a:r>
+            <a:r>
+              <a:rPr lang="en-GB" dirty="0" smtClean="0"/>
+              <a:t>(Useful if something needs to exist before a feature is specifically implemented</a:t>
+            </a:r>
+            <a:r>
+              <a:rPr lang="en-GB" dirty="0" smtClean="0"/>
+              <a:t>) – </a:t>
+            </a:r>
+            <a:r>
+              <a:rPr lang="en-GB" b="1" dirty="0" smtClean="0"/>
+              <a:t>Demo: Show that this  is the first </a:t>
+            </a:r>
+          </a:p>
+          <a:p>
+            <a:r>
+              <a:rPr lang="en-GB" b="1" dirty="0" smtClean="0"/>
+              <a:t>	to be instantiated</a:t>
+            </a:r>
+            <a:endParaRPr lang="en-GB" b="1" dirty="0" smtClean="0"/>
           </a:p>
           <a:p>
             <a:pPr marL="285750" indent="-285750">
@@ -11181,8 +10174,17 @@
             </a:pPr>
             <a:r>
               <a:rPr lang="en-GB" dirty="0" smtClean="0"/>
-              <a:t>Registering named instances</a:t>
-            </a:r>
+              <a:t>Registering Generic </a:t>
+            </a:r>
+            <a:r>
+              <a:rPr lang="en-GB" dirty="0" smtClean="0"/>
+              <a:t>Types – </a:t>
+            </a:r>
+            <a:r>
+              <a:rPr lang="en-GB" b="1" dirty="0" smtClean="0"/>
+              <a:t>Demo: Show how to register a generic type</a:t>
+            </a:r>
+            <a:endParaRPr lang="en-GB" b="1" dirty="0" smtClean="0"/>
           </a:p>
           <a:p>
             <a:pPr marL="285750" indent="-285750">
@@ -11191,8 +10193,17 @@
             </a:pPr>
             <a:r>
               <a:rPr lang="en-GB" dirty="0" smtClean="0"/>
-              <a:t>Configuring lifetime of the components</a:t>
-            </a:r>
+              <a:t>Registering named </a:t>
+            </a:r>
+            <a:r>
+              <a:rPr lang="en-GB" dirty="0" smtClean="0"/>
+              <a:t>instances – </a:t>
+            </a:r>
+            <a:r>
+              <a:rPr lang="en-GB" b="1" dirty="0" smtClean="0"/>
+              <a:t>Demo: Show how to register a generic type</a:t>
+            </a:r>
+            <a:endParaRPr lang="en-GB" b="1" dirty="0" smtClean="0"/>
           </a:p>
           <a:p>
             <a:pPr marL="285750" indent="-285750">
@@ -11201,18 +10212,55 @@
             </a:pPr>
             <a:r>
               <a:rPr lang="en-GB" dirty="0" smtClean="0"/>
-              <a:t>Typed Factory Interfaces (Smart runtime resolution)</a:t>
-            </a:r>
+              <a:t>Configuring lifetime of the </a:t>
+            </a:r>
+            <a:r>
+              <a:rPr lang="en-GB" dirty="0" smtClean="0"/>
+              <a:t>components – </a:t>
+            </a:r>
+            <a:r>
+              <a:rPr lang="en-GB" b="1" dirty="0" smtClean="0"/>
+              <a:t>Demo:</a:t>
+            </a:r>
+            <a:r>
+              <a:rPr lang="en-GB" dirty="0" smtClean="0"/>
+              <a:t> </a:t>
+            </a:r>
+            <a:r>
+              <a:rPr lang="en-GB" b="1" dirty="0" smtClean="0"/>
+              <a:t>Show how to configure lifetime of components</a:t>
+            </a:r>
+            <a:endParaRPr lang="en-GB" b="1" dirty="0" smtClean="0"/>
+          </a:p>
+          <a:p>
+            <a:pPr marL="285750" indent="-285750">
+              <a:buFont typeface="Arial" panose="020B0604020202020204" pitchFamily="34" charset="0"/>
+              <a:buChar char="•"/>
+            </a:pPr>
+            <a:r>
+              <a:rPr lang="en-GB" dirty="0" smtClean="0"/>
+              <a:t>Typed Factory Interfaces (Smart runtime resolution</a:t>
+            </a:r>
+            <a:r>
+              <a:rPr lang="en-GB" dirty="0" smtClean="0"/>
+              <a:t>) </a:t>
+            </a:r>
+            <a:r>
+              <a:rPr lang="en-GB" b="1" dirty="0" smtClean="0"/>
+              <a:t>Demo</a:t>
+            </a:r>
+            <a:r>
+              <a:rPr lang="en-GB" dirty="0" smtClean="0"/>
+              <a:t>: </a:t>
+            </a:r>
+            <a:r>
+              <a:rPr lang="en-GB" b="1" dirty="0" smtClean="0"/>
+              <a:t>Show the typed factory implementation</a:t>
+            </a:r>
+            <a:endParaRPr lang="en-GB" b="1" dirty="0" smtClean="0"/>
           </a:p>
           <a:p>
             <a:endParaRPr lang="en-GB" dirty="0" smtClean="0"/>
-          </a:p>
-          <a:p>
-            <a:r>
-              <a:rPr lang="en-GB" b="1" dirty="0" smtClean="0"/>
-              <a:t>Demo: Each type of registration in the container</a:t>
-            </a:r>
-            <a:endParaRPr lang="en-GB" b="1" dirty="0"/>
           </a:p>
         </p:txBody>
       </p:sp>
@@ -11311,7 +10359,7 @@
                                         <p:tgtEl>
                                           <p:spTgt spid="3">
                                             <p:txEl>
-                                              <p:pRg st="1" end="1"/>
+                                              <p:pRg st="2" end="2"/>
                                             </p:txEl>
                                           </p:spTgt>
                                         </p:tgtEl>
@@ -11360,7 +10408,7 @@
                                         <p:tgtEl>
                                           <p:spTgt spid="3">
                                             <p:txEl>
-                                              <p:pRg st="2" end="2"/>
+                                              <p:pRg st="3" end="3"/>
                                             </p:txEl>
                                           </p:spTgt>
                                         </p:tgtEl>
@@ -11409,7 +10457,7 @@
                                         <p:tgtEl>
                                           <p:spTgt spid="3">
                                             <p:txEl>
-                                              <p:pRg st="3" end="3"/>
+                                              <p:pRg st="4" end="4"/>
                                             </p:txEl>
                                           </p:spTgt>
                                         </p:tgtEl>
@@ -11458,7 +10506,7 @@
                                         <p:tgtEl>
                                           <p:spTgt spid="3">
                                             <p:txEl>
-                                              <p:pRg st="4" end="4"/>
+                                              <p:pRg st="5" end="5"/>
                                             </p:txEl>
                                           </p:spTgt>
                                         </p:tgtEl>
@@ -11507,7 +10555,7 @@
                                         <p:tgtEl>
                                           <p:spTgt spid="3">
                                             <p:txEl>
-                                              <p:pRg st="5" end="5"/>
+                                              <p:pRg st="6" end="6"/>
                                             </p:txEl>
                                           </p:spTgt>
                                         </p:tgtEl>
@@ -11556,7 +10604,7 @@
                                         <p:tgtEl>
                                           <p:spTgt spid="3">
                                             <p:txEl>
-                                              <p:pRg st="6" end="6"/>
+                                              <p:pRg st="7" end="7"/>
                                             </p:txEl>
                                           </p:spTgt>
                                         </p:tgtEl>
@@ -11704,7 +10752,12 @@
             <p:ph type="body" sz="half" idx="2"/>
           </p:nvPr>
         </p:nvSpPr>
-        <p:spPr/>
+        <p:spPr>
+          <a:xfrm>
+            <a:off x="1138770" y="2411427"/>
+            <a:ext cx="8825659" cy="2362200"/>
+          </a:xfrm>
+        </p:spPr>
         <p:txBody>
           <a:bodyPr>
             <a:normAutofit fontScale="92500" lnSpcReduction="10000"/>
@@ -11981,7 +11034,7 @@
           <a:p>
             <a:r>
               <a:rPr lang="en-GB" dirty="0" smtClean="0"/>
-              <a:t>Resolving dependencies </a:t>
+              <a:t>Resolving a dependency</a:t>
             </a:r>
             <a:endParaRPr lang="en-GB" dirty="0"/>
           </a:p>
@@ -11999,7 +11052,7 @@
         </p:nvSpPr>
         <p:spPr>
           <a:xfrm>
-            <a:off x="1154954" y="3681876"/>
+            <a:off x="1219691" y="2435703"/>
             <a:ext cx="8825659" cy="2362200"/>
           </a:xfrm>
         </p:spPr>
@@ -12411,7 +11464,7 @@
   <a:extraClrSchemeLst/>
   <a:extLst>
     <a:ext uri="{05A4C25C-085E-4340-85A3-A5531E510DB2}">
-      <thm15:themeFamily xmlns="" xmlns:thm15="http://schemas.microsoft.com/office/thememl/2012/main" name="Ion" id="{B8441ADB-2E43-4AF7-B97A-BD870242C6A8}" vid="{292E63A9-BB86-4E3D-B92A-7223C6510D2E}"/>
+      <thm15:themeFamily xmlns:thm15="http://schemas.microsoft.com/office/thememl/2012/main" xmlns="" name="Ion" id="{B8441ADB-2E43-4AF7-B97A-BD870242C6A8}" vid="{292E63A9-BB86-4E3D-B92A-7223C6510D2E}"/>
     </a:ext>
   </a:extLst>
 </a:theme>

--- a/Castle Windsor Inversion of Control.pptx
+++ b/Castle Windsor Inversion of Control.pptx
@@ -5,7 +5,7 @@
     <p:sldMasterId id="2147483648" r:id="rId1"/>
   </p:sldMasterIdLst>
   <p:notesMasterIdLst>
-    <p:notesMasterId r:id="rId15"/>
+    <p:notesMasterId r:id="rId18"/>
   </p:notesMasterIdLst>
   <p:sldIdLst>
     <p:sldId id="256" r:id="rId2"/>
@@ -14,13 +14,16 @@
     <p:sldId id="259" r:id="rId5"/>
     <p:sldId id="260" r:id="rId6"/>
     <p:sldId id="261" r:id="rId7"/>
-    <p:sldId id="262" r:id="rId8"/>
-    <p:sldId id="263" r:id="rId9"/>
-    <p:sldId id="265" r:id="rId10"/>
-    <p:sldId id="266" r:id="rId11"/>
-    <p:sldId id="264" r:id="rId12"/>
-    <p:sldId id="267" r:id="rId13"/>
-    <p:sldId id="268" r:id="rId14"/>
+    <p:sldId id="269" r:id="rId8"/>
+    <p:sldId id="270" r:id="rId9"/>
+    <p:sldId id="271" r:id="rId10"/>
+    <p:sldId id="262" r:id="rId11"/>
+    <p:sldId id="263" r:id="rId12"/>
+    <p:sldId id="265" r:id="rId13"/>
+    <p:sldId id="266" r:id="rId14"/>
+    <p:sldId id="264" r:id="rId15"/>
+    <p:sldId id="267" r:id="rId16"/>
+    <p:sldId id="268" r:id="rId17"/>
   </p:sldIdLst>
   <p:sldSz cx="12192000" cy="6858000"/>
   <p:notesSz cx="7010400" cy="9296400"/>
@@ -204,7 +207,7 @@
           <a:p>
             <a:fld id="{379D1070-BEDC-42A4-AAFB-8F85D17E0DE1}" type="datetimeFigureOut">
               <a:rPr lang="en-GB" smtClean="0"/>
-              <a:t>28/10/2015</a:t>
+              <a:t>29/10/2015</a:t>
             </a:fld>
             <a:endParaRPr lang="en-GB"/>
           </a:p>
@@ -600,21 +603,39 @@
           <a:bodyPr/>
           <a:lstStyle/>
           <a:p>
+            <a:r>
+              <a:rPr lang="en-GB" dirty="0" smtClean="0"/>
+              <a:t>Explain that so long as types are registered, including their interfaces as parameters in the constructor will act the same as calling Resolve&lt;T&gt; on the type.</a:t>
+            </a:r>
+          </a:p>
+          <a:p>
+            <a:endParaRPr lang="en-GB" dirty="0"/>
+          </a:p>
+          <a:p>
+            <a:r>
+              <a:rPr lang="en-GB" dirty="0" smtClean="0"/>
+              <a:t>Remove one of the registrations so that we can see the application throw an error when it cannot find one of the types to resolve.</a:t>
+            </a:r>
+          </a:p>
+          <a:p>
+            <a:endParaRPr lang="en-GB" dirty="0"/>
+          </a:p>
+          <a:p>
             <a:pPr marL="232943" indent="-232943">
               <a:buFont typeface="+mj-lt"/>
               <a:buAutoNum type="arabicPeriod"/>
             </a:pPr>
             <a:r>
               <a:rPr lang="en-GB" dirty="0" smtClean="0"/>
-              <a:t>Illustrate the lines in the </a:t>
-            </a:r>
-            <a:r>
-              <a:rPr lang="en-GB" dirty="0" err="1" smtClean="0"/>
-              <a:t>FactoryInstaller.cs</a:t>
+              <a:t>Remove </a:t>
+            </a:r>
+            <a:r>
+              <a:rPr lang="en-GB" dirty="0"/>
+              <a:t>I</a:t>
             </a:r>
             <a:r>
               <a:rPr lang="en-GB" dirty="0" smtClean="0"/>
-              <a:t> which allow us to create typed factories. Illustrate that we will need to name each component.</a:t>
+              <a:t>bike registration.</a:t>
             </a:r>
           </a:p>
           <a:p>
@@ -624,175 +645,8 @@
             </a:pPr>
             <a:r>
               <a:rPr lang="en-GB" dirty="0" smtClean="0"/>
-              <a:t>Talk about how we only need to register an interface for the factory (no implementation is needed)</a:t>
-            </a:r>
-          </a:p>
-          <a:p>
-            <a:pPr marL="232943" indent="-232943">
-              <a:buFont typeface="+mj-lt"/>
-              <a:buAutoNum type="arabicPeriod"/>
-            </a:pPr>
-            <a:r>
-              <a:rPr lang="en-GB" dirty="0" smtClean="0"/>
-              <a:t>The named instance is then prefixed by Get…… and Windsor automatically resolves the correct one for us.</a:t>
-            </a:r>
-          </a:p>
-          <a:p>
-            <a:pPr marL="232943" indent="-232943">
-              <a:buFont typeface="+mj-lt"/>
-              <a:buAutoNum type="arabicPeriod"/>
-            </a:pPr>
-            <a:r>
-              <a:rPr lang="en-GB" dirty="0" smtClean="0"/>
-              <a:t>Show that if we change the method on the interface we get a </a:t>
-            </a:r>
-            <a:r>
-              <a:rPr lang="en-GB" dirty="0" err="1" smtClean="0"/>
-              <a:t>Koenigsegg</a:t>
-            </a:r>
-            <a:r>
-              <a:rPr lang="en-GB" dirty="0" smtClean="0"/>
-              <a:t> instead.</a:t>
-            </a:r>
-          </a:p>
-          <a:p>
-            <a:endParaRPr lang="en-GB" dirty="0" smtClean="0"/>
-          </a:p>
-          <a:p>
-            <a:r>
-              <a:rPr lang="en-GB" dirty="0"/>
-              <a:t>public interface </a:t>
-            </a:r>
-            <a:r>
-              <a:rPr lang="en-GB" dirty="0" err="1"/>
-              <a:t>IInsaneCarFactory</a:t>
-            </a:r>
-            <a:endParaRPr lang="en-GB" dirty="0"/>
-          </a:p>
-          <a:p>
-            <a:r>
-              <a:rPr lang="en-GB" dirty="0"/>
-              <a:t>    {</a:t>
-            </a:r>
-          </a:p>
-          <a:p>
-            <a:r>
-              <a:rPr lang="en-GB" dirty="0"/>
-              <a:t>        </a:t>
-            </a:r>
-            <a:r>
-              <a:rPr lang="en-GB" dirty="0" err="1"/>
-              <a:t>IInsaneCar</a:t>
-            </a:r>
-            <a:r>
-              <a:rPr lang="en-GB" dirty="0"/>
-              <a:t> </a:t>
-            </a:r>
-            <a:r>
-              <a:rPr lang="en-GB" dirty="0" err="1"/>
-              <a:t>GetBugatti</a:t>
-            </a:r>
-            <a:r>
-              <a:rPr lang="en-GB" dirty="0"/>
-              <a:t>();</a:t>
-            </a:r>
-          </a:p>
-          <a:p>
-            <a:r>
-              <a:rPr lang="en-GB" dirty="0"/>
-              <a:t>        </a:t>
-            </a:r>
-            <a:r>
-              <a:rPr lang="en-GB" dirty="0" err="1"/>
-              <a:t>IInsaneCar</a:t>
-            </a:r>
-            <a:r>
-              <a:rPr lang="en-GB" dirty="0"/>
-              <a:t> </a:t>
-            </a:r>
-            <a:r>
-              <a:rPr lang="en-GB" dirty="0" err="1"/>
-              <a:t>GetKoenigsegg</a:t>
-            </a:r>
-            <a:r>
-              <a:rPr lang="en-GB" dirty="0"/>
-              <a:t>();</a:t>
-            </a:r>
-          </a:p>
-          <a:p>
-            <a:r>
-              <a:rPr lang="en-GB" dirty="0"/>
-              <a:t>    </a:t>
-            </a:r>
-            <a:r>
-              <a:rPr lang="en-GB" dirty="0" smtClean="0"/>
-              <a:t>}</a:t>
-            </a:r>
-          </a:p>
-          <a:p>
-            <a:endParaRPr lang="en-GB" dirty="0"/>
-          </a:p>
-          <a:p>
-            <a:r>
-              <a:rPr lang="en-GB" dirty="0" smtClean="0"/>
-              <a:t>In </a:t>
-            </a:r>
-            <a:r>
-              <a:rPr lang="en-GB" dirty="0" err="1" smtClean="0"/>
-              <a:t>Processor.cs</a:t>
-            </a:r>
-            <a:endParaRPr lang="en-GB" dirty="0" smtClean="0"/>
-          </a:p>
-          <a:p>
-            <a:endParaRPr lang="en-GB" dirty="0"/>
-          </a:p>
-          <a:p>
-            <a:r>
-              <a:rPr lang="en-US" dirty="0"/>
-              <a:t>// Show that we can get a specific car from the factory</a:t>
-            </a:r>
-          </a:p>
-          <a:p>
-            <a:r>
-              <a:rPr lang="en-GB" dirty="0"/>
-              <a:t>            var </a:t>
-            </a:r>
-            <a:r>
-              <a:rPr lang="en-GB" dirty="0" err="1"/>
-              <a:t>insaneCar</a:t>
-            </a:r>
-            <a:r>
-              <a:rPr lang="en-GB" dirty="0"/>
-              <a:t> = _</a:t>
-            </a:r>
-            <a:r>
-              <a:rPr lang="en-GB" dirty="0" err="1"/>
-              <a:t>insaneCarFactory.GetBugatti</a:t>
-            </a:r>
-            <a:r>
-              <a:rPr lang="en-GB" dirty="0"/>
-              <a:t>();</a:t>
-            </a:r>
-          </a:p>
-          <a:p>
-            <a:r>
-              <a:rPr lang="en-GB" dirty="0"/>
-              <a:t>            </a:t>
-            </a:r>
-            <a:r>
-              <a:rPr lang="en-GB" dirty="0" err="1"/>
-              <a:t>insaneCar.FloorItRidiculously</a:t>
-            </a:r>
-            <a:r>
-              <a:rPr lang="en-GB" dirty="0"/>
-              <a:t>();</a:t>
-            </a:r>
-            <a:endParaRPr lang="en-GB" dirty="0" smtClean="0"/>
-          </a:p>
-          <a:p>
-            <a:endParaRPr lang="en-GB" dirty="0"/>
-          </a:p>
-          <a:p>
+              <a:t>Show them the exception.</a:t>
+            </a:r>
             <a:endParaRPr lang="en-GB" dirty="0"/>
           </a:p>
         </p:txBody>
@@ -823,7 +677,7 @@
     </p:spTree>
     <p:extLst>
       <p:ext uri="{BB962C8B-B14F-4D97-AF65-F5344CB8AC3E}">
-        <p14:creationId xmlns:p14="http://schemas.microsoft.com/office/powerpoint/2010/main" val="187853117"/>
+        <p14:creationId xmlns:p14="http://schemas.microsoft.com/office/powerpoint/2010/main" val="2096748550"/>
       </p:ext>
     </p:extLst>
   </p:cSld>
@@ -877,50 +731,99 @@
           <a:bodyPr/>
           <a:lstStyle/>
           <a:p>
-            <a:pPr marL="232943" indent="-232943">
-              <a:buFont typeface="+mj-lt"/>
-              <a:buAutoNum type="arabicPeriod"/>
-            </a:pPr>
             <a:r>
               <a:rPr lang="en-GB" dirty="0" smtClean="0"/>
-              <a:t>Show how each type always has an interface</a:t>
-            </a:r>
-          </a:p>
-          <a:p>
-            <a:pPr marL="232943" indent="-232943">
-              <a:buFont typeface="+mj-lt"/>
-              <a:buAutoNum type="arabicPeriod"/>
-            </a:pPr>
+              <a:t>Explain that if two interface implementations are registered, the first one or the one which has </a:t>
+            </a:r>
+            <a:r>
+              <a:rPr lang="en-GB" dirty="0" err="1" smtClean="0"/>
+              <a:t>IsDefault</a:t>
+            </a:r>
             <a:r>
               <a:rPr lang="en-GB" dirty="0" smtClean="0"/>
-              <a:t>Illustrate that we have injected (inversion of control on the types)</a:t>
-            </a:r>
-          </a:p>
-          <a:p>
-            <a:pPr marL="232943" indent="-232943">
-              <a:buFont typeface="+mj-lt"/>
-              <a:buAutoNum type="arabicPeriod"/>
-            </a:pPr>
+              <a:t>() specified is the one which will be resolved.</a:t>
+            </a:r>
+          </a:p>
+          <a:p>
+            <a:endParaRPr lang="en-GB" dirty="0"/>
+          </a:p>
+          <a:p>
             <a:r>
               <a:rPr lang="en-GB" dirty="0" smtClean="0"/>
-              <a:t>Each class only does one thing and one thing only</a:t>
-            </a:r>
-          </a:p>
-          <a:p>
-            <a:pPr marL="232943" indent="-232943">
-              <a:buFont typeface="+mj-lt"/>
-              <a:buAutoNum type="arabicPeriod"/>
-            </a:pPr>
+              <a:t>Create the two interfaces and add the </a:t>
+            </a:r>
+            <a:r>
+              <a:rPr lang="en-GB" dirty="0" err="1" smtClean="0"/>
+              <a:t>IsDefault</a:t>
+            </a:r>
             <a:r>
               <a:rPr lang="en-GB" dirty="0" smtClean="0"/>
-              <a:t>Open closed principle based on interfaces i.e if you want to extend, add another method to the interface so it doesn’t break existing features.</a:t>
-            </a:r>
-          </a:p>
-          <a:p>
-            <a:pPr marL="232943" indent="-232943">
-              <a:buFont typeface="+mj-lt"/>
-              <a:buAutoNum type="arabicPeriod"/>
-            </a:pPr>
+              <a:t>() configuration to one of them. So for the two </a:t>
+            </a:r>
+            <a:r>
+              <a:rPr lang="en-GB" dirty="0" err="1" smtClean="0"/>
+              <a:t>Icar</a:t>
+            </a:r>
+            <a:r>
+              <a:rPr lang="en-GB" dirty="0" smtClean="0"/>
+              <a:t> interfaces show that the Porsche one will always resolve unless </a:t>
+            </a:r>
+            <a:r>
+              <a:rPr lang="en-GB" dirty="0" err="1" smtClean="0"/>
+              <a:t>IsDefault</a:t>
+            </a:r>
+            <a:r>
+              <a:rPr lang="en-GB" dirty="0" smtClean="0"/>
+              <a:t> is specified on the Mercedes.</a:t>
+            </a:r>
+          </a:p>
+          <a:p>
+            <a:endParaRPr lang="en-GB" dirty="0" smtClean="0"/>
+          </a:p>
+          <a:p>
+            <a:r>
+              <a:rPr lang="en-GB" dirty="0" smtClean="0"/>
+              <a:t>Add this.</a:t>
+            </a:r>
+            <a:endParaRPr lang="en-GB" dirty="0"/>
+          </a:p>
+          <a:p>
+            <a:r>
+              <a:rPr lang="en-GB" dirty="0" err="1"/>
+              <a:t>container.Register</a:t>
+            </a:r>
+            <a:r>
+              <a:rPr lang="en-GB" dirty="0"/>
+              <a:t>(</a:t>
+            </a:r>
+            <a:r>
+              <a:rPr lang="en-GB" dirty="0" err="1"/>
+              <a:t>Component.For</a:t>
+            </a:r>
+            <a:r>
+              <a:rPr lang="en-GB" dirty="0"/>
+              <a:t>&lt;ICar&gt;().</a:t>
+            </a:r>
+            <a:r>
+              <a:rPr lang="en-GB" dirty="0" err="1"/>
+              <a:t>ImplementedBy</a:t>
+            </a:r>
+            <a:r>
+              <a:rPr lang="en-GB" dirty="0"/>
+              <a:t>&lt;Mercedes</a:t>
+            </a:r>
+            <a:r>
+              <a:rPr lang="en-GB" dirty="0" smtClean="0"/>
+              <a:t>&gt;()).</a:t>
+            </a:r>
+            <a:r>
+              <a:rPr lang="en-GB" dirty="0" err="1" smtClean="0"/>
+              <a:t>IsDefault</a:t>
+            </a:r>
+            <a:r>
+              <a:rPr lang="en-GB" dirty="0" smtClean="0"/>
+              <a:t>()</a:t>
+            </a:r>
             <a:endParaRPr lang="en-GB" dirty="0"/>
           </a:p>
         </p:txBody>
@@ -951,7 +854,7 @@
     </p:spTree>
     <p:extLst>
       <p:ext uri="{BB962C8B-B14F-4D97-AF65-F5344CB8AC3E}">
-        <p14:creationId xmlns:p14="http://schemas.microsoft.com/office/powerpoint/2010/main" val="1083150092"/>
+        <p14:creationId xmlns:p14="http://schemas.microsoft.com/office/powerpoint/2010/main" val="2064368614"/>
       </p:ext>
     </p:extLst>
   </p:cSld>
@@ -1011,38 +914,112 @@
             </a:pPr>
             <a:r>
               <a:rPr lang="en-GB" dirty="0" smtClean="0"/>
-              <a:t>Show the test project and explain you need </a:t>
-            </a:r>
-            <a:r>
-              <a:rPr lang="en-GB" dirty="0" err="1" smtClean="0"/>
-              <a:t>Nunit</a:t>
+              <a:t>Show them that the Inline dependency has been set</a:t>
+            </a:r>
+          </a:p>
+          <a:p>
+            <a:endParaRPr lang="en-GB" dirty="0"/>
+          </a:p>
+          <a:p>
+            <a:r>
+              <a:rPr lang="en-US" dirty="0"/>
+              <a:t>const string </a:t>
+            </a:r>
+            <a:r>
+              <a:rPr lang="en-US" dirty="0" err="1"/>
+              <a:t>logDirectory</a:t>
+            </a:r>
+            <a:r>
+              <a:rPr lang="en-US" dirty="0"/>
+              <a:t> = @"some directory";</a:t>
+            </a:r>
+          </a:p>
+          <a:p>
+            <a:endParaRPr lang="en-GB" dirty="0"/>
+          </a:p>
+          <a:p>
+            <a:r>
+              <a:rPr lang="en-GB" dirty="0"/>
+              <a:t>            container.Register(</a:t>
+            </a:r>
+          </a:p>
+          <a:p>
+            <a:r>
+              <a:rPr lang="en-GB" dirty="0"/>
+              <a:t>                </a:t>
+            </a:r>
+            <a:r>
+              <a:rPr lang="en-GB" dirty="0" err="1"/>
+              <a:t>Component.For</a:t>
+            </a:r>
+            <a:r>
+              <a:rPr lang="en-GB" dirty="0"/>
+              <a:t>&lt;</a:t>
+            </a:r>
+            <a:r>
+              <a:rPr lang="en-GB" dirty="0" err="1"/>
+              <a:t>ILogService</a:t>
+            </a:r>
+            <a:r>
+              <a:rPr lang="en-GB" dirty="0"/>
+              <a:t>&gt;().</a:t>
+            </a:r>
+            <a:r>
+              <a:rPr lang="en-GB" dirty="0" err="1"/>
+              <a:t>ImplementedBy</a:t>
+            </a:r>
+            <a:r>
+              <a:rPr lang="en-GB" dirty="0"/>
+              <a:t>&lt;</a:t>
+            </a:r>
+            <a:r>
+              <a:rPr lang="en-GB" dirty="0" err="1"/>
+              <a:t>LogService</a:t>
+            </a:r>
+            <a:r>
+              <a:rPr lang="en-GB" dirty="0"/>
+              <a:t>&gt;()</a:t>
+            </a:r>
+          </a:p>
+          <a:p>
+            <a:r>
+              <a:rPr lang="en-GB" dirty="0"/>
+              <a:t>                    .</a:t>
+            </a:r>
+            <a:r>
+              <a:rPr lang="en-GB" dirty="0" err="1"/>
+              <a:t>DependsOn</a:t>
+            </a:r>
+            <a:r>
+              <a:rPr lang="en-GB" dirty="0"/>
+              <a:t>(</a:t>
+            </a:r>
+            <a:r>
+              <a:rPr lang="en-GB" dirty="0" err="1"/>
+              <a:t>Dependency.OnValue</a:t>
+            </a:r>
+            <a:r>
+              <a:rPr lang="en-GB" dirty="0"/>
+              <a:t>("LogDirectory", logDirectory</a:t>
             </a:r>
             <a:r>
               <a:rPr lang="en-GB" dirty="0" smtClean="0"/>
-              <a:t>, MOQ or Rhino Mocks and TestDriven.NET or </a:t>
-            </a:r>
-            <a:r>
-              <a:rPr lang="en-GB" dirty="0" err="1"/>
-              <a:t>R</a:t>
-            </a:r>
-            <a:r>
-              <a:rPr lang="en-GB" dirty="0" err="1" smtClean="0"/>
-              <a:t>esharper</a:t>
-            </a:r>
+              <a:t>))</a:t>
+            </a:r>
+          </a:p>
+          <a:p>
+            <a:endParaRPr lang="en-GB" dirty="0" smtClean="0"/>
+          </a:p>
+          <a:p>
             <a:r>
               <a:rPr lang="en-GB" dirty="0" smtClean="0"/>
-              <a:t> to run the tests.</a:t>
-            </a:r>
-          </a:p>
-          <a:p>
-            <a:pPr marL="232943" indent="-232943">
-              <a:buFont typeface="+mj-lt"/>
-              <a:buAutoNum type="arabicPeriod"/>
-            </a:pPr>
-            <a:r>
-              <a:rPr lang="en-GB" dirty="0" smtClean="0"/>
-              <a:t>Add extra code to break the tests and run all tests again and then fix the tests too.</a:t>
-            </a:r>
+              <a:t>Show them the debugged code where this property is set.</a:t>
+            </a:r>
+          </a:p>
+          <a:p>
+            <a:endParaRPr lang="en-GB" dirty="0"/>
+          </a:p>
+          <a:p>
             <a:endParaRPr lang="en-GB" dirty="0"/>
           </a:p>
         </p:txBody>
@@ -1073,7 +1050,7 @@
     </p:spTree>
     <p:extLst>
       <p:ext uri="{BB962C8B-B14F-4D97-AF65-F5344CB8AC3E}">
-        <p14:creationId xmlns:p14="http://schemas.microsoft.com/office/powerpoint/2010/main" val="2797587003"/>
+        <p14:creationId xmlns:p14="http://schemas.microsoft.com/office/powerpoint/2010/main" val="741023200"/>
       </p:ext>
     </p:extLst>
   </p:cSld>
@@ -1127,7 +1104,200 @@
           <a:bodyPr/>
           <a:lstStyle/>
           <a:p>
-            <a:endParaRPr lang="en-GB"/>
+            <a:pPr marL="232943" indent="-232943">
+              <a:buFont typeface="+mj-lt"/>
+              <a:buAutoNum type="arabicPeriod"/>
+            </a:pPr>
+            <a:r>
+              <a:rPr lang="en-GB" dirty="0" smtClean="0"/>
+              <a:t>Illustrate the lines in the </a:t>
+            </a:r>
+            <a:r>
+              <a:rPr lang="en-GB" dirty="0" err="1" smtClean="0"/>
+              <a:t>FactoryInstaller.cs</a:t>
+            </a:r>
+            <a:r>
+              <a:rPr lang="en-GB" dirty="0" smtClean="0"/>
+              <a:t> which allow us to create typed factories. Illustrate that we will need to name each component.</a:t>
+            </a:r>
+          </a:p>
+          <a:p>
+            <a:pPr marL="232943" indent="-232943">
+              <a:buFont typeface="+mj-lt"/>
+              <a:buAutoNum type="arabicPeriod"/>
+            </a:pPr>
+            <a:r>
+              <a:rPr lang="en-GB" dirty="0" smtClean="0"/>
+              <a:t>Talk about how we only need to register an interface for the factory (no implementation is needed)</a:t>
+            </a:r>
+          </a:p>
+          <a:p>
+            <a:pPr marL="232943" indent="-232943">
+              <a:buFont typeface="+mj-lt"/>
+              <a:buAutoNum type="arabicPeriod"/>
+            </a:pPr>
+            <a:r>
+              <a:rPr lang="en-GB" dirty="0" smtClean="0"/>
+              <a:t>The named instance is then prefixed by Get…… and Windsor automatically resolves the correct one for us.</a:t>
+            </a:r>
+          </a:p>
+          <a:p>
+            <a:pPr marL="232943" indent="-232943">
+              <a:buFont typeface="+mj-lt"/>
+              <a:buAutoNum type="arabicPeriod"/>
+            </a:pPr>
+            <a:r>
+              <a:rPr lang="en-GB" dirty="0" smtClean="0"/>
+              <a:t>Show that if we change the method on the interface we get a </a:t>
+            </a:r>
+            <a:r>
+              <a:rPr lang="en-GB" dirty="0" err="1" smtClean="0"/>
+              <a:t>Koenigsegg</a:t>
+            </a:r>
+            <a:r>
+              <a:rPr lang="en-GB" dirty="0" smtClean="0"/>
+              <a:t> instead.</a:t>
+            </a:r>
+          </a:p>
+          <a:p>
+            <a:endParaRPr lang="en-GB" dirty="0" smtClean="0"/>
+          </a:p>
+          <a:p>
+            <a:r>
+              <a:rPr lang="en-GB" dirty="0"/>
+              <a:t>public interface </a:t>
+            </a:r>
+            <a:r>
+              <a:rPr lang="en-GB" dirty="0" err="1"/>
+              <a:t>IInsaneCarFactory</a:t>
+            </a:r>
+            <a:endParaRPr lang="en-GB" dirty="0"/>
+          </a:p>
+          <a:p>
+            <a:r>
+              <a:rPr lang="en-GB" dirty="0"/>
+              <a:t>    {</a:t>
+            </a:r>
+          </a:p>
+          <a:p>
+            <a:r>
+              <a:rPr lang="en-GB" dirty="0"/>
+              <a:t>        </a:t>
+            </a:r>
+            <a:r>
+              <a:rPr lang="en-GB" dirty="0" err="1"/>
+              <a:t>IInsaneCar</a:t>
+            </a:r>
+            <a:r>
+              <a:rPr lang="en-GB" dirty="0"/>
+              <a:t> </a:t>
+            </a:r>
+            <a:r>
+              <a:rPr lang="en-GB" dirty="0" err="1"/>
+              <a:t>GetBugatti</a:t>
+            </a:r>
+            <a:r>
+              <a:rPr lang="en-GB" dirty="0"/>
+              <a:t>();</a:t>
+            </a:r>
+          </a:p>
+          <a:p>
+            <a:r>
+              <a:rPr lang="en-GB" dirty="0"/>
+              <a:t>        </a:t>
+            </a:r>
+            <a:r>
+              <a:rPr lang="en-GB" dirty="0" err="1"/>
+              <a:t>IInsaneCar</a:t>
+            </a:r>
+            <a:r>
+              <a:rPr lang="en-GB" dirty="0"/>
+              <a:t> </a:t>
+            </a:r>
+            <a:r>
+              <a:rPr lang="en-GB" dirty="0" err="1"/>
+              <a:t>GetKoenigsegg</a:t>
+            </a:r>
+            <a:r>
+              <a:rPr lang="en-GB" dirty="0"/>
+              <a:t>();</a:t>
+            </a:r>
+          </a:p>
+          <a:p>
+            <a:r>
+              <a:rPr lang="en-GB" dirty="0"/>
+              <a:t>    </a:t>
+            </a:r>
+            <a:r>
+              <a:rPr lang="en-GB" dirty="0" smtClean="0"/>
+              <a:t>}</a:t>
+            </a:r>
+          </a:p>
+          <a:p>
+            <a:endParaRPr lang="en-GB" dirty="0"/>
+          </a:p>
+          <a:p>
+            <a:r>
+              <a:rPr lang="en-GB" dirty="0" smtClean="0"/>
+              <a:t>In </a:t>
+            </a:r>
+            <a:r>
+              <a:rPr lang="en-GB" dirty="0" err="1" smtClean="0"/>
+              <a:t>Processor.cs</a:t>
+            </a:r>
+            <a:endParaRPr lang="en-GB" dirty="0" smtClean="0"/>
+          </a:p>
+          <a:p>
+            <a:endParaRPr lang="en-GB" dirty="0"/>
+          </a:p>
+          <a:p>
+            <a:r>
+              <a:rPr lang="en-US" dirty="0"/>
+              <a:t>// Show that we can get a specific car from the factory</a:t>
+            </a:r>
+          </a:p>
+          <a:p>
+            <a:r>
+              <a:rPr lang="en-GB" dirty="0"/>
+              <a:t>            var </a:t>
+            </a:r>
+            <a:r>
+              <a:rPr lang="en-GB" dirty="0" err="1"/>
+              <a:t>insaneCar</a:t>
+            </a:r>
+            <a:r>
+              <a:rPr lang="en-GB" dirty="0"/>
+              <a:t> = _</a:t>
+            </a:r>
+            <a:r>
+              <a:rPr lang="en-GB" dirty="0" err="1"/>
+              <a:t>insaneCarFactory.GetBugatti</a:t>
+            </a:r>
+            <a:r>
+              <a:rPr lang="en-GB" dirty="0"/>
+              <a:t>();</a:t>
+            </a:r>
+          </a:p>
+          <a:p>
+            <a:r>
+              <a:rPr lang="en-GB" dirty="0"/>
+              <a:t>            </a:t>
+            </a:r>
+            <a:r>
+              <a:rPr lang="en-GB" dirty="0" err="1"/>
+              <a:t>insaneCar.FloorItRidiculously</a:t>
+            </a:r>
+            <a:r>
+              <a:rPr lang="en-GB" dirty="0"/>
+              <a:t>();</a:t>
+            </a:r>
+            <a:endParaRPr lang="en-GB" dirty="0" smtClean="0"/>
+          </a:p>
+          <a:p>
+            <a:endParaRPr lang="en-GB" dirty="0"/>
+          </a:p>
+          <a:p>
+            <a:endParaRPr lang="en-GB" dirty="0"/>
           </a:p>
         </p:txBody>
       </p:sp>
@@ -1149,6 +1319,340 @@
             <a:fld id="{F76C129D-883D-442B-92C8-7BF9A9E6E1DE}" type="slidenum">
               <a:rPr lang="en-GB" smtClean="0"/>
               <a:t>13</a:t>
+            </a:fld>
+            <a:endParaRPr lang="en-GB"/>
+          </a:p>
+        </p:txBody>
+      </p:sp>
+    </p:spTree>
+    <p:extLst>
+      <p:ext uri="{BB962C8B-B14F-4D97-AF65-F5344CB8AC3E}">
+        <p14:creationId xmlns:p14="http://schemas.microsoft.com/office/powerpoint/2010/main" val="187853117"/>
+      </p:ext>
+    </p:extLst>
+  </p:cSld>
+  <p:clrMapOvr>
+    <a:masterClrMapping/>
+  </p:clrMapOvr>
+</p:notes>
+</file>
+
+<file path=ppt/notesSlides/notesSlide14.xml><?xml version="1.0" encoding="utf-8"?>
+<p:notes xmlns:a="http://schemas.openxmlformats.org/drawingml/2006/main" xmlns:r="http://schemas.openxmlformats.org/officeDocument/2006/relationships" xmlns:p="http://schemas.openxmlformats.org/presentationml/2006/main">
+  <p:cSld>
+    <p:spTree>
+      <p:nvGrpSpPr>
+        <p:cNvPr id="1" name=""/>
+        <p:cNvGrpSpPr/>
+        <p:nvPr/>
+      </p:nvGrpSpPr>
+      <p:grpSpPr>
+        <a:xfrm>
+          <a:off x="0" y="0"/>
+          <a:ext cx="0" cy="0"/>
+          <a:chOff x="0" y="0"/>
+          <a:chExt cx="0" cy="0"/>
+        </a:xfrm>
+      </p:grpSpPr>
+      <p:sp>
+        <p:nvSpPr>
+          <p:cNvPr id="2" name="Slide Image Placeholder 1"/>
+          <p:cNvSpPr>
+            <a:spLocks noGrp="1" noRot="1" noChangeAspect="1"/>
+          </p:cNvSpPr>
+          <p:nvPr>
+            <p:ph type="sldImg"/>
+          </p:nvPr>
+        </p:nvSpPr>
+        <p:spPr/>
+      </p:sp>
+      <p:sp>
+        <p:nvSpPr>
+          <p:cNvPr id="3" name="Notes Placeholder 2"/>
+          <p:cNvSpPr>
+            <a:spLocks noGrp="1"/>
+          </p:cNvSpPr>
+          <p:nvPr>
+            <p:ph type="body" idx="1"/>
+          </p:nvPr>
+        </p:nvSpPr>
+        <p:spPr/>
+        <p:txBody>
+          <a:bodyPr/>
+          <a:lstStyle/>
+          <a:p>
+            <a:pPr marL="232943" indent="-232943">
+              <a:buFont typeface="+mj-lt"/>
+              <a:buAutoNum type="arabicPeriod"/>
+            </a:pPr>
+            <a:r>
+              <a:rPr lang="en-GB" dirty="0" smtClean="0"/>
+              <a:t>Show how each type always has an interface</a:t>
+            </a:r>
+          </a:p>
+          <a:p>
+            <a:pPr marL="232943" indent="-232943">
+              <a:buFont typeface="+mj-lt"/>
+              <a:buAutoNum type="arabicPeriod"/>
+            </a:pPr>
+            <a:r>
+              <a:rPr lang="en-GB" dirty="0" smtClean="0"/>
+              <a:t>Illustrate that we have injected (inversion of control on the types)</a:t>
+            </a:r>
+          </a:p>
+          <a:p>
+            <a:pPr marL="232943" indent="-232943">
+              <a:buFont typeface="+mj-lt"/>
+              <a:buAutoNum type="arabicPeriod"/>
+            </a:pPr>
+            <a:r>
+              <a:rPr lang="en-GB" dirty="0" smtClean="0"/>
+              <a:t>Each class only does one thing and one thing only</a:t>
+            </a:r>
+          </a:p>
+          <a:p>
+            <a:pPr marL="232943" indent="-232943">
+              <a:buFont typeface="+mj-lt"/>
+              <a:buAutoNum type="arabicPeriod"/>
+            </a:pPr>
+            <a:r>
+              <a:rPr lang="en-GB" dirty="0" smtClean="0"/>
+              <a:t>Open closed principle based on interfaces i.e if you want to extend, add another method to the interface so it doesn’t break existing features.</a:t>
+            </a:r>
+          </a:p>
+          <a:p>
+            <a:pPr marL="232943" indent="-232943">
+              <a:buFont typeface="+mj-lt"/>
+              <a:buAutoNum type="arabicPeriod"/>
+            </a:pPr>
+            <a:endParaRPr lang="en-GB" dirty="0"/>
+          </a:p>
+        </p:txBody>
+      </p:sp>
+      <p:sp>
+        <p:nvSpPr>
+          <p:cNvPr id="4" name="Slide Number Placeholder 3"/>
+          <p:cNvSpPr>
+            <a:spLocks noGrp="1"/>
+          </p:cNvSpPr>
+          <p:nvPr>
+            <p:ph type="sldNum" sz="quarter" idx="10"/>
+          </p:nvPr>
+        </p:nvSpPr>
+        <p:spPr/>
+        <p:txBody>
+          <a:bodyPr/>
+          <a:lstStyle/>
+          <a:p>
+            <a:fld id="{F76C129D-883D-442B-92C8-7BF9A9E6E1DE}" type="slidenum">
+              <a:rPr lang="en-GB" smtClean="0"/>
+              <a:t>14</a:t>
+            </a:fld>
+            <a:endParaRPr lang="en-GB"/>
+          </a:p>
+        </p:txBody>
+      </p:sp>
+    </p:spTree>
+    <p:extLst>
+      <p:ext uri="{BB962C8B-B14F-4D97-AF65-F5344CB8AC3E}">
+        <p14:creationId xmlns:p14="http://schemas.microsoft.com/office/powerpoint/2010/main" val="1083150092"/>
+      </p:ext>
+    </p:extLst>
+  </p:cSld>
+  <p:clrMapOvr>
+    <a:masterClrMapping/>
+  </p:clrMapOvr>
+</p:notes>
+</file>
+
+<file path=ppt/notesSlides/notesSlide15.xml><?xml version="1.0" encoding="utf-8"?>
+<p:notes xmlns:a="http://schemas.openxmlformats.org/drawingml/2006/main" xmlns:r="http://schemas.openxmlformats.org/officeDocument/2006/relationships" xmlns:p="http://schemas.openxmlformats.org/presentationml/2006/main">
+  <p:cSld>
+    <p:spTree>
+      <p:nvGrpSpPr>
+        <p:cNvPr id="1" name=""/>
+        <p:cNvGrpSpPr/>
+        <p:nvPr/>
+      </p:nvGrpSpPr>
+      <p:grpSpPr>
+        <a:xfrm>
+          <a:off x="0" y="0"/>
+          <a:ext cx="0" cy="0"/>
+          <a:chOff x="0" y="0"/>
+          <a:chExt cx="0" cy="0"/>
+        </a:xfrm>
+      </p:grpSpPr>
+      <p:sp>
+        <p:nvSpPr>
+          <p:cNvPr id="2" name="Slide Image Placeholder 1"/>
+          <p:cNvSpPr>
+            <a:spLocks noGrp="1" noRot="1" noChangeAspect="1"/>
+          </p:cNvSpPr>
+          <p:nvPr>
+            <p:ph type="sldImg"/>
+          </p:nvPr>
+        </p:nvSpPr>
+        <p:spPr/>
+      </p:sp>
+      <p:sp>
+        <p:nvSpPr>
+          <p:cNvPr id="3" name="Notes Placeholder 2"/>
+          <p:cNvSpPr>
+            <a:spLocks noGrp="1"/>
+          </p:cNvSpPr>
+          <p:nvPr>
+            <p:ph type="body" idx="1"/>
+          </p:nvPr>
+        </p:nvSpPr>
+        <p:spPr/>
+        <p:txBody>
+          <a:bodyPr/>
+          <a:lstStyle/>
+          <a:p>
+            <a:pPr marL="232943" indent="-232943">
+              <a:buFont typeface="+mj-lt"/>
+              <a:buAutoNum type="arabicPeriod"/>
+            </a:pPr>
+            <a:r>
+              <a:rPr lang="en-GB" dirty="0" smtClean="0"/>
+              <a:t>Show the test project and explain you need </a:t>
+            </a:r>
+            <a:r>
+              <a:rPr lang="en-GB" dirty="0" err="1" smtClean="0"/>
+              <a:t>Nunit</a:t>
+            </a:r>
+            <a:r>
+              <a:rPr lang="en-GB" dirty="0" smtClean="0"/>
+              <a:t>, MOQ or Rhino Mocks and TestDriven.NET or </a:t>
+            </a:r>
+            <a:r>
+              <a:rPr lang="en-GB" dirty="0" err="1"/>
+              <a:t>R</a:t>
+            </a:r>
+            <a:r>
+              <a:rPr lang="en-GB" dirty="0" err="1" smtClean="0"/>
+              <a:t>esharper</a:t>
+            </a:r>
+            <a:r>
+              <a:rPr lang="en-GB" dirty="0" smtClean="0"/>
+              <a:t> to run the tests.</a:t>
+            </a:r>
+          </a:p>
+          <a:p>
+            <a:pPr marL="232943" indent="-232943">
+              <a:buFont typeface="+mj-lt"/>
+              <a:buAutoNum type="arabicPeriod"/>
+            </a:pPr>
+            <a:r>
+              <a:rPr lang="en-GB" dirty="0" smtClean="0"/>
+              <a:t>Add extra code to break the tests and run all tests again and then fix the tests too.</a:t>
+            </a:r>
+            <a:endParaRPr lang="en-GB" dirty="0"/>
+          </a:p>
+        </p:txBody>
+      </p:sp>
+      <p:sp>
+        <p:nvSpPr>
+          <p:cNvPr id="4" name="Slide Number Placeholder 3"/>
+          <p:cNvSpPr>
+            <a:spLocks noGrp="1"/>
+          </p:cNvSpPr>
+          <p:nvPr>
+            <p:ph type="sldNum" sz="quarter" idx="10"/>
+          </p:nvPr>
+        </p:nvSpPr>
+        <p:spPr/>
+        <p:txBody>
+          <a:bodyPr/>
+          <a:lstStyle/>
+          <a:p>
+            <a:fld id="{F76C129D-883D-442B-92C8-7BF9A9E6E1DE}" type="slidenum">
+              <a:rPr lang="en-GB" smtClean="0"/>
+              <a:t>15</a:t>
+            </a:fld>
+            <a:endParaRPr lang="en-GB"/>
+          </a:p>
+        </p:txBody>
+      </p:sp>
+    </p:spTree>
+    <p:extLst>
+      <p:ext uri="{BB962C8B-B14F-4D97-AF65-F5344CB8AC3E}">
+        <p14:creationId xmlns:p14="http://schemas.microsoft.com/office/powerpoint/2010/main" val="2797587003"/>
+      </p:ext>
+    </p:extLst>
+  </p:cSld>
+  <p:clrMapOvr>
+    <a:masterClrMapping/>
+  </p:clrMapOvr>
+</p:notes>
+</file>
+
+<file path=ppt/notesSlides/notesSlide16.xml><?xml version="1.0" encoding="utf-8"?>
+<p:notes xmlns:a="http://schemas.openxmlformats.org/drawingml/2006/main" xmlns:r="http://schemas.openxmlformats.org/officeDocument/2006/relationships" xmlns:p="http://schemas.openxmlformats.org/presentationml/2006/main">
+  <p:cSld>
+    <p:spTree>
+      <p:nvGrpSpPr>
+        <p:cNvPr id="1" name=""/>
+        <p:cNvGrpSpPr/>
+        <p:nvPr/>
+      </p:nvGrpSpPr>
+      <p:grpSpPr>
+        <a:xfrm>
+          <a:off x="0" y="0"/>
+          <a:ext cx="0" cy="0"/>
+          <a:chOff x="0" y="0"/>
+          <a:chExt cx="0" cy="0"/>
+        </a:xfrm>
+      </p:grpSpPr>
+      <p:sp>
+        <p:nvSpPr>
+          <p:cNvPr id="2" name="Slide Image Placeholder 1"/>
+          <p:cNvSpPr>
+            <a:spLocks noGrp="1" noRot="1" noChangeAspect="1"/>
+          </p:cNvSpPr>
+          <p:nvPr>
+            <p:ph type="sldImg"/>
+          </p:nvPr>
+        </p:nvSpPr>
+        <p:spPr/>
+      </p:sp>
+      <p:sp>
+        <p:nvSpPr>
+          <p:cNvPr id="3" name="Notes Placeholder 2"/>
+          <p:cNvSpPr>
+            <a:spLocks noGrp="1"/>
+          </p:cNvSpPr>
+          <p:nvPr>
+            <p:ph type="body" idx="1"/>
+          </p:nvPr>
+        </p:nvSpPr>
+        <p:spPr/>
+        <p:txBody>
+          <a:bodyPr/>
+          <a:lstStyle/>
+          <a:p>
+            <a:endParaRPr lang="en-GB"/>
+          </a:p>
+        </p:txBody>
+      </p:sp>
+      <p:sp>
+        <p:nvSpPr>
+          <p:cNvPr id="4" name="Slide Number Placeholder 3"/>
+          <p:cNvSpPr>
+            <a:spLocks noGrp="1"/>
+          </p:cNvSpPr>
+          <p:nvPr>
+            <p:ph type="sldNum" sz="quarter" idx="10"/>
+          </p:nvPr>
+        </p:nvSpPr>
+        <p:spPr/>
+        <p:txBody>
+          <a:bodyPr/>
+          <a:lstStyle/>
+          <a:p>
+            <a:fld id="{F76C129D-883D-442B-92C8-7BF9A9E6E1DE}" type="slidenum">
+              <a:rPr lang="en-GB" smtClean="0"/>
+              <a:t>16</a:t>
             </a:fld>
             <a:endParaRPr lang="en-GB"/>
           </a:p>
@@ -1869,16 +2373,7 @@
           <a:p>
             <a:r>
               <a:rPr lang="en-GB" dirty="0" smtClean="0"/>
-              <a:t>Explain that so long as types are registered, including their interfaces as parameters in the constructor will act the same as calling Resolve&lt;T&gt; on the type.</a:t>
-            </a:r>
-          </a:p>
-          <a:p>
-            <a:endParaRPr lang="en-GB" dirty="0"/>
-          </a:p>
-          <a:p>
-            <a:r>
-              <a:rPr lang="en-GB" dirty="0" smtClean="0"/>
-              <a:t>Remove one of the registrations so that we can see the application throw an error when it cannot find one of the types to resolve.</a:t>
+              <a:t>Take a look at all the installer classes for a demonstration of how this is done.</a:t>
             </a:r>
           </a:p>
           <a:p>
@@ -1890,17 +2385,10 @@
               <a:buAutoNum type="arabicPeriod"/>
             </a:pPr>
             <a:r>
-              <a:rPr lang="en-GB" dirty="0" smtClean="0"/>
-              <a:t>Remove </a:t>
-            </a:r>
-            <a:r>
-              <a:rPr lang="en-GB" dirty="0"/>
-              <a:t>I</a:t>
-            </a:r>
-            <a:r>
-              <a:rPr lang="en-GB" dirty="0" smtClean="0"/>
-              <a:t>bike registration.</a:t>
-            </a:r>
+              <a:rPr lang="en-GB" dirty="0" err="1" smtClean="0"/>
+              <a:t>ClassesInstaller.cs</a:t>
+            </a:r>
+            <a:endParaRPr lang="en-GB" dirty="0" smtClean="0"/>
           </a:p>
           <a:p>
             <a:pPr marL="232943" indent="-232943">
@@ -1908,9 +2396,23 @@
               <a:buAutoNum type="arabicPeriod"/>
             </a:pPr>
             <a:r>
-              <a:rPr lang="en-GB" dirty="0" smtClean="0"/>
-              <a:t>Show them the exception.</a:t>
-            </a:r>
+              <a:rPr lang="en-GB" dirty="0" err="1" smtClean="0"/>
+              <a:t>ServicesInstaller.cs</a:t>
+            </a:r>
+            <a:endParaRPr lang="en-GB" dirty="0" smtClean="0"/>
+          </a:p>
+          <a:p>
+            <a:pPr marL="232943" indent="-232943">
+              <a:buFont typeface="+mj-lt"/>
+              <a:buAutoNum type="arabicPeriod"/>
+            </a:pPr>
+            <a:r>
+              <a:rPr lang="en-GB" dirty="0" err="1" smtClean="0"/>
+              <a:t>FactoryInstaller.cs</a:t>
+            </a:r>
+            <a:endParaRPr lang="en-GB" dirty="0" smtClean="0"/>
+          </a:p>
+          <a:p>
             <a:endParaRPr lang="en-GB" dirty="0"/>
           </a:p>
         </p:txBody>
@@ -1941,7 +2443,7 @@
     </p:spTree>
     <p:extLst>
       <p:ext uri="{BB962C8B-B14F-4D97-AF65-F5344CB8AC3E}">
-        <p14:creationId xmlns:p14="http://schemas.microsoft.com/office/powerpoint/2010/main" val="2096748550"/>
+        <p14:creationId xmlns:p14="http://schemas.microsoft.com/office/powerpoint/2010/main" val="3282959902"/>
       </p:ext>
     </p:extLst>
   </p:cSld>
@@ -1997,97 +2499,46 @@
           <a:p>
             <a:r>
               <a:rPr lang="en-GB" dirty="0" smtClean="0"/>
-              <a:t>Explain that if two interface implementations are registered, the first one or the one which has </a:t>
-            </a:r>
+              <a:t>Take a look at all the installer classes for a demonstration of how this is done.</a:t>
+            </a:r>
+          </a:p>
+          <a:p>
+            <a:endParaRPr lang="en-GB" dirty="0"/>
+          </a:p>
+          <a:p>
+            <a:pPr marL="232943" indent="-232943">
+              <a:buFont typeface="+mj-lt"/>
+              <a:buAutoNum type="arabicPeriod"/>
+            </a:pPr>
             <a:r>
               <a:rPr lang="en-GB" dirty="0" err="1" smtClean="0"/>
-              <a:t>IsDefault</a:t>
-            </a:r>
-            <a:r>
-              <a:rPr lang="en-GB" dirty="0" smtClean="0"/>
-              <a:t>() specified is the one which will be resolved.</a:t>
-            </a:r>
-          </a:p>
-          <a:p>
-            <a:endParaRPr lang="en-GB" dirty="0"/>
-          </a:p>
-          <a:p>
-            <a:r>
-              <a:rPr lang="en-GB" dirty="0" smtClean="0"/>
-              <a:t>Create the two interfaces and add the </a:t>
-            </a:r>
+              <a:t>ClassesInstaller.cs</a:t>
+            </a:r>
+            <a:endParaRPr lang="en-GB" dirty="0" smtClean="0"/>
+          </a:p>
+          <a:p>
+            <a:pPr marL="232943" indent="-232943">
+              <a:buFont typeface="+mj-lt"/>
+              <a:buAutoNum type="arabicPeriod"/>
+            </a:pPr>
             <a:r>
               <a:rPr lang="en-GB" dirty="0" err="1" smtClean="0"/>
-              <a:t>IsDefault</a:t>
-            </a:r>
-            <a:r>
-              <a:rPr lang="en-GB" dirty="0" smtClean="0"/>
-              <a:t>() configuration to one of them. So for the two </a:t>
-            </a:r>
+              <a:t>ServicesInstaller.cs</a:t>
+            </a:r>
+            <a:endParaRPr lang="en-GB" dirty="0" smtClean="0"/>
+          </a:p>
+          <a:p>
+            <a:pPr marL="232943" indent="-232943">
+              <a:buFont typeface="+mj-lt"/>
+              <a:buAutoNum type="arabicPeriod"/>
+            </a:pPr>
             <a:r>
               <a:rPr lang="en-GB" dirty="0" err="1" smtClean="0"/>
-              <a:t>Icar</a:t>
-            </a:r>
-            <a:r>
-              <a:rPr lang="en-GB" dirty="0" smtClean="0"/>
-              <a:t> interfaces show that the Porsche one will always resolve unless </a:t>
-            </a:r>
-            <a:r>
-              <a:rPr lang="en-GB" dirty="0" err="1" smtClean="0"/>
-              <a:t>IsDefault</a:t>
-            </a:r>
-            <a:r>
-              <a:rPr lang="en-GB" dirty="0" smtClean="0"/>
-              <a:t> is specified on the Mercedes.</a:t>
-            </a:r>
-          </a:p>
-          <a:p>
+              <a:t>FactoryInstaller.cs</a:t>
+            </a:r>
             <a:endParaRPr lang="en-GB" dirty="0" smtClean="0"/>
           </a:p>
           <a:p>
-            <a:r>
-              <a:rPr lang="en-GB" dirty="0" smtClean="0"/>
-              <a:t>Add this.</a:t>
-            </a:r>
-            <a:endParaRPr lang="en-GB" dirty="0"/>
-          </a:p>
-          <a:p>
-            <a:r>
-              <a:rPr lang="en-GB" dirty="0" err="1"/>
-              <a:t>container.Register</a:t>
-            </a:r>
-            <a:r>
-              <a:rPr lang="en-GB" dirty="0"/>
-              <a:t>(</a:t>
-            </a:r>
-            <a:r>
-              <a:rPr lang="en-GB" dirty="0" err="1"/>
-              <a:t>Component.For</a:t>
-            </a:r>
-            <a:r>
-              <a:rPr lang="en-GB" dirty="0"/>
-              <a:t>&lt;ICar&gt;().</a:t>
-            </a:r>
-            <a:r>
-              <a:rPr lang="en-GB" dirty="0" err="1"/>
-              <a:t>ImplementedBy</a:t>
-            </a:r>
-            <a:r>
-              <a:rPr lang="en-GB" dirty="0"/>
-              <a:t>&lt;Mercedes</a:t>
-            </a:r>
-            <a:r>
-              <a:rPr lang="en-GB" dirty="0" smtClean="0"/>
-              <a:t>&gt;()).</a:t>
-            </a:r>
-            <a:r>
-              <a:rPr lang="en-GB" dirty="0" err="1" smtClean="0"/>
-              <a:t>IsDefault</a:t>
-            </a:r>
-            <a:r>
-              <a:rPr lang="en-GB" dirty="0" smtClean="0"/>
-              <a:t>()</a:t>
-            </a:r>
             <a:endParaRPr lang="en-GB" dirty="0"/>
           </a:p>
         </p:txBody>
@@ -2118,7 +2569,7 @@
     </p:spTree>
     <p:extLst>
       <p:ext uri="{BB962C8B-B14F-4D97-AF65-F5344CB8AC3E}">
-        <p14:creationId xmlns:p14="http://schemas.microsoft.com/office/powerpoint/2010/main" val="2064368614"/>
+        <p14:creationId xmlns:p14="http://schemas.microsoft.com/office/powerpoint/2010/main" val="3282959902"/>
       </p:ext>
     </p:extLst>
   </p:cSld>
@@ -2172,136 +2623,46 @@
           <a:bodyPr/>
           <a:lstStyle/>
           <a:p>
+            <a:r>
+              <a:rPr lang="en-GB" dirty="0" smtClean="0"/>
+              <a:t>Take a look at all the installer classes for a demonstration of how this is done.</a:t>
+            </a:r>
+          </a:p>
+          <a:p>
+            <a:endParaRPr lang="en-GB" dirty="0"/>
+          </a:p>
+          <a:p>
             <a:pPr marL="232943" indent="-232943">
               <a:buFont typeface="+mj-lt"/>
               <a:buAutoNum type="arabicPeriod"/>
             </a:pPr>
             <a:r>
-              <a:rPr lang="en-GB" dirty="0" smtClean="0"/>
-              <a:t>Show them that the Inline dependency has been set</a:t>
-            </a:r>
-          </a:p>
-          <a:p>
-            <a:endParaRPr lang="en-GB" dirty="0"/>
-          </a:p>
-          <a:p>
-            <a:r>
-              <a:rPr lang="en-US" dirty="0"/>
-              <a:t>const string </a:t>
-            </a:r>
-            <a:r>
-              <a:rPr lang="en-US" dirty="0" err="1"/>
-              <a:t>logDirectory</a:t>
-            </a:r>
-            <a:r>
-              <a:rPr lang="en-US" dirty="0"/>
-              <a:t> = @"some directory";</a:t>
-            </a:r>
-          </a:p>
-          <a:p>
-            <a:endParaRPr lang="en-GB" dirty="0"/>
-          </a:p>
-          <a:p>
-            <a:r>
-              <a:rPr lang="en-GB" dirty="0"/>
-              <a:t>            </a:t>
-            </a:r>
-            <a:r>
-              <a:rPr lang="en-GB" dirty="0" err="1"/>
-              <a:t>container.Register</a:t>
-            </a:r>
-            <a:r>
-              <a:rPr lang="en-GB" dirty="0"/>
-              <a:t>(</a:t>
-            </a:r>
-          </a:p>
-          <a:p>
-            <a:r>
-              <a:rPr lang="en-GB" dirty="0"/>
-              <a:t>                </a:t>
-            </a:r>
-            <a:r>
-              <a:rPr lang="en-GB" dirty="0" err="1"/>
-              <a:t>Component.For</a:t>
-            </a:r>
-            <a:r>
-              <a:rPr lang="en-GB" dirty="0"/>
-              <a:t>&lt;</a:t>
-            </a:r>
-            <a:r>
-              <a:rPr lang="en-GB" dirty="0" err="1"/>
-              <a:t>ILogService</a:t>
-            </a:r>
-            <a:r>
-              <a:rPr lang="en-GB" dirty="0"/>
-              <a:t>&gt;().</a:t>
-            </a:r>
-            <a:r>
-              <a:rPr lang="en-GB" dirty="0" err="1"/>
-              <a:t>ImplementedBy</a:t>
-            </a:r>
-            <a:r>
-              <a:rPr lang="en-GB" dirty="0"/>
-              <a:t>&lt;</a:t>
-            </a:r>
-            <a:r>
-              <a:rPr lang="en-GB" dirty="0" err="1"/>
-              <a:t>LogService</a:t>
-            </a:r>
-            <a:r>
-              <a:rPr lang="en-GB" dirty="0"/>
-              <a:t>&gt;()</a:t>
-            </a:r>
-          </a:p>
-          <a:p>
-            <a:r>
-              <a:rPr lang="en-GB" dirty="0"/>
-              <a:t>                    .</a:t>
-            </a:r>
-            <a:r>
-              <a:rPr lang="en-GB" dirty="0" err="1"/>
-              <a:t>DependsOn</a:t>
-            </a:r>
-            <a:r>
-              <a:rPr lang="en-GB" dirty="0"/>
-              <a:t>(</a:t>
-            </a:r>
-            <a:r>
-              <a:rPr lang="en-GB" dirty="0" err="1"/>
-              <a:t>Dependency.OnValue</a:t>
-            </a:r>
-            <a:r>
-              <a:rPr lang="en-GB" dirty="0"/>
-              <a:t>("</a:t>
-            </a:r>
-            <a:r>
-              <a:rPr lang="en-GB" dirty="0" err="1"/>
-              <a:t>LogDirectory</a:t>
-            </a:r>
-            <a:r>
-              <a:rPr lang="en-GB" dirty="0"/>
-              <a:t>", </a:t>
-            </a:r>
-            <a:r>
-              <a:rPr lang="en-GB" dirty="0" err="1"/>
-              <a:t>logDirectory</a:t>
-            </a:r>
-            <a:r>
-              <a:rPr lang="en-GB" dirty="0" smtClean="0"/>
-              <a:t>))</a:t>
-            </a:r>
-          </a:p>
-          <a:p>
+              <a:rPr lang="en-GB" dirty="0" err="1" smtClean="0"/>
+              <a:t>ClassesInstaller.cs</a:t>
+            </a:r>
             <a:endParaRPr lang="en-GB" dirty="0" smtClean="0"/>
           </a:p>
           <a:p>
-            <a:r>
-              <a:rPr lang="en-GB" dirty="0" smtClean="0"/>
-              <a:t>Show them the debugged code where this property is set.</a:t>
-            </a:r>
-          </a:p>
-          <a:p>
-            <a:endParaRPr lang="en-GB" dirty="0"/>
+            <a:pPr marL="232943" indent="-232943">
+              <a:buFont typeface="+mj-lt"/>
+              <a:buAutoNum type="arabicPeriod"/>
+            </a:pPr>
+            <a:r>
+              <a:rPr lang="en-GB" dirty="0" err="1" smtClean="0"/>
+              <a:t>ServicesInstaller.cs</a:t>
+            </a:r>
+            <a:endParaRPr lang="en-GB" dirty="0" smtClean="0"/>
+          </a:p>
+          <a:p>
+            <a:pPr marL="232943" indent="-232943">
+              <a:buFont typeface="+mj-lt"/>
+              <a:buAutoNum type="arabicPeriod"/>
+            </a:pPr>
+            <a:r>
+              <a:rPr lang="en-GB" dirty="0" err="1" smtClean="0"/>
+              <a:t>FactoryInstaller.cs</a:t>
+            </a:r>
+            <a:endParaRPr lang="en-GB" dirty="0" smtClean="0"/>
           </a:p>
           <a:p>
             <a:endParaRPr lang="en-GB" dirty="0"/>
@@ -2334,7 +2695,7 @@
     </p:spTree>
     <p:extLst>
       <p:ext uri="{BB962C8B-B14F-4D97-AF65-F5344CB8AC3E}">
-        <p14:creationId xmlns:p14="http://schemas.microsoft.com/office/powerpoint/2010/main" val="741023200"/>
+        <p14:creationId xmlns:p14="http://schemas.microsoft.com/office/powerpoint/2010/main" val="3282959902"/>
       </p:ext>
     </p:extLst>
   </p:cSld>
@@ -2530,7 +2891,7 @@
           <a:p>
             <a:fld id="{4AAD347D-5ACD-4C99-B74B-A9C85AD731AF}" type="datetimeFigureOut">
               <a:rPr lang="en-US" dirty="0"/>
-              <a:t>10/28/2015</a:t>
+              <a:t>10/29/2015</a:t>
             </a:fld>
             <a:endParaRPr lang="en-US" dirty="0"/>
           </a:p>
@@ -2800,7 +3161,7 @@
           <a:p>
             <a:fld id="{4509A250-FF31-4206-8172-F9D3106AACB1}" type="datetimeFigureOut">
               <a:rPr lang="en-US" dirty="0"/>
-              <a:t>10/28/2015</a:t>
+              <a:t>10/29/2015</a:t>
             </a:fld>
             <a:endParaRPr lang="en-US" dirty="0"/>
           </a:p>
@@ -2989,7 +3350,7 @@
           <a:p>
             <a:fld id="{4509A250-FF31-4206-8172-F9D3106AACB1}" type="datetimeFigureOut">
               <a:rPr lang="en-US" dirty="0"/>
-              <a:t>10/28/2015</a:t>
+              <a:t>10/29/2015</a:t>
             </a:fld>
             <a:endParaRPr lang="en-US" dirty="0"/>
           </a:p>
@@ -3257,7 +3618,7 @@
           <a:p>
             <a:fld id="{4509A250-FF31-4206-8172-F9D3106AACB1}" type="datetimeFigureOut">
               <a:rPr lang="en-US" dirty="0"/>
-              <a:t>10/28/2015</a:t>
+              <a:t>10/29/2015</a:t>
             </a:fld>
             <a:endParaRPr lang="en-US" dirty="0"/>
           </a:p>
@@ -3593,7 +3954,7 @@
           <a:p>
             <a:fld id="{4509A250-FF31-4206-8172-F9D3106AACB1}" type="datetimeFigureOut">
               <a:rPr lang="en-US" dirty="0"/>
-              <a:t>10/28/2015</a:t>
+              <a:t>10/29/2015</a:t>
             </a:fld>
             <a:endParaRPr lang="en-US" dirty="0"/>
           </a:p>
@@ -4211,7 +4572,7 @@
           <a:p>
             <a:fld id="{4509A250-FF31-4206-8172-F9D3106AACB1}" type="datetimeFigureOut">
               <a:rPr lang="en-US" dirty="0"/>
-              <a:t>10/28/2015</a:t>
+              <a:t>10/29/2015</a:t>
             </a:fld>
             <a:endParaRPr lang="en-US" dirty="0"/>
           </a:p>
@@ -5066,7 +5427,7 @@
           <a:p>
             <a:fld id="{4509A250-FF31-4206-8172-F9D3106AACB1}" type="datetimeFigureOut">
               <a:rPr lang="en-US" dirty="0"/>
-              <a:t>10/28/2015</a:t>
+              <a:t>10/29/2015</a:t>
             </a:fld>
             <a:endParaRPr lang="en-US" dirty="0"/>
           </a:p>
@@ -5231,7 +5592,7 @@
           <a:p>
             <a:fld id="{4509A250-FF31-4206-8172-F9D3106AACB1}" type="datetimeFigureOut">
               <a:rPr lang="en-US" dirty="0"/>
-              <a:t>10/28/2015</a:t>
+              <a:t>10/29/2015</a:t>
             </a:fld>
             <a:endParaRPr lang="en-US" dirty="0"/>
           </a:p>
@@ -5406,7 +5767,7 @@
           <a:p>
             <a:fld id="{4509A250-FF31-4206-8172-F9D3106AACB1}" type="datetimeFigureOut">
               <a:rPr lang="en-US" dirty="0"/>
-              <a:t>10/28/2015</a:t>
+              <a:t>10/29/2015</a:t>
             </a:fld>
             <a:endParaRPr lang="en-US" dirty="0"/>
           </a:p>
@@ -5571,7 +5932,7 @@
           <a:p>
             <a:fld id="{4509A250-FF31-4206-8172-F9D3106AACB1}" type="datetimeFigureOut">
               <a:rPr lang="en-US" dirty="0"/>
-              <a:t>10/28/2015</a:t>
+              <a:t>10/29/2015</a:t>
             </a:fld>
             <a:endParaRPr lang="en-US" dirty="0"/>
           </a:p>
@@ -5813,7 +6174,7 @@
           <a:p>
             <a:fld id="{9796027F-7875-4030-9381-8BD8C4F21935}" type="datetimeFigureOut">
               <a:rPr lang="en-US" dirty="0"/>
-              <a:t>10/28/2015</a:t>
+              <a:t>10/29/2015</a:t>
             </a:fld>
             <a:endParaRPr lang="en-US" dirty="0"/>
           </a:p>
@@ -6100,7 +6461,7 @@
           <a:p>
             <a:fld id="{9796027F-7875-4030-9381-8BD8C4F21935}" type="datetimeFigureOut">
               <a:rPr lang="en-US" dirty="0"/>
-              <a:t>10/28/2015</a:t>
+              <a:t>10/29/2015</a:t>
             </a:fld>
             <a:endParaRPr lang="en-US" dirty="0"/>
           </a:p>
@@ -6539,7 +6900,7 @@
           <a:p>
             <a:fld id="{9796027F-7875-4030-9381-8BD8C4F21935}" type="datetimeFigureOut">
               <a:rPr lang="en-US" dirty="0"/>
-              <a:t>10/28/2015</a:t>
+              <a:t>10/29/2015</a:t>
             </a:fld>
             <a:endParaRPr lang="en-US" dirty="0"/>
           </a:p>
@@ -6652,7 +7013,7 @@
           <a:p>
             <a:fld id="{4509A250-FF31-4206-8172-F9D3106AACB1}" type="datetimeFigureOut">
               <a:rPr lang="en-US" dirty="0"/>
-              <a:t>10/28/2015</a:t>
+              <a:t>10/29/2015</a:t>
             </a:fld>
             <a:endParaRPr lang="en-US" dirty="0"/>
           </a:p>
@@ -6742,7 +7103,7 @@
           <a:p>
             <a:fld id="{4509A250-FF31-4206-8172-F9D3106AACB1}" type="datetimeFigureOut">
               <a:rPr lang="en-US" dirty="0"/>
-              <a:t>10/28/2015</a:t>
+              <a:t>10/29/2015</a:t>
             </a:fld>
             <a:endParaRPr lang="en-US" dirty="0"/>
           </a:p>
@@ -7016,7 +7377,7 @@
           <a:p>
             <a:fld id="{4509A250-FF31-4206-8172-F9D3106AACB1}" type="datetimeFigureOut">
               <a:rPr lang="en-US" dirty="0"/>
-              <a:t>10/28/2015</a:t>
+              <a:t>10/29/2015</a:t>
             </a:fld>
             <a:endParaRPr lang="en-US" dirty="0"/>
           </a:p>
@@ -7286,7 +7647,7 @@
           <a:p>
             <a:fld id="{4509A250-FF31-4206-8172-F9D3106AACB1}" type="datetimeFigureOut">
               <a:rPr lang="en-US" dirty="0"/>
-              <a:t>10/28/2015</a:t>
+              <a:t>10/29/2015</a:t>
             </a:fld>
             <a:endParaRPr lang="en-US" dirty="0"/>
           </a:p>
@@ -7710,7 +8071,7 @@
           <a:p>
             <a:fld id="{4AAD347D-5ACD-4C99-B74B-A9C85AD731AF}" type="datetimeFigureOut">
               <a:rPr lang="en-US" dirty="0"/>
-              <a:t>10/28/2015</a:t>
+              <a:t>10/29/2015</a:t>
             </a:fld>
             <a:endParaRPr lang="en-US" dirty="0"/>
           </a:p>
@@ -8334,7 +8695,7 @@
           <a:p>
             <a:r>
               <a:rPr lang="en-GB" dirty="0" smtClean="0"/>
-              <a:t>Lots of other ways and features!</a:t>
+              <a:t>Component Resolution</a:t>
             </a:r>
             <a:endParaRPr lang="en-GB" dirty="0"/>
           </a:p>
@@ -8352,52 +8713,500 @@
         </p:nvSpPr>
         <p:spPr>
           <a:xfrm>
-            <a:off x="1179230" y="3172078"/>
+            <a:off x="1138770" y="2411427"/>
             <a:ext cx="8825659" cy="2362200"/>
           </a:xfrm>
         </p:spPr>
         <p:txBody>
-          <a:bodyPr/>
+          <a:bodyPr>
+            <a:normAutofit/>
+          </a:bodyPr>
           <a:lstStyle/>
           <a:p>
             <a:r>
               <a:rPr lang="en-GB" dirty="0" smtClean="0"/>
-              <a:t>There are many other registration features(I recommend a glance at the Castle Windsor site to look at different ways to register dependencies, properties, factories etc. </a:t>
-            </a:r>
-            <a:r>
-              <a:rPr lang="en-GB" dirty="0"/>
-              <a:t>– (</a:t>
-            </a:r>
-            <a:r>
-              <a:rPr lang="en-GB" dirty="0">
-                <a:hlinkClick r:id="rId3"/>
-              </a:rPr>
-              <a:t>https://</a:t>
-            </a:r>
-            <a:r>
-              <a:rPr lang="en-GB" dirty="0" smtClean="0">
-                <a:hlinkClick r:id="rId3"/>
-              </a:rPr>
-              <a:t>github.com/castleproject/Windsor/tree/master/docs</a:t>
+              <a:t>To obtain the component dependency in a class we must call Resolve on the interface or </a:t>
+            </a:r>
+            <a:r>
+              <a:rPr lang="en-GB" b="1" dirty="0" smtClean="0"/>
+              <a:t>inject</a:t>
             </a:r>
             <a:r>
               <a:rPr lang="en-GB" dirty="0" smtClean="0"/>
-              <a:t>)</a:t>
-            </a:r>
-          </a:p>
-          <a:p>
+              <a:t> the interface (via the constructor) into the class which wishes to use it. This concept of injection is what the </a:t>
+            </a:r>
             <a:r>
               <a:rPr lang="en-GB" b="1" dirty="0" smtClean="0"/>
-              <a:t>Demo: Typed Factories</a:t>
-            </a:r>
-            <a:endParaRPr lang="en-GB" b="1" dirty="0"/>
+              <a:t>inversion of control </a:t>
+            </a:r>
+            <a:r>
+              <a:rPr lang="en-GB" dirty="0" smtClean="0"/>
+              <a:t>idea is built on.</a:t>
+            </a:r>
+          </a:p>
+          <a:p>
+            <a:r>
+              <a:rPr lang="en-GB" dirty="0" smtClean="0"/>
+              <a:t>When we resolve a dependency, all of the child objects that have dependencies are also resolved. (</a:t>
+            </a:r>
+            <a:r>
+              <a:rPr lang="en-GB" b="1" dirty="0" smtClean="0"/>
+              <a:t>So long as the components are registered in the correct order – or we have registered all interfaces from an assembly</a:t>
+            </a:r>
+            <a:r>
+              <a:rPr lang="en-GB" dirty="0" smtClean="0"/>
+              <a:t>!)</a:t>
+            </a:r>
+            <a:endParaRPr lang="en-GB" dirty="0" smtClean="0"/>
+          </a:p>
+        </p:txBody>
+      </p:sp>
+      <p:sp>
+        <p:nvSpPr>
+          <p:cNvPr id="4" name="Rectangle 3"/>
+          <p:cNvSpPr/>
+          <p:nvPr/>
+        </p:nvSpPr>
+        <p:spPr>
+          <a:xfrm>
+            <a:off x="1235383" y="4821025"/>
+            <a:ext cx="9017225" cy="1077218"/>
+          </a:xfrm>
+          <a:prstGeom prst="rect">
+            <a:avLst/>
+          </a:prstGeom>
+        </p:spPr>
+        <p:txBody>
+          <a:bodyPr wrap="square">
+            <a:spAutoFit/>
+          </a:bodyPr>
+          <a:lstStyle/>
+          <a:p>
+            <a:r>
+              <a:rPr lang="en-GB" sz="800" dirty="0">
+                <a:solidFill>
+                  <a:srgbClr val="0000FF"/>
+                </a:solidFill>
+                <a:highlight>
+                  <a:srgbClr val="FFFFFF"/>
+                </a:highlight>
+                <a:latin typeface="Consolas"/>
+              </a:rPr>
+              <a:t>private</a:t>
+            </a:r>
+            <a:r>
+              <a:rPr lang="en-GB" sz="800" dirty="0">
+                <a:solidFill>
+                  <a:srgbClr val="000000"/>
+                </a:solidFill>
+                <a:highlight>
+                  <a:srgbClr val="FFFFFF"/>
+                </a:highlight>
+                <a:latin typeface="Consolas"/>
+              </a:rPr>
+              <a:t> </a:t>
+            </a:r>
+            <a:r>
+              <a:rPr lang="en-GB" sz="800" dirty="0">
+                <a:solidFill>
+                  <a:srgbClr val="0000FF"/>
+                </a:solidFill>
+                <a:highlight>
+                  <a:srgbClr val="FFFFFF"/>
+                </a:highlight>
+                <a:latin typeface="Consolas"/>
+              </a:rPr>
+              <a:t>readonly</a:t>
+            </a:r>
+            <a:r>
+              <a:rPr lang="en-GB" sz="800" dirty="0">
+                <a:solidFill>
+                  <a:srgbClr val="000000"/>
+                </a:solidFill>
+                <a:highlight>
+                  <a:srgbClr val="FFFFFF"/>
+                </a:highlight>
+                <a:latin typeface="Consolas"/>
+              </a:rPr>
+              <a:t> </a:t>
+            </a:r>
+            <a:r>
+              <a:rPr lang="en-GB" sz="800" dirty="0">
+                <a:solidFill>
+                  <a:srgbClr val="2B91AF"/>
+                </a:solidFill>
+                <a:highlight>
+                  <a:srgbClr val="FFFFFF"/>
+                </a:highlight>
+                <a:latin typeface="Consolas"/>
+              </a:rPr>
+              <a:t>INamedInterface</a:t>
+            </a:r>
+            <a:r>
+              <a:rPr lang="en-GB" sz="800" dirty="0">
+                <a:solidFill>
+                  <a:srgbClr val="000000"/>
+                </a:solidFill>
+                <a:highlight>
+                  <a:srgbClr val="FFFFFF"/>
+                </a:highlight>
+                <a:latin typeface="Consolas"/>
+              </a:rPr>
+              <a:t> _namedInterface;</a:t>
+            </a:r>
+          </a:p>
+          <a:p>
+            <a:r>
+              <a:rPr lang="en-GB" sz="800" dirty="0" smtClean="0">
+                <a:solidFill>
+                  <a:srgbClr val="0000FF"/>
+                </a:solidFill>
+                <a:highlight>
+                  <a:srgbClr val="FFFFFF"/>
+                </a:highlight>
+                <a:latin typeface="Consolas"/>
+              </a:rPr>
+              <a:t>private</a:t>
+            </a:r>
+            <a:r>
+              <a:rPr lang="en-GB" sz="800" dirty="0" smtClean="0">
+                <a:solidFill>
+                  <a:srgbClr val="000000"/>
+                </a:solidFill>
+                <a:highlight>
+                  <a:srgbClr val="FFFFFF"/>
+                </a:highlight>
+                <a:latin typeface="Consolas"/>
+              </a:rPr>
+              <a:t> </a:t>
+            </a:r>
+            <a:r>
+              <a:rPr lang="en-GB" sz="800" dirty="0">
+                <a:solidFill>
+                  <a:srgbClr val="0000FF"/>
+                </a:solidFill>
+                <a:highlight>
+                  <a:srgbClr val="FFFFFF"/>
+                </a:highlight>
+                <a:latin typeface="Consolas"/>
+              </a:rPr>
+              <a:t>readonly</a:t>
+            </a:r>
+            <a:r>
+              <a:rPr lang="en-GB" sz="800" dirty="0">
+                <a:solidFill>
+                  <a:srgbClr val="000000"/>
+                </a:solidFill>
+                <a:highlight>
+                  <a:srgbClr val="FFFFFF"/>
+                </a:highlight>
+                <a:latin typeface="Consolas"/>
+              </a:rPr>
+              <a:t> </a:t>
+            </a:r>
+            <a:r>
+              <a:rPr lang="en-GB" sz="800" dirty="0">
+                <a:solidFill>
+                  <a:srgbClr val="2B91AF"/>
+                </a:solidFill>
+                <a:highlight>
+                  <a:srgbClr val="FFFFFF"/>
+                </a:highlight>
+                <a:latin typeface="Consolas"/>
+              </a:rPr>
+              <a:t>ILogService</a:t>
+            </a:r>
+            <a:r>
+              <a:rPr lang="en-GB" sz="800" dirty="0">
+                <a:solidFill>
+                  <a:srgbClr val="000000"/>
+                </a:solidFill>
+                <a:highlight>
+                  <a:srgbClr val="FFFFFF"/>
+                </a:highlight>
+                <a:latin typeface="Consolas"/>
+              </a:rPr>
+              <a:t> _logService;</a:t>
+            </a:r>
+          </a:p>
+          <a:p>
+            <a:endParaRPr lang="en-GB" sz="800" dirty="0" smtClean="0">
+              <a:solidFill>
+                <a:srgbClr val="0000FF"/>
+              </a:solidFill>
+              <a:highlight>
+                <a:srgbClr val="FFFFFF"/>
+              </a:highlight>
+              <a:latin typeface="Consolas"/>
+            </a:endParaRPr>
+          </a:p>
+          <a:p>
+            <a:r>
+              <a:rPr lang="en-GB" sz="800" dirty="0" smtClean="0">
+                <a:solidFill>
+                  <a:srgbClr val="0000FF"/>
+                </a:solidFill>
+                <a:highlight>
+                  <a:srgbClr val="FFFFFF"/>
+                </a:highlight>
+                <a:latin typeface="Consolas"/>
+              </a:rPr>
+              <a:t>public</a:t>
+            </a:r>
+            <a:r>
+              <a:rPr lang="en-GB" sz="800" dirty="0" smtClean="0">
+                <a:solidFill>
+                  <a:srgbClr val="000000"/>
+                </a:solidFill>
+                <a:highlight>
+                  <a:srgbClr val="FFFFFF"/>
+                </a:highlight>
+                <a:latin typeface="Consolas"/>
+              </a:rPr>
+              <a:t> </a:t>
+            </a:r>
+            <a:r>
+              <a:rPr lang="en-GB" sz="800" dirty="0">
+                <a:solidFill>
+                  <a:srgbClr val="000000"/>
+                </a:solidFill>
+                <a:highlight>
+                  <a:srgbClr val="FFFFFF"/>
+                </a:highlight>
+                <a:latin typeface="Consolas"/>
+              </a:rPr>
+              <a:t>Ducati(</a:t>
+            </a:r>
+            <a:r>
+              <a:rPr lang="en-GB" sz="800" dirty="0">
+                <a:solidFill>
+                  <a:srgbClr val="2B91AF"/>
+                </a:solidFill>
+                <a:highlight>
+                  <a:srgbClr val="FFFFFF"/>
+                </a:highlight>
+                <a:latin typeface="Consolas"/>
+              </a:rPr>
+              <a:t>INamedInterface</a:t>
+            </a:r>
+            <a:r>
+              <a:rPr lang="en-GB" sz="800" dirty="0">
+                <a:solidFill>
+                  <a:srgbClr val="000000"/>
+                </a:solidFill>
+                <a:highlight>
+                  <a:srgbClr val="FFFFFF"/>
+                </a:highlight>
+                <a:latin typeface="Consolas"/>
+              </a:rPr>
+              <a:t> namedInterface, </a:t>
+            </a:r>
+            <a:r>
+              <a:rPr lang="en-GB" sz="800" dirty="0">
+                <a:solidFill>
+                  <a:srgbClr val="2B91AF"/>
+                </a:solidFill>
+                <a:highlight>
+                  <a:srgbClr val="FFFFFF"/>
+                </a:highlight>
+                <a:latin typeface="Consolas"/>
+              </a:rPr>
+              <a:t>ILogService</a:t>
+            </a:r>
+            <a:r>
+              <a:rPr lang="en-GB" sz="800" dirty="0">
+                <a:solidFill>
+                  <a:srgbClr val="000000"/>
+                </a:solidFill>
+                <a:highlight>
+                  <a:srgbClr val="FFFFFF"/>
+                </a:highlight>
+                <a:latin typeface="Consolas"/>
+              </a:rPr>
+              <a:t> logService)</a:t>
+            </a:r>
+          </a:p>
+          <a:p>
+            <a:r>
+              <a:rPr lang="en-GB" sz="800" dirty="0" smtClean="0">
+                <a:solidFill>
+                  <a:srgbClr val="000000"/>
+                </a:solidFill>
+                <a:highlight>
+                  <a:srgbClr val="FFFFFF"/>
+                </a:highlight>
+                <a:latin typeface="Consolas"/>
+              </a:rPr>
+              <a:t>{</a:t>
+            </a:r>
+            <a:endParaRPr lang="en-GB" sz="800" dirty="0">
+              <a:solidFill>
+                <a:srgbClr val="000000"/>
+              </a:solidFill>
+              <a:highlight>
+                <a:srgbClr val="FFFFFF"/>
+              </a:highlight>
+              <a:latin typeface="Consolas"/>
+            </a:endParaRPr>
+          </a:p>
+          <a:p>
+            <a:r>
+              <a:rPr lang="en-GB" sz="800" dirty="0" smtClean="0">
+                <a:solidFill>
+                  <a:srgbClr val="000000"/>
+                </a:solidFill>
+                <a:highlight>
+                  <a:srgbClr val="FFFFFF"/>
+                </a:highlight>
+                <a:latin typeface="Consolas"/>
+              </a:rPr>
+              <a:t>	_</a:t>
+            </a:r>
+            <a:r>
+              <a:rPr lang="en-GB" sz="800" dirty="0">
+                <a:solidFill>
+                  <a:srgbClr val="000000"/>
+                </a:solidFill>
+                <a:highlight>
+                  <a:srgbClr val="FFFFFF"/>
+                </a:highlight>
+                <a:latin typeface="Consolas"/>
+              </a:rPr>
+              <a:t>namedInterface = namedInterface;</a:t>
+            </a:r>
+          </a:p>
+          <a:p>
+            <a:r>
+              <a:rPr lang="en-GB" sz="800" dirty="0">
+                <a:solidFill>
+                  <a:srgbClr val="000000"/>
+                </a:solidFill>
+                <a:highlight>
+                  <a:srgbClr val="FFFFFF"/>
+                </a:highlight>
+                <a:latin typeface="Consolas"/>
+              </a:rPr>
+              <a:t>      </a:t>
+            </a:r>
+            <a:r>
+              <a:rPr lang="en-GB" sz="800" dirty="0" smtClean="0">
+                <a:solidFill>
+                  <a:srgbClr val="000000"/>
+                </a:solidFill>
+                <a:highlight>
+                  <a:srgbClr val="FFFFFF"/>
+                </a:highlight>
+                <a:latin typeface="Consolas"/>
+              </a:rPr>
+              <a:t>_</a:t>
+            </a:r>
+            <a:r>
+              <a:rPr lang="en-GB" sz="800" dirty="0">
+                <a:solidFill>
+                  <a:srgbClr val="000000"/>
+                </a:solidFill>
+                <a:highlight>
+                  <a:srgbClr val="FFFFFF"/>
+                </a:highlight>
+                <a:latin typeface="Consolas"/>
+              </a:rPr>
+              <a:t>logService = logService;</a:t>
+            </a:r>
+          </a:p>
+          <a:p>
+            <a:r>
+              <a:rPr lang="en-GB" sz="800" dirty="0" smtClean="0">
+                <a:solidFill>
+                  <a:srgbClr val="000000"/>
+                </a:solidFill>
+                <a:highlight>
+                  <a:srgbClr val="FFFFFF"/>
+                </a:highlight>
+                <a:latin typeface="Consolas"/>
+              </a:rPr>
+              <a:t>}</a:t>
+            </a:r>
+            <a:endParaRPr lang="en-GB" sz="800" dirty="0"/>
+          </a:p>
+        </p:txBody>
+      </p:sp>
+      <p:sp>
+        <p:nvSpPr>
+          <p:cNvPr id="5" name="Rectangle 4"/>
+          <p:cNvSpPr/>
+          <p:nvPr/>
+        </p:nvSpPr>
+        <p:spPr>
+          <a:xfrm>
+            <a:off x="1235383" y="6043244"/>
+            <a:ext cx="6096000" cy="215444"/>
+          </a:xfrm>
+          <a:prstGeom prst="rect">
+            <a:avLst/>
+          </a:prstGeom>
+        </p:spPr>
+        <p:txBody>
+          <a:bodyPr>
+            <a:spAutoFit/>
+          </a:bodyPr>
+          <a:lstStyle/>
+          <a:p>
+            <a:r>
+              <a:rPr lang="en-GB" sz="800" dirty="0">
+                <a:solidFill>
+                  <a:srgbClr val="0000FF"/>
+                </a:solidFill>
+                <a:highlight>
+                  <a:srgbClr val="FFFFFF"/>
+                </a:highlight>
+                <a:latin typeface="Consolas"/>
+              </a:rPr>
+              <a:t>var</a:t>
+            </a:r>
+            <a:r>
+              <a:rPr lang="en-GB" sz="800" dirty="0">
+                <a:solidFill>
+                  <a:srgbClr val="000000"/>
+                </a:solidFill>
+                <a:highlight>
+                  <a:srgbClr val="FFFFFF"/>
+                </a:highlight>
+                <a:latin typeface="Consolas"/>
+              </a:rPr>
+              <a:t> processor = container.Resolve&lt;</a:t>
+            </a:r>
+            <a:r>
+              <a:rPr lang="en-GB" sz="800" dirty="0">
+                <a:solidFill>
+                  <a:srgbClr val="2B91AF"/>
+                </a:solidFill>
+                <a:highlight>
+                  <a:srgbClr val="FFFFFF"/>
+                </a:highlight>
+                <a:latin typeface="Consolas"/>
+              </a:rPr>
+              <a:t>IProcessor</a:t>
+            </a:r>
+            <a:r>
+              <a:rPr lang="en-GB" sz="800" dirty="0">
+                <a:solidFill>
+                  <a:srgbClr val="000000"/>
+                </a:solidFill>
+                <a:highlight>
+                  <a:srgbClr val="FFFFFF"/>
+                </a:highlight>
+                <a:latin typeface="Consolas"/>
+              </a:rPr>
+              <a:t>&gt;();</a:t>
+            </a:r>
+            <a:endParaRPr lang="en-GB" sz="800" dirty="0"/>
           </a:p>
         </p:txBody>
       </p:sp>
     </p:spTree>
     <p:extLst>
       <p:ext uri="{BB962C8B-B14F-4D97-AF65-F5344CB8AC3E}">
-        <p14:creationId xmlns:p14="http://schemas.microsoft.com/office/powerpoint/2010/main" val="2670414585"/>
+        <p14:creationId xmlns:p14="http://schemas.microsoft.com/office/powerpoint/2010/main" val="2164840694"/>
       </p:ext>
     </p:extLst>
   </p:cSld>
@@ -8407,9 +9216,225 @@
   <p:timing>
     <p:tnLst>
       <p:par>
-        <p:cTn id="1" dur="indefinite" restart="never" nodeType="tmRoot"/>
+        <p:cTn id="1" dur="indefinite" restart="never" nodeType="tmRoot">
+          <p:childTnLst>
+            <p:seq concurrent="1" nextAc="seek">
+              <p:cTn id="2" dur="indefinite" nodeType="mainSeq">
+                <p:childTnLst>
+                  <p:par>
+                    <p:cTn id="3" fill="hold">
+                      <p:stCondLst>
+                        <p:cond delay="indefinite"/>
+                      </p:stCondLst>
+                      <p:childTnLst>
+                        <p:par>
+                          <p:cTn id="4" fill="hold">
+                            <p:stCondLst>
+                              <p:cond delay="0"/>
+                            </p:stCondLst>
+                            <p:childTnLst>
+                              <p:par>
+                                <p:cTn id="5" presetID="1" presetClass="entr" presetSubtype="0" fill="hold" grpId="0" nodeType="clickEffect">
+                                  <p:stCondLst>
+                                    <p:cond delay="0"/>
+                                  </p:stCondLst>
+                                  <p:childTnLst>
+                                    <p:set>
+                                      <p:cBhvr>
+                                        <p:cTn id="6" dur="1" fill="hold">
+                                          <p:stCondLst>
+                                            <p:cond delay="0"/>
+                                          </p:stCondLst>
+                                        </p:cTn>
+                                        <p:tgtEl>
+                                          <p:spTgt spid="3">
+                                            <p:txEl>
+                                              <p:pRg st="0" end="0"/>
+                                            </p:txEl>
+                                          </p:spTgt>
+                                        </p:tgtEl>
+                                        <p:attrNameLst>
+                                          <p:attrName>style.visibility</p:attrName>
+                                        </p:attrNameLst>
+                                      </p:cBhvr>
+                                      <p:to>
+                                        <p:strVal val="visible"/>
+                                      </p:to>
+                                    </p:set>
+                                  </p:childTnLst>
+                                </p:cTn>
+                              </p:par>
+                            </p:childTnLst>
+                          </p:cTn>
+                        </p:par>
+                      </p:childTnLst>
+                    </p:cTn>
+                  </p:par>
+                  <p:par>
+                    <p:cTn id="7" fill="hold">
+                      <p:stCondLst>
+                        <p:cond delay="indefinite"/>
+                      </p:stCondLst>
+                      <p:childTnLst>
+                        <p:par>
+                          <p:cTn id="8" fill="hold">
+                            <p:stCondLst>
+                              <p:cond delay="0"/>
+                            </p:stCondLst>
+                            <p:childTnLst>
+                              <p:par>
+                                <p:cTn id="9" presetID="1" presetClass="entr" presetSubtype="0" fill="hold" grpId="0" nodeType="clickEffect">
+                                  <p:stCondLst>
+                                    <p:cond delay="0"/>
+                                  </p:stCondLst>
+                                  <p:childTnLst>
+                                    <p:set>
+                                      <p:cBhvr>
+                                        <p:cTn id="10" dur="1" fill="hold">
+                                          <p:stCondLst>
+                                            <p:cond delay="0"/>
+                                          </p:stCondLst>
+                                        </p:cTn>
+                                        <p:tgtEl>
+                                          <p:spTgt spid="3">
+                                            <p:txEl>
+                                              <p:pRg st="1" end="1"/>
+                                            </p:txEl>
+                                          </p:spTgt>
+                                        </p:tgtEl>
+                                        <p:attrNameLst>
+                                          <p:attrName>style.visibility</p:attrName>
+                                        </p:attrNameLst>
+                                      </p:cBhvr>
+                                      <p:to>
+                                        <p:strVal val="visible"/>
+                                      </p:to>
+                                    </p:set>
+                                  </p:childTnLst>
+                                </p:cTn>
+                              </p:par>
+                            </p:childTnLst>
+                          </p:cTn>
+                        </p:par>
+                      </p:childTnLst>
+                    </p:cTn>
+                  </p:par>
+                  <p:par>
+                    <p:cTn id="11" fill="hold">
+                      <p:stCondLst>
+                        <p:cond delay="indefinite"/>
+                      </p:stCondLst>
+                      <p:childTnLst>
+                        <p:par>
+                          <p:cTn id="12" fill="hold">
+                            <p:stCondLst>
+                              <p:cond delay="0"/>
+                            </p:stCondLst>
+                            <p:childTnLst>
+                              <p:par>
+                                <p:cTn id="13" presetID="1" presetClass="entr" presetSubtype="0" fill="hold" grpId="0" nodeType="clickEffect">
+                                  <p:stCondLst>
+                                    <p:cond delay="0"/>
+                                  </p:stCondLst>
+                                  <p:childTnLst>
+                                    <p:set>
+                                      <p:cBhvr>
+                                        <p:cTn id="14" dur="1" fill="hold">
+                                          <p:stCondLst>
+                                            <p:cond delay="0"/>
+                                          </p:stCondLst>
+                                        </p:cTn>
+                                        <p:tgtEl>
+                                          <p:spTgt spid="4"/>
+                                        </p:tgtEl>
+                                        <p:attrNameLst>
+                                          <p:attrName>style.visibility</p:attrName>
+                                        </p:attrNameLst>
+                                      </p:cBhvr>
+                                      <p:to>
+                                        <p:strVal val="visible"/>
+                                      </p:to>
+                                    </p:set>
+                                  </p:childTnLst>
+                                </p:cTn>
+                              </p:par>
+                            </p:childTnLst>
+                          </p:cTn>
+                        </p:par>
+                      </p:childTnLst>
+                    </p:cTn>
+                  </p:par>
+                  <p:par>
+                    <p:cTn id="15" fill="hold">
+                      <p:stCondLst>
+                        <p:cond delay="indefinite"/>
+                      </p:stCondLst>
+                      <p:childTnLst>
+                        <p:par>
+                          <p:cTn id="16" fill="hold">
+                            <p:stCondLst>
+                              <p:cond delay="0"/>
+                            </p:stCondLst>
+                            <p:childTnLst>
+                              <p:par>
+                                <p:cTn id="17" presetID="1" presetClass="entr" presetSubtype="0" fill="hold" grpId="0" nodeType="clickEffect">
+                                  <p:stCondLst>
+                                    <p:cond delay="0"/>
+                                  </p:stCondLst>
+                                  <p:childTnLst>
+                                    <p:set>
+                                      <p:cBhvr>
+                                        <p:cTn id="18" dur="1" fill="hold">
+                                          <p:stCondLst>
+                                            <p:cond delay="0"/>
+                                          </p:stCondLst>
+                                        </p:cTn>
+                                        <p:tgtEl>
+                                          <p:spTgt spid="5"/>
+                                        </p:tgtEl>
+                                        <p:attrNameLst>
+                                          <p:attrName>style.visibility</p:attrName>
+                                        </p:attrNameLst>
+                                      </p:cBhvr>
+                                      <p:to>
+                                        <p:strVal val="visible"/>
+                                      </p:to>
+                                    </p:set>
+                                  </p:childTnLst>
+                                </p:cTn>
+                              </p:par>
+                            </p:childTnLst>
+                          </p:cTn>
+                        </p:par>
+                      </p:childTnLst>
+                    </p:cTn>
+                  </p:par>
+                </p:childTnLst>
+              </p:cTn>
+              <p:prevCondLst>
+                <p:cond evt="onPrev" delay="0">
+                  <p:tgtEl>
+                    <p:sldTgt/>
+                  </p:tgtEl>
+                </p:cond>
+              </p:prevCondLst>
+              <p:nextCondLst>
+                <p:cond evt="onNext" delay="0">
+                  <p:tgtEl>
+                    <p:sldTgt/>
+                  </p:tgtEl>
+                </p:cond>
+              </p:nextCondLst>
+            </p:seq>
+          </p:childTnLst>
+        </p:cTn>
       </p:par>
     </p:tnLst>
+    <p:bldLst>
+      <p:bldP spid="3" grpId="0" build="p"/>
+      <p:bldP spid="4" grpId="0"/>
+      <p:bldP spid="5" grpId="0"/>
+    </p:bldLst>
   </p:timing>
 </p:sld>
 </file>
@@ -8443,6 +9468,697 @@
         </p:nvSpPr>
         <p:spPr>
           <a:xfrm>
+            <a:off x="1344542" y="1107935"/>
+            <a:ext cx="8825659" cy="728958"/>
+          </a:xfrm>
+        </p:spPr>
+        <p:txBody>
+          <a:bodyPr/>
+          <a:lstStyle/>
+          <a:p>
+            <a:r>
+              <a:rPr lang="en-GB" dirty="0" smtClean="0"/>
+              <a:t>The Resolution Chain</a:t>
+            </a:r>
+            <a:endParaRPr lang="en-GB" dirty="0"/>
+          </a:p>
+        </p:txBody>
+      </p:sp>
+      <p:pic>
+        <p:nvPicPr>
+          <p:cNvPr id="2050" name="Picture 2"/>
+          <p:cNvPicPr>
+            <a:picLocks noChangeAspect="1" noChangeArrowheads="1"/>
+          </p:cNvPicPr>
+          <p:nvPr/>
+        </p:nvPicPr>
+        <p:blipFill>
+          <a:blip r:embed="rId3">
+            <a:extLst>
+              <a:ext uri="{28A0092B-C50C-407E-A947-70E740481C1C}">
+                <a14:useLocalDpi xmlns:a14="http://schemas.microsoft.com/office/drawing/2010/main" val="0"/>
+              </a:ext>
+            </a:extLst>
+          </a:blip>
+          <a:srcRect/>
+          <a:stretch>
+            <a:fillRect/>
+          </a:stretch>
+        </p:blipFill>
+        <p:spPr bwMode="auto">
+          <a:xfrm>
+            <a:off x="1474015" y="1989841"/>
+            <a:ext cx="9717269" cy="4448175"/>
+          </a:xfrm>
+          <a:prstGeom prst="rect">
+            <a:avLst/>
+          </a:prstGeom>
+          <a:noFill/>
+          <a:ln>
+            <a:noFill/>
+          </a:ln>
+          <a:extLst>
+            <a:ext uri="{909E8E84-426E-40DD-AFC4-6F175D3DCCD1}">
+              <a14:hiddenFill xmlns:a14="http://schemas.microsoft.com/office/drawing/2010/main">
+                <a:solidFill>
+                  <a:schemeClr val="accent1"/>
+                </a:solidFill>
+              </a14:hiddenFill>
+            </a:ext>
+            <a:ext uri="{91240B29-F687-4F45-9708-019B960494DF}">
+              <a14:hiddenLine xmlns:a14="http://schemas.microsoft.com/office/drawing/2010/main" w="9525">
+                <a:solidFill>
+                  <a:schemeClr val="tx1"/>
+                </a:solidFill>
+                <a:miter lim="800000"/>
+                <a:headEnd/>
+                <a:tailEnd/>
+              </a14:hiddenLine>
+            </a:ext>
+          </a:extLst>
+        </p:spPr>
+      </p:pic>
+    </p:spTree>
+    <p:extLst>
+      <p:ext uri="{BB962C8B-B14F-4D97-AF65-F5344CB8AC3E}">
+        <p14:creationId xmlns:p14="http://schemas.microsoft.com/office/powerpoint/2010/main" val="1571190253"/>
+      </p:ext>
+    </p:extLst>
+  </p:cSld>
+  <p:clrMapOvr>
+    <a:masterClrMapping/>
+  </p:clrMapOvr>
+  <p:timing>
+    <p:tnLst>
+      <p:par>
+        <p:cTn id="1" dur="indefinite" restart="never" nodeType="tmRoot">
+          <p:childTnLst>
+            <p:seq concurrent="1" nextAc="seek">
+              <p:cTn id="2" dur="indefinite" nodeType="mainSeq">
+                <p:childTnLst>
+                  <p:par>
+                    <p:cTn id="3" fill="hold">
+                      <p:stCondLst>
+                        <p:cond delay="indefinite"/>
+                      </p:stCondLst>
+                      <p:childTnLst>
+                        <p:par>
+                          <p:cTn id="4" fill="hold">
+                            <p:stCondLst>
+                              <p:cond delay="0"/>
+                            </p:stCondLst>
+                            <p:childTnLst>
+                              <p:par>
+                                <p:cTn id="5" presetID="1" presetClass="entr" presetSubtype="0" fill="hold" nodeType="clickEffect">
+                                  <p:stCondLst>
+                                    <p:cond delay="0"/>
+                                  </p:stCondLst>
+                                  <p:childTnLst>
+                                    <p:set>
+                                      <p:cBhvr>
+                                        <p:cTn id="6" dur="1" fill="hold">
+                                          <p:stCondLst>
+                                            <p:cond delay="0"/>
+                                          </p:stCondLst>
+                                        </p:cTn>
+                                        <p:tgtEl>
+                                          <p:spTgt spid="2050"/>
+                                        </p:tgtEl>
+                                        <p:attrNameLst>
+                                          <p:attrName>style.visibility</p:attrName>
+                                        </p:attrNameLst>
+                                      </p:cBhvr>
+                                      <p:to>
+                                        <p:strVal val="visible"/>
+                                      </p:to>
+                                    </p:set>
+                                  </p:childTnLst>
+                                </p:cTn>
+                              </p:par>
+                            </p:childTnLst>
+                          </p:cTn>
+                        </p:par>
+                      </p:childTnLst>
+                    </p:cTn>
+                  </p:par>
+                </p:childTnLst>
+              </p:cTn>
+              <p:prevCondLst>
+                <p:cond evt="onPrev" delay="0">
+                  <p:tgtEl>
+                    <p:sldTgt/>
+                  </p:tgtEl>
+                </p:cond>
+              </p:prevCondLst>
+              <p:nextCondLst>
+                <p:cond evt="onNext" delay="0">
+                  <p:tgtEl>
+                    <p:sldTgt/>
+                  </p:tgtEl>
+                </p:cond>
+              </p:nextCondLst>
+            </p:seq>
+          </p:childTnLst>
+        </p:cTn>
+      </p:par>
+    </p:tnLst>
+  </p:timing>
+</p:sld>
+</file>
+
+<file path=ppt/slides/slide12.xml><?xml version="1.0" encoding="utf-8"?>
+<p:sld xmlns:a="http://schemas.openxmlformats.org/drawingml/2006/main" xmlns:r="http://schemas.openxmlformats.org/officeDocument/2006/relationships" xmlns:p="http://schemas.openxmlformats.org/presentationml/2006/main">
+  <p:cSld>
+    <p:spTree>
+      <p:nvGrpSpPr>
+        <p:cNvPr id="1" name=""/>
+        <p:cNvGrpSpPr/>
+        <p:nvPr/>
+      </p:nvGrpSpPr>
+      <p:grpSpPr>
+        <a:xfrm>
+          <a:off x="0" y="0"/>
+          <a:ext cx="0" cy="0"/>
+          <a:chOff x="0" y="0"/>
+          <a:chExt cx="0" cy="0"/>
+        </a:xfrm>
+      </p:grpSpPr>
+      <p:sp>
+        <p:nvSpPr>
+          <p:cNvPr id="2" name="Title 1"/>
+          <p:cNvSpPr>
+            <a:spLocks noGrp="1"/>
+          </p:cNvSpPr>
+          <p:nvPr>
+            <p:ph type="title"/>
+          </p:nvPr>
+        </p:nvSpPr>
+        <p:spPr/>
+        <p:txBody>
+          <a:bodyPr/>
+          <a:lstStyle/>
+          <a:p>
+            <a:r>
+              <a:rPr lang="en-GB" dirty="0" smtClean="0"/>
+              <a:t>Inline dependencies</a:t>
+            </a:r>
+            <a:endParaRPr lang="en-GB" dirty="0"/>
+          </a:p>
+        </p:txBody>
+      </p:sp>
+      <p:sp>
+        <p:nvSpPr>
+          <p:cNvPr id="3" name="Text Placeholder 2"/>
+          <p:cNvSpPr>
+            <a:spLocks noGrp="1"/>
+          </p:cNvSpPr>
+          <p:nvPr>
+            <p:ph type="body" sz="half" idx="2"/>
+          </p:nvPr>
+        </p:nvSpPr>
+        <p:spPr>
+          <a:xfrm>
+            <a:off x="1292518" y="2718925"/>
+            <a:ext cx="8825659" cy="1246172"/>
+          </a:xfrm>
+        </p:spPr>
+        <p:txBody>
+          <a:bodyPr>
+            <a:noAutofit/>
+          </a:bodyPr>
+          <a:lstStyle/>
+          <a:p>
+            <a:r>
+              <a:rPr lang="en-GB" sz="1600" dirty="0" smtClean="0"/>
+              <a:t>Most IOC containers also provide support for inline dependencies.</a:t>
+            </a:r>
+          </a:p>
+          <a:p>
+            <a:r>
+              <a:rPr lang="en-GB" sz="1600" dirty="0" smtClean="0"/>
+              <a:t>Lets say that there is a property we have to set on a class before setting it up</a:t>
+            </a:r>
+          </a:p>
+          <a:p>
+            <a:r>
+              <a:rPr lang="en-GB" sz="1600" dirty="0" smtClean="0"/>
+              <a:t>A prime candidate for that might be log4net. i.e we want to tell it where to log the file when we create the </a:t>
+            </a:r>
+            <a:r>
+              <a:rPr lang="en-GB" sz="1600" dirty="0" smtClean="0"/>
+              <a:t>dependency</a:t>
+            </a:r>
+          </a:p>
+          <a:p>
+            <a:r>
+              <a:rPr lang="en-GB" sz="1600" b="1" dirty="0" smtClean="0"/>
+              <a:t>(Demo)</a:t>
+            </a:r>
+            <a:endParaRPr lang="en-GB" sz="1600" b="1" dirty="0" smtClean="0"/>
+          </a:p>
+          <a:p>
+            <a:endParaRPr lang="en-GB" sz="1600" dirty="0"/>
+          </a:p>
+        </p:txBody>
+      </p:sp>
+      <p:sp>
+        <p:nvSpPr>
+          <p:cNvPr id="5" name="Rectangle 4"/>
+          <p:cNvSpPr/>
+          <p:nvPr/>
+        </p:nvSpPr>
+        <p:spPr>
+          <a:xfrm>
+            <a:off x="1381039" y="4004663"/>
+            <a:ext cx="9745510" cy="600164"/>
+          </a:xfrm>
+          <a:prstGeom prst="rect">
+            <a:avLst/>
+          </a:prstGeom>
+        </p:spPr>
+        <p:txBody>
+          <a:bodyPr wrap="square">
+            <a:spAutoFit/>
+          </a:bodyPr>
+          <a:lstStyle/>
+          <a:p>
+            <a:r>
+              <a:rPr lang="en-GB" sz="1100" dirty="0">
+                <a:solidFill>
+                  <a:srgbClr val="0000FF"/>
+                </a:solidFill>
+                <a:highlight>
+                  <a:srgbClr val="FFFFFF"/>
+                </a:highlight>
+                <a:latin typeface="Consolas"/>
+              </a:rPr>
+              <a:t>const</a:t>
+            </a:r>
+            <a:r>
+              <a:rPr lang="en-GB" sz="1100" dirty="0">
+                <a:solidFill>
+                  <a:srgbClr val="000000"/>
+                </a:solidFill>
+                <a:highlight>
+                  <a:srgbClr val="FFFFFF"/>
+                </a:highlight>
+                <a:latin typeface="Consolas"/>
+              </a:rPr>
+              <a:t> </a:t>
+            </a:r>
+            <a:r>
+              <a:rPr lang="en-GB" sz="1100" dirty="0">
+                <a:solidFill>
+                  <a:srgbClr val="0000FF"/>
+                </a:solidFill>
+                <a:highlight>
+                  <a:srgbClr val="FFFFFF"/>
+                </a:highlight>
+                <a:latin typeface="Consolas"/>
+              </a:rPr>
+              <a:t>string</a:t>
+            </a:r>
+            <a:r>
+              <a:rPr lang="en-GB" sz="1100" dirty="0">
+                <a:solidFill>
+                  <a:srgbClr val="000000"/>
+                </a:solidFill>
+                <a:highlight>
+                  <a:srgbClr val="FFFFFF"/>
+                </a:highlight>
+                <a:latin typeface="Consolas"/>
+              </a:rPr>
+              <a:t> logDirectory = </a:t>
+            </a:r>
+            <a:r>
+              <a:rPr lang="en-GB" sz="1100" dirty="0">
+                <a:solidFill>
+                  <a:srgbClr val="A31515"/>
+                </a:solidFill>
+                <a:highlight>
+                  <a:srgbClr val="FFFFFF"/>
+                </a:highlight>
+                <a:latin typeface="Consolas"/>
+              </a:rPr>
+              <a:t>@"some directory</a:t>
+            </a:r>
+            <a:r>
+              <a:rPr lang="en-GB" sz="1100" dirty="0" smtClean="0">
+                <a:solidFill>
+                  <a:srgbClr val="A31515"/>
+                </a:solidFill>
+                <a:highlight>
+                  <a:srgbClr val="FFFFFF"/>
+                </a:highlight>
+                <a:latin typeface="Consolas"/>
+              </a:rPr>
+              <a:t>"</a:t>
+            </a:r>
+            <a:r>
+              <a:rPr lang="en-GB" sz="1100" dirty="0" smtClean="0">
+                <a:solidFill>
+                  <a:srgbClr val="000000"/>
+                </a:solidFill>
+                <a:highlight>
+                  <a:srgbClr val="FFFFFF"/>
+                </a:highlight>
+                <a:latin typeface="Consolas"/>
+              </a:rPr>
+              <a:t>;</a:t>
+            </a:r>
+          </a:p>
+          <a:p>
+            <a:r>
+              <a:rPr lang="en-GB" sz="1100" dirty="0" smtClean="0">
+                <a:solidFill>
+                  <a:srgbClr val="000000"/>
+                </a:solidFill>
+                <a:highlight>
+                  <a:srgbClr val="FFFFFF"/>
+                </a:highlight>
+                <a:latin typeface="Consolas"/>
+              </a:rPr>
+              <a:t>container.Register(</a:t>
+            </a:r>
+            <a:r>
+              <a:rPr lang="en-GB" sz="1100" dirty="0" smtClean="0">
+                <a:solidFill>
+                  <a:srgbClr val="2B91AF"/>
+                </a:solidFill>
+                <a:highlight>
+                  <a:srgbClr val="FFFFFF"/>
+                </a:highlight>
+                <a:latin typeface="Consolas"/>
+              </a:rPr>
+              <a:t>Component</a:t>
+            </a:r>
+            <a:r>
+              <a:rPr lang="en-GB" sz="1100" dirty="0" smtClean="0">
+                <a:solidFill>
+                  <a:srgbClr val="000000"/>
+                </a:solidFill>
+                <a:highlight>
+                  <a:srgbClr val="FFFFFF"/>
+                </a:highlight>
+                <a:latin typeface="Consolas"/>
+              </a:rPr>
+              <a:t>.For&lt;</a:t>
+            </a:r>
+            <a:r>
+              <a:rPr lang="en-GB" sz="1100" dirty="0" smtClean="0">
+                <a:solidFill>
+                  <a:srgbClr val="2B91AF"/>
+                </a:solidFill>
+                <a:highlight>
+                  <a:srgbClr val="FFFFFF"/>
+                </a:highlight>
+                <a:latin typeface="Consolas"/>
+              </a:rPr>
+              <a:t>ILogService</a:t>
+            </a:r>
+            <a:r>
+              <a:rPr lang="en-GB" sz="1100" dirty="0">
+                <a:solidFill>
+                  <a:srgbClr val="000000"/>
+                </a:solidFill>
+                <a:highlight>
+                  <a:srgbClr val="FFFFFF"/>
+                </a:highlight>
+                <a:latin typeface="Consolas"/>
+              </a:rPr>
+              <a:t>&gt;().ImplementedBy&lt;</a:t>
+            </a:r>
+            <a:r>
+              <a:rPr lang="en-GB" sz="1100" dirty="0">
+                <a:solidFill>
+                  <a:srgbClr val="2B91AF"/>
+                </a:solidFill>
+                <a:highlight>
+                  <a:srgbClr val="FFFFFF"/>
+                </a:highlight>
+                <a:latin typeface="Consolas"/>
+              </a:rPr>
+              <a:t>LogService</a:t>
+            </a:r>
+            <a:r>
+              <a:rPr lang="en-GB" sz="1100" dirty="0" smtClean="0">
+                <a:solidFill>
+                  <a:srgbClr val="000000"/>
+                </a:solidFill>
+                <a:highlight>
+                  <a:srgbClr val="FFFFFF"/>
+                </a:highlight>
+                <a:latin typeface="Consolas"/>
+              </a:rPr>
+              <a:t>&gt;()</a:t>
+            </a:r>
+          </a:p>
+          <a:p>
+            <a:r>
+              <a:rPr lang="en-GB" sz="1100" dirty="0" smtClean="0">
+                <a:solidFill>
+                  <a:srgbClr val="000000"/>
+                </a:solidFill>
+                <a:highlight>
+                  <a:srgbClr val="FFFFFF"/>
+                </a:highlight>
+                <a:latin typeface="Consolas"/>
+              </a:rPr>
+              <a:t>.</a:t>
+            </a:r>
+            <a:r>
+              <a:rPr lang="en-GB" sz="1100" dirty="0">
+                <a:solidFill>
+                  <a:srgbClr val="000000"/>
+                </a:solidFill>
+                <a:highlight>
+                  <a:srgbClr val="FFFFFF"/>
+                </a:highlight>
+                <a:latin typeface="Consolas"/>
+              </a:rPr>
+              <a:t>DependsOn(</a:t>
+            </a:r>
+            <a:r>
+              <a:rPr lang="en-GB" sz="1100" dirty="0">
+                <a:solidFill>
+                  <a:srgbClr val="2B91AF"/>
+                </a:solidFill>
+                <a:highlight>
+                  <a:srgbClr val="FFFFFF"/>
+                </a:highlight>
+                <a:latin typeface="Consolas"/>
+              </a:rPr>
+              <a:t>Dependency</a:t>
+            </a:r>
+            <a:r>
+              <a:rPr lang="en-GB" sz="1100" dirty="0">
+                <a:solidFill>
+                  <a:srgbClr val="000000"/>
+                </a:solidFill>
+                <a:highlight>
+                  <a:srgbClr val="FFFFFF"/>
+                </a:highlight>
+                <a:latin typeface="Consolas"/>
+              </a:rPr>
+              <a:t>.OnValue(</a:t>
+            </a:r>
+            <a:r>
+              <a:rPr lang="en-GB" sz="1100" dirty="0">
+                <a:solidFill>
+                  <a:srgbClr val="A31515"/>
+                </a:solidFill>
+                <a:highlight>
+                  <a:srgbClr val="FFFFFF"/>
+                </a:highlight>
+                <a:latin typeface="Consolas"/>
+              </a:rPr>
+              <a:t>"LogDirectory</a:t>
+            </a:r>
+            <a:r>
+              <a:rPr lang="en-GB" sz="1100" dirty="0" smtClean="0">
+                <a:solidFill>
+                  <a:srgbClr val="A31515"/>
+                </a:solidFill>
+                <a:highlight>
+                  <a:srgbClr val="FFFFFF"/>
+                </a:highlight>
+                <a:latin typeface="Consolas"/>
+              </a:rPr>
+              <a:t>"</a:t>
+            </a:r>
+            <a:r>
+              <a:rPr lang="en-GB" sz="1100" dirty="0" smtClean="0">
+                <a:solidFill>
+                  <a:srgbClr val="000000"/>
+                </a:solidFill>
+                <a:highlight>
+                  <a:srgbClr val="FFFFFF"/>
+                </a:highlight>
+                <a:latin typeface="Consolas"/>
+              </a:rPr>
+              <a:t>,logDirectory)));</a:t>
+            </a:r>
+            <a:endParaRPr lang="en-GB" sz="1100" dirty="0"/>
+          </a:p>
+        </p:txBody>
+      </p:sp>
+    </p:spTree>
+    <p:extLst>
+      <p:ext uri="{BB962C8B-B14F-4D97-AF65-F5344CB8AC3E}">
+        <p14:creationId xmlns:p14="http://schemas.microsoft.com/office/powerpoint/2010/main" val="2808532298"/>
+      </p:ext>
+    </p:extLst>
+  </p:cSld>
+  <p:clrMapOvr>
+    <a:masterClrMapping/>
+  </p:clrMapOvr>
+  <p:timing>
+    <p:tnLst>
+      <p:par>
+        <p:cTn id="1" dur="indefinite" restart="never" nodeType="tmRoot"/>
+      </p:par>
+    </p:tnLst>
+  </p:timing>
+</p:sld>
+</file>
+
+<file path=ppt/slides/slide13.xml><?xml version="1.0" encoding="utf-8"?>
+<p:sld xmlns:a="http://schemas.openxmlformats.org/drawingml/2006/main" xmlns:r="http://schemas.openxmlformats.org/officeDocument/2006/relationships" xmlns:p="http://schemas.openxmlformats.org/presentationml/2006/main">
+  <p:cSld>
+    <p:spTree>
+      <p:nvGrpSpPr>
+        <p:cNvPr id="1" name=""/>
+        <p:cNvGrpSpPr/>
+        <p:nvPr/>
+      </p:nvGrpSpPr>
+      <p:grpSpPr>
+        <a:xfrm>
+          <a:off x="0" y="0"/>
+          <a:ext cx="0" cy="0"/>
+          <a:chOff x="0" y="0"/>
+          <a:chExt cx="0" cy="0"/>
+        </a:xfrm>
+      </p:grpSpPr>
+      <p:sp>
+        <p:nvSpPr>
+          <p:cNvPr id="2" name="Title 1"/>
+          <p:cNvSpPr>
+            <a:spLocks noGrp="1"/>
+          </p:cNvSpPr>
+          <p:nvPr>
+            <p:ph type="title"/>
+          </p:nvPr>
+        </p:nvSpPr>
+        <p:spPr/>
+        <p:txBody>
+          <a:bodyPr/>
+          <a:lstStyle/>
+          <a:p>
+            <a:r>
+              <a:rPr lang="en-GB" dirty="0" smtClean="0"/>
+              <a:t>Lots of other ways and features!</a:t>
+            </a:r>
+            <a:endParaRPr lang="en-GB" dirty="0"/>
+          </a:p>
+        </p:txBody>
+      </p:sp>
+      <p:sp>
+        <p:nvSpPr>
+          <p:cNvPr id="3" name="Text Placeholder 2"/>
+          <p:cNvSpPr>
+            <a:spLocks noGrp="1"/>
+          </p:cNvSpPr>
+          <p:nvPr>
+            <p:ph type="body" sz="half" idx="2"/>
+          </p:nvPr>
+        </p:nvSpPr>
+        <p:spPr>
+          <a:xfrm>
+            <a:off x="1179230" y="3172078"/>
+            <a:ext cx="8825659" cy="2362200"/>
+          </a:xfrm>
+        </p:spPr>
+        <p:txBody>
+          <a:bodyPr/>
+          <a:lstStyle/>
+          <a:p>
+            <a:r>
+              <a:rPr lang="en-GB" dirty="0" smtClean="0"/>
+              <a:t>There are many other registration features(I recommend a glance at the Castle Windsor site to look at different ways to register dependencies, properties, factories etc. </a:t>
+            </a:r>
+            <a:r>
+              <a:rPr lang="en-GB" dirty="0"/>
+              <a:t>– (</a:t>
+            </a:r>
+            <a:r>
+              <a:rPr lang="en-GB" dirty="0">
+                <a:hlinkClick r:id="rId3"/>
+              </a:rPr>
+              <a:t>https://</a:t>
+            </a:r>
+            <a:r>
+              <a:rPr lang="en-GB" dirty="0" smtClean="0">
+                <a:hlinkClick r:id="rId3"/>
+              </a:rPr>
+              <a:t>github.com/castleproject/Windsor/tree/master/docs</a:t>
+            </a:r>
+            <a:r>
+              <a:rPr lang="en-GB" dirty="0" smtClean="0"/>
+              <a:t>)</a:t>
+            </a:r>
+            <a:endParaRPr lang="en-GB" dirty="0" smtClean="0"/>
+          </a:p>
+        </p:txBody>
+      </p:sp>
+    </p:spTree>
+    <p:extLst>
+      <p:ext uri="{BB962C8B-B14F-4D97-AF65-F5344CB8AC3E}">
+        <p14:creationId xmlns:p14="http://schemas.microsoft.com/office/powerpoint/2010/main" val="2670414585"/>
+      </p:ext>
+    </p:extLst>
+  </p:cSld>
+  <p:clrMapOvr>
+    <a:masterClrMapping/>
+  </p:clrMapOvr>
+  <p:timing>
+    <p:tnLst>
+      <p:par>
+        <p:cTn id="1" dur="indefinite" restart="never" nodeType="tmRoot"/>
+      </p:par>
+    </p:tnLst>
+  </p:timing>
+</p:sld>
+</file>
+
+<file path=ppt/slides/slide14.xml><?xml version="1.0" encoding="utf-8"?>
+<p:sld xmlns:a="http://schemas.openxmlformats.org/drawingml/2006/main" xmlns:r="http://schemas.openxmlformats.org/officeDocument/2006/relationships" xmlns:p="http://schemas.openxmlformats.org/presentationml/2006/main">
+  <p:cSld>
+    <p:spTree>
+      <p:nvGrpSpPr>
+        <p:cNvPr id="1" name=""/>
+        <p:cNvGrpSpPr/>
+        <p:nvPr/>
+      </p:nvGrpSpPr>
+      <p:grpSpPr>
+        <a:xfrm>
+          <a:off x="0" y="0"/>
+          <a:ext cx="0" cy="0"/>
+          <a:chOff x="0" y="0"/>
+          <a:chExt cx="0" cy="0"/>
+        </a:xfrm>
+      </p:grpSpPr>
+      <p:sp>
+        <p:nvSpPr>
+          <p:cNvPr id="2" name="Title 1"/>
+          <p:cNvSpPr>
+            <a:spLocks noGrp="1"/>
+          </p:cNvSpPr>
+          <p:nvPr>
+            <p:ph type="title"/>
+          </p:nvPr>
+        </p:nvSpPr>
+        <p:spPr>
+          <a:xfrm>
             <a:off x="1154954" y="1447800"/>
             <a:ext cx="8825659" cy="1012179"/>
           </a:xfrm>
@@ -8471,13 +10187,13 @@
         </p:nvSpPr>
         <p:spPr>
           <a:xfrm>
-            <a:off x="1110926" y="2532056"/>
-            <a:ext cx="9138115" cy="2362200"/>
+            <a:off x="1110926" y="2532055"/>
+            <a:ext cx="10298844" cy="4071045"/>
           </a:xfrm>
         </p:spPr>
         <p:txBody>
           <a:bodyPr>
-            <a:normAutofit fontScale="70000" lnSpcReduction="20000"/>
+            <a:normAutofit fontScale="77500" lnSpcReduction="20000"/>
           </a:bodyPr>
           <a:lstStyle/>
           <a:p>
@@ -8500,7 +10216,7 @@
               <a:buChar char="•"/>
             </a:pPr>
             <a:r>
-              <a:rPr lang="en-GB" dirty="0" smtClean="0"/>
+              <a:rPr lang="en-GB" sz="2300" dirty="0" smtClean="0"/>
               <a:t>Single Responsibility Principle (each class does one thing and one thing only) </a:t>
             </a:r>
           </a:p>
@@ -8510,7 +10226,7 @@
               <a:buChar char="•"/>
             </a:pPr>
             <a:r>
-              <a:rPr lang="en-GB" dirty="0" smtClean="0"/>
+              <a:rPr lang="en-GB" sz="2300" dirty="0" smtClean="0"/>
               <a:t>Open/Closed Principle (open for extension, closed for modification) – we can provide abstractions using abstract classes or interfaces which must be implemented i.e new classes created with the same interface. </a:t>
             </a:r>
           </a:p>
@@ -8520,7 +10236,7 @@
               <a:buChar char="•"/>
             </a:pPr>
             <a:r>
-              <a:rPr lang="en-GB" dirty="0" smtClean="0"/>
+              <a:rPr lang="en-GB" sz="2300" dirty="0" smtClean="0"/>
               <a:t>Liskov substitution principle (or design by contract) – all objects can be replaceable with their subtypes without altering the correctness of the program.</a:t>
             </a:r>
           </a:p>
@@ -8530,7 +10246,7 @@
               <a:buChar char="•"/>
             </a:pPr>
             <a:r>
-              <a:rPr lang="en-GB" dirty="0" smtClean="0"/>
+              <a:rPr lang="en-GB" sz="2300" dirty="0" smtClean="0"/>
               <a:t>Interface segregation – (well all of our classes are tied to interfaces!)</a:t>
             </a:r>
           </a:p>
@@ -8540,7 +10256,7 @@
               <a:buChar char="•"/>
             </a:pPr>
             <a:r>
-              <a:rPr lang="en-GB" dirty="0" smtClean="0"/>
+              <a:rPr lang="en-GB" sz="2300" dirty="0" smtClean="0"/>
               <a:t>Dependency Inversion – (Any IOC container provides this)</a:t>
             </a:r>
           </a:p>
@@ -8549,15 +10265,15 @@
               <a:buFont typeface="Arial" panose="020B0604020202020204" pitchFamily="34" charset="0"/>
               <a:buChar char="•"/>
             </a:pPr>
-            <a:endParaRPr lang="en-GB" dirty="0" smtClean="0"/>
+            <a:endParaRPr lang="en-GB" sz="2300" dirty="0" smtClean="0"/>
           </a:p>
           <a:p>
             <a:pPr lvl="1"/>
             <a:r>
-              <a:rPr lang="en-GB" b="1" dirty="0" smtClean="0"/>
+              <a:rPr lang="en-GB" sz="2300" b="1" dirty="0" smtClean="0"/>
               <a:t>Demo: Show how we have adhered to the four ticked facets</a:t>
             </a:r>
-            <a:endParaRPr lang="en-GB" b="1" dirty="0"/>
+            <a:endParaRPr lang="en-GB" sz="2300" b="1" dirty="0"/>
           </a:p>
         </p:txBody>
       </p:sp>
@@ -8836,13 +10552,13 @@
       </p:par>
     </p:tnLst>
     <p:bldLst>
-      <p:bldP spid="3" grpId="0" build="p"/>
+      <p:bldP spid="3" grpId="0" uiExpand="1" build="p"/>
     </p:bldLst>
   </p:timing>
 </p:sld>
 </file>
 
-<file path=ppt/slides/slide12.xml><?xml version="1.0" encoding="utf-8"?>
+<file path=ppt/slides/slide15.xml><?xml version="1.0" encoding="utf-8"?>
 <p:sld xmlns:a="http://schemas.openxmlformats.org/drawingml/2006/main" xmlns:r="http://schemas.openxmlformats.org/officeDocument/2006/relationships" xmlns:p="http://schemas.openxmlformats.org/presentationml/2006/main">
   <p:cSld>
     <p:spTree>
@@ -8936,137 +10652,6 @@
     <p:extLst>
       <p:ext uri="{BB962C8B-B14F-4D97-AF65-F5344CB8AC3E}">
         <p14:creationId xmlns:p14="http://schemas.microsoft.com/office/powerpoint/2010/main" val="2711069959"/>
-      </p:ext>
-    </p:extLst>
-  </p:cSld>
-  <p:clrMapOvr>
-    <a:masterClrMapping/>
-  </p:clrMapOvr>
-  <p:timing>
-    <p:tnLst>
-      <p:par>
-        <p:cTn id="1" dur="indefinite" restart="never" nodeType="tmRoot"/>
-      </p:par>
-    </p:tnLst>
-  </p:timing>
-</p:sld>
-</file>
-
-<file path=ppt/slides/slide13.xml><?xml version="1.0" encoding="utf-8"?>
-<p:sld xmlns:a="http://schemas.openxmlformats.org/drawingml/2006/main" xmlns:r="http://schemas.openxmlformats.org/officeDocument/2006/relationships" xmlns:p="http://schemas.openxmlformats.org/presentationml/2006/main">
-  <p:cSld>
-    <p:spTree>
-      <p:nvGrpSpPr>
-        <p:cNvPr id="1" name=""/>
-        <p:cNvGrpSpPr/>
-        <p:nvPr/>
-      </p:nvGrpSpPr>
-      <p:grpSpPr>
-        <a:xfrm>
-          <a:off x="0" y="0"/>
-          <a:ext cx="0" cy="0"/>
-          <a:chOff x="0" y="0"/>
-          <a:chExt cx="0" cy="0"/>
-        </a:xfrm>
-      </p:grpSpPr>
-      <p:sp>
-        <p:nvSpPr>
-          <p:cNvPr id="2" name="Title 1"/>
-          <p:cNvSpPr>
-            <a:spLocks noGrp="1"/>
-          </p:cNvSpPr>
-          <p:nvPr>
-            <p:ph type="title"/>
-          </p:nvPr>
-        </p:nvSpPr>
-        <p:spPr/>
-        <p:txBody>
-          <a:bodyPr/>
-          <a:lstStyle/>
-          <a:p>
-            <a:r>
-              <a:rPr lang="en-GB" dirty="0" smtClean="0"/>
-              <a:t>Questions/Comments</a:t>
-            </a:r>
-            <a:endParaRPr lang="en-GB" dirty="0"/>
-          </a:p>
-        </p:txBody>
-      </p:sp>
-      <p:sp>
-        <p:nvSpPr>
-          <p:cNvPr id="3" name="Text Placeholder 2"/>
-          <p:cNvSpPr>
-            <a:spLocks noGrp="1"/>
-          </p:cNvSpPr>
-          <p:nvPr>
-            <p:ph type="body" sz="half" idx="2"/>
-          </p:nvPr>
-        </p:nvSpPr>
-        <p:spPr>
-          <a:xfrm>
-            <a:off x="1235874" y="2565175"/>
-            <a:ext cx="8825659" cy="2362200"/>
-          </a:xfrm>
-        </p:spPr>
-        <p:txBody>
-          <a:bodyPr>
-            <a:normAutofit/>
-          </a:bodyPr>
-          <a:lstStyle/>
-          <a:p>
-            <a:r>
-              <a:rPr lang="en-GB" dirty="0" smtClean="0"/>
-              <a:t>The slides and the example code can be found in this location</a:t>
-            </a:r>
-          </a:p>
-          <a:p>
-            <a:r>
-              <a:rPr lang="en-GB" dirty="0" smtClean="0">
-                <a:hlinkClick r:id="rId3"/>
-              </a:rPr>
-              <a:t>https://github/jscanlon77/dependency-injection</a:t>
-            </a:r>
-            <a:endParaRPr lang="en-GB" dirty="0" smtClean="0"/>
-          </a:p>
-          <a:p>
-            <a:endParaRPr lang="en-GB" dirty="0"/>
-          </a:p>
-          <a:p>
-            <a:r>
-              <a:rPr lang="en-GB" dirty="0" smtClean="0"/>
-              <a:t>And the Sonar Importer with the IOC container implemented with (291 tests around the functionality can be found here)</a:t>
-            </a:r>
-          </a:p>
-          <a:p>
-            <a:r>
-              <a:rPr lang="en-GB" sz="1200" dirty="0" smtClean="0">
-                <a:hlinkClick r:id="rId4"/>
-              </a:rPr>
-              <a:t>https</a:t>
-            </a:r>
-            <a:r>
-              <a:rPr lang="en-GB" sz="1200" dirty="0">
-                <a:hlinkClick r:id="rId4"/>
-              </a:rPr>
-              <a:t>://</a:t>
-            </a:r>
-            <a:r>
-              <a:rPr lang="en-GB" sz="1200" dirty="0" smtClean="0">
-                <a:hlinkClick r:id="rId4"/>
-              </a:rPr>
-              <a:t>wts-svn.wellsfargo.com/wcrdr-fiit-sonar/branches/SONAR_IMPORT_IOC_BRANCH/</a:t>
-            </a:r>
-            <a:endParaRPr lang="en-GB" sz="1200" dirty="0" smtClean="0"/>
-          </a:p>
-          <a:p>
-            <a:endParaRPr lang="en-GB" dirty="0"/>
-          </a:p>
-        </p:txBody>
-      </p:sp>
-    </p:spTree>
-    <p:extLst>
-      <p:ext uri="{BB962C8B-B14F-4D97-AF65-F5344CB8AC3E}">
-        <p14:creationId xmlns:p14="http://schemas.microsoft.com/office/powerpoint/2010/main" val="482000602"/>
       </p:ext>
     </p:extLst>
   </p:cSld>
@@ -9305,6 +10890,424 @@
 </p:sld>
 </file>
 
+<file path=ppt/slides/slide16.xml><?xml version="1.0" encoding="utf-8"?>
+<p:sld xmlns:a="http://schemas.openxmlformats.org/drawingml/2006/main" xmlns:r="http://schemas.openxmlformats.org/officeDocument/2006/relationships" xmlns:p="http://schemas.openxmlformats.org/presentationml/2006/main">
+  <p:cSld>
+    <p:spTree>
+      <p:nvGrpSpPr>
+        <p:cNvPr id="1" name=""/>
+        <p:cNvGrpSpPr/>
+        <p:nvPr/>
+      </p:nvGrpSpPr>
+      <p:grpSpPr>
+        <a:xfrm>
+          <a:off x="0" y="0"/>
+          <a:ext cx="0" cy="0"/>
+          <a:chOff x="0" y="0"/>
+          <a:chExt cx="0" cy="0"/>
+        </a:xfrm>
+      </p:grpSpPr>
+      <p:sp>
+        <p:nvSpPr>
+          <p:cNvPr id="2" name="Title 1"/>
+          <p:cNvSpPr>
+            <a:spLocks noGrp="1"/>
+          </p:cNvSpPr>
+          <p:nvPr>
+            <p:ph type="title"/>
+          </p:nvPr>
+        </p:nvSpPr>
+        <p:spPr/>
+        <p:txBody>
+          <a:bodyPr/>
+          <a:lstStyle/>
+          <a:p>
+            <a:r>
+              <a:rPr lang="en-GB" dirty="0" smtClean="0"/>
+              <a:t>Questions/Comments</a:t>
+            </a:r>
+            <a:endParaRPr lang="en-GB" dirty="0"/>
+          </a:p>
+        </p:txBody>
+      </p:sp>
+      <p:sp>
+        <p:nvSpPr>
+          <p:cNvPr id="3" name="Text Placeholder 2"/>
+          <p:cNvSpPr>
+            <a:spLocks noGrp="1"/>
+          </p:cNvSpPr>
+          <p:nvPr>
+            <p:ph type="body" sz="half" idx="2"/>
+          </p:nvPr>
+        </p:nvSpPr>
+        <p:spPr>
+          <a:xfrm>
+            <a:off x="1235874" y="2565175"/>
+            <a:ext cx="8825659" cy="2362200"/>
+          </a:xfrm>
+        </p:spPr>
+        <p:txBody>
+          <a:bodyPr>
+            <a:normAutofit fontScale="85000" lnSpcReduction="10000"/>
+          </a:bodyPr>
+          <a:lstStyle/>
+          <a:p>
+            <a:r>
+              <a:rPr lang="en-GB" dirty="0" smtClean="0"/>
+              <a:t>The slides and the example code can be found in this location</a:t>
+            </a:r>
+          </a:p>
+          <a:p>
+            <a:r>
+              <a:rPr lang="en-GB" dirty="0" smtClean="0">
+                <a:hlinkClick r:id="rId3"/>
+              </a:rPr>
+              <a:t>https://github/jscanlon77/dependency-injection</a:t>
+            </a:r>
+            <a:endParaRPr lang="en-GB" dirty="0" smtClean="0"/>
+          </a:p>
+          <a:p>
+            <a:endParaRPr lang="en-GB" dirty="0"/>
+          </a:p>
+          <a:p>
+            <a:r>
+              <a:rPr lang="en-GB" dirty="0" smtClean="0"/>
+              <a:t>And the Sonar Importer with the IOC container implemented with (291 tests around the functionality can be found here)</a:t>
+            </a:r>
+          </a:p>
+          <a:p>
+            <a:r>
+              <a:rPr lang="en-GB" sz="1200" dirty="0" smtClean="0">
+                <a:hlinkClick r:id="rId4"/>
+              </a:rPr>
+              <a:t>https</a:t>
+            </a:r>
+            <a:r>
+              <a:rPr lang="en-GB" sz="1200" dirty="0">
+                <a:hlinkClick r:id="rId4"/>
+              </a:rPr>
+              <a:t>://</a:t>
+            </a:r>
+            <a:r>
+              <a:rPr lang="en-GB" sz="1200" dirty="0" smtClean="0">
+                <a:hlinkClick r:id="rId4"/>
+              </a:rPr>
+              <a:t>wts-svn.wellsfargo.com/wcrdr-fiit-sonar/branches/SONAR_IMPORT_IOC_BRANCH</a:t>
+            </a:r>
+            <a:r>
+              <a:rPr lang="en-GB" sz="1200" dirty="0" smtClean="0">
+                <a:hlinkClick r:id="rId4"/>
+              </a:rPr>
+              <a:t>/</a:t>
+            </a:r>
+            <a:endParaRPr lang="en-GB" sz="1200" dirty="0" smtClean="0"/>
+          </a:p>
+          <a:p>
+            <a:endParaRPr lang="en-GB" sz="1200" dirty="0"/>
+          </a:p>
+          <a:p>
+            <a:r>
+              <a:rPr lang="en-GB" sz="1700" b="1" dirty="0" smtClean="0"/>
+              <a:t>If folks are interested I can do a presentation on TDD including Mocking Libraries and NUnit)</a:t>
+            </a:r>
+            <a:endParaRPr lang="en-GB" sz="1700" b="1" dirty="0" smtClean="0"/>
+          </a:p>
+          <a:p>
+            <a:endParaRPr lang="en-GB" dirty="0"/>
+          </a:p>
+        </p:txBody>
+      </p:sp>
+    </p:spTree>
+    <p:extLst>
+      <p:ext uri="{BB962C8B-B14F-4D97-AF65-F5344CB8AC3E}">
+        <p14:creationId xmlns:p14="http://schemas.microsoft.com/office/powerpoint/2010/main" val="482000602"/>
+      </p:ext>
+    </p:extLst>
+  </p:cSld>
+  <p:clrMapOvr>
+    <a:masterClrMapping/>
+  </p:clrMapOvr>
+  <p:timing>
+    <p:tnLst>
+      <p:par>
+        <p:cTn id="1" dur="indefinite" restart="never" nodeType="tmRoot">
+          <p:childTnLst>
+            <p:seq concurrent="1" nextAc="seek">
+              <p:cTn id="2" dur="indefinite" nodeType="mainSeq">
+                <p:childTnLst>
+                  <p:par>
+                    <p:cTn id="3" fill="hold">
+                      <p:stCondLst>
+                        <p:cond delay="indefinite"/>
+                      </p:stCondLst>
+                      <p:childTnLst>
+                        <p:par>
+                          <p:cTn id="4" fill="hold">
+                            <p:stCondLst>
+                              <p:cond delay="0"/>
+                            </p:stCondLst>
+                            <p:childTnLst>
+                              <p:par>
+                                <p:cTn id="5" presetID="1" presetClass="entr" presetSubtype="0" fill="hold" grpId="0" nodeType="clickEffect">
+                                  <p:stCondLst>
+                                    <p:cond delay="0"/>
+                                  </p:stCondLst>
+                                  <p:childTnLst>
+                                    <p:set>
+                                      <p:cBhvr>
+                                        <p:cTn id="6" dur="1" fill="hold">
+                                          <p:stCondLst>
+                                            <p:cond delay="0"/>
+                                          </p:stCondLst>
+                                        </p:cTn>
+                                        <p:tgtEl>
+                                          <p:spTgt spid="3">
+                                            <p:txEl>
+                                              <p:pRg st="0" end="0"/>
+                                            </p:txEl>
+                                          </p:spTgt>
+                                        </p:tgtEl>
+                                        <p:attrNameLst>
+                                          <p:attrName>style.visibility</p:attrName>
+                                        </p:attrNameLst>
+                                      </p:cBhvr>
+                                      <p:to>
+                                        <p:strVal val="visible"/>
+                                      </p:to>
+                                    </p:set>
+                                  </p:childTnLst>
+                                </p:cTn>
+                              </p:par>
+                            </p:childTnLst>
+                          </p:cTn>
+                        </p:par>
+                      </p:childTnLst>
+                    </p:cTn>
+                  </p:par>
+                  <p:par>
+                    <p:cTn id="7" fill="hold">
+                      <p:stCondLst>
+                        <p:cond delay="indefinite"/>
+                      </p:stCondLst>
+                      <p:childTnLst>
+                        <p:par>
+                          <p:cTn id="8" fill="hold">
+                            <p:stCondLst>
+                              <p:cond delay="0"/>
+                            </p:stCondLst>
+                            <p:childTnLst>
+                              <p:par>
+                                <p:cTn id="9" presetID="1" presetClass="entr" presetSubtype="0" fill="hold" grpId="0" nodeType="clickEffect">
+                                  <p:stCondLst>
+                                    <p:cond delay="0"/>
+                                  </p:stCondLst>
+                                  <p:childTnLst>
+                                    <p:set>
+                                      <p:cBhvr>
+                                        <p:cTn id="10" dur="1" fill="hold">
+                                          <p:stCondLst>
+                                            <p:cond delay="0"/>
+                                          </p:stCondLst>
+                                        </p:cTn>
+                                        <p:tgtEl>
+                                          <p:spTgt spid="3">
+                                            <p:txEl>
+                                              <p:pRg st="1" end="1"/>
+                                            </p:txEl>
+                                          </p:spTgt>
+                                        </p:tgtEl>
+                                        <p:attrNameLst>
+                                          <p:attrName>style.visibility</p:attrName>
+                                        </p:attrNameLst>
+                                      </p:cBhvr>
+                                      <p:to>
+                                        <p:strVal val="visible"/>
+                                      </p:to>
+                                    </p:set>
+                                  </p:childTnLst>
+                                </p:cTn>
+                              </p:par>
+                            </p:childTnLst>
+                          </p:cTn>
+                        </p:par>
+                      </p:childTnLst>
+                    </p:cTn>
+                  </p:par>
+                  <p:par>
+                    <p:cTn id="11" fill="hold">
+                      <p:stCondLst>
+                        <p:cond delay="indefinite"/>
+                      </p:stCondLst>
+                      <p:childTnLst>
+                        <p:par>
+                          <p:cTn id="12" fill="hold">
+                            <p:stCondLst>
+                              <p:cond delay="0"/>
+                            </p:stCondLst>
+                            <p:childTnLst>
+                              <p:par>
+                                <p:cTn id="13" presetID="1" presetClass="entr" presetSubtype="0" fill="hold" grpId="0" nodeType="clickEffect">
+                                  <p:stCondLst>
+                                    <p:cond delay="0"/>
+                                  </p:stCondLst>
+                                  <p:childTnLst>
+                                    <p:set>
+                                      <p:cBhvr>
+                                        <p:cTn id="14" dur="1" fill="hold">
+                                          <p:stCondLst>
+                                            <p:cond delay="0"/>
+                                          </p:stCondLst>
+                                        </p:cTn>
+                                        <p:tgtEl>
+                                          <p:spTgt spid="3">
+                                            <p:txEl>
+                                              <p:pRg st="3" end="3"/>
+                                            </p:txEl>
+                                          </p:spTgt>
+                                        </p:tgtEl>
+                                        <p:attrNameLst>
+                                          <p:attrName>style.visibility</p:attrName>
+                                        </p:attrNameLst>
+                                      </p:cBhvr>
+                                      <p:to>
+                                        <p:strVal val="visible"/>
+                                      </p:to>
+                                    </p:set>
+                                  </p:childTnLst>
+                                </p:cTn>
+                              </p:par>
+                            </p:childTnLst>
+                          </p:cTn>
+                        </p:par>
+                      </p:childTnLst>
+                    </p:cTn>
+                  </p:par>
+                  <p:par>
+                    <p:cTn id="15" fill="hold">
+                      <p:stCondLst>
+                        <p:cond delay="indefinite"/>
+                      </p:stCondLst>
+                      <p:childTnLst>
+                        <p:par>
+                          <p:cTn id="16" fill="hold">
+                            <p:stCondLst>
+                              <p:cond delay="0"/>
+                            </p:stCondLst>
+                            <p:childTnLst>
+                              <p:par>
+                                <p:cTn id="17" presetID="1" presetClass="entr" presetSubtype="0" fill="hold" grpId="0" nodeType="clickEffect">
+                                  <p:stCondLst>
+                                    <p:cond delay="0"/>
+                                  </p:stCondLst>
+                                  <p:childTnLst>
+                                    <p:set>
+                                      <p:cBhvr>
+                                        <p:cTn id="18" dur="1" fill="hold">
+                                          <p:stCondLst>
+                                            <p:cond delay="0"/>
+                                          </p:stCondLst>
+                                        </p:cTn>
+                                        <p:tgtEl>
+                                          <p:spTgt spid="3">
+                                            <p:txEl>
+                                              <p:pRg st="4" end="4"/>
+                                            </p:txEl>
+                                          </p:spTgt>
+                                        </p:tgtEl>
+                                        <p:attrNameLst>
+                                          <p:attrName>style.visibility</p:attrName>
+                                        </p:attrNameLst>
+                                      </p:cBhvr>
+                                      <p:to>
+                                        <p:strVal val="visible"/>
+                                      </p:to>
+                                    </p:set>
+                                  </p:childTnLst>
+                                </p:cTn>
+                              </p:par>
+                            </p:childTnLst>
+                          </p:cTn>
+                        </p:par>
+                      </p:childTnLst>
+                    </p:cTn>
+                  </p:par>
+                  <p:par>
+                    <p:cTn id="19" fill="hold">
+                      <p:stCondLst>
+                        <p:cond delay="indefinite"/>
+                      </p:stCondLst>
+                      <p:childTnLst>
+                        <p:par>
+                          <p:cTn id="20" fill="hold">
+                            <p:stCondLst>
+                              <p:cond delay="0"/>
+                            </p:stCondLst>
+                            <p:childTnLst>
+                              <p:par>
+                                <p:cTn id="21" presetID="1" presetClass="entr" presetSubtype="0" fill="hold" grpId="0" nodeType="clickEffect">
+                                  <p:stCondLst>
+                                    <p:cond delay="0"/>
+                                  </p:stCondLst>
+                                  <p:childTnLst>
+                                    <p:set>
+                                      <p:cBhvr>
+                                        <p:cTn id="22" dur="1" fill="hold">
+                                          <p:stCondLst>
+                                            <p:cond delay="0"/>
+                                          </p:stCondLst>
+                                        </p:cTn>
+                                        <p:tgtEl>
+                                          <p:spTgt spid="3">
+                                            <p:txEl>
+                                              <p:pRg st="6" end="6"/>
+                                            </p:txEl>
+                                          </p:spTgt>
+                                        </p:tgtEl>
+                                        <p:attrNameLst>
+                                          <p:attrName>style.visibility</p:attrName>
+                                        </p:attrNameLst>
+                                      </p:cBhvr>
+                                      <p:to>
+                                        <p:strVal val="visible"/>
+                                      </p:to>
+                                    </p:set>
+                                  </p:childTnLst>
+                                </p:cTn>
+                              </p:par>
+                            </p:childTnLst>
+                          </p:cTn>
+                        </p:par>
+                      </p:childTnLst>
+                    </p:cTn>
+                  </p:par>
+                </p:childTnLst>
+              </p:cTn>
+              <p:prevCondLst>
+                <p:cond evt="onPrev" delay="0">
+                  <p:tgtEl>
+                    <p:sldTgt/>
+                  </p:tgtEl>
+                </p:cond>
+              </p:prevCondLst>
+              <p:nextCondLst>
+                <p:cond evt="onNext" delay="0">
+                  <p:tgtEl>
+                    <p:sldTgt/>
+                  </p:tgtEl>
+                </p:cond>
+              </p:nextCondLst>
+            </p:seq>
+          </p:childTnLst>
+        </p:cTn>
+      </p:par>
+    </p:tnLst>
+    <p:bldLst>
+      <p:bldP spid="3" grpId="0" build="p"/>
+    </p:bldLst>
+  </p:timing>
+</p:sld>
+</file>
+
 <file path=ppt/slides/slide2.xml><?xml version="1.0" encoding="utf-8"?>
 <p:sld xmlns:a="http://schemas.openxmlformats.org/drawingml/2006/main" xmlns:r="http://schemas.openxmlformats.org/officeDocument/2006/relationships" xmlns:p="http://schemas.openxmlformats.org/presentationml/2006/main">
   <p:cSld>
@@ -9453,9 +11456,125 @@
   <p:timing>
     <p:tnLst>
       <p:par>
-        <p:cTn id="1" dur="indefinite" restart="never" nodeType="tmRoot"/>
+        <p:cTn id="1" dur="indefinite" restart="never" nodeType="tmRoot">
+          <p:childTnLst>
+            <p:seq concurrent="1" nextAc="seek">
+              <p:cTn id="2" dur="indefinite" nodeType="mainSeq">
+                <p:childTnLst>
+                  <p:par>
+                    <p:cTn id="3" fill="hold">
+                      <p:stCondLst>
+                        <p:cond delay="indefinite"/>
+                      </p:stCondLst>
+                      <p:childTnLst>
+                        <p:par>
+                          <p:cTn id="4" fill="hold">
+                            <p:stCondLst>
+                              <p:cond delay="0"/>
+                            </p:stCondLst>
+                            <p:childTnLst>
+                              <p:par>
+                                <p:cTn id="5" presetID="1" presetClass="entr" presetSubtype="0" fill="hold" grpId="0" nodeType="clickEffect">
+                                  <p:stCondLst>
+                                    <p:cond delay="0"/>
+                                  </p:stCondLst>
+                                  <p:childTnLst>
+                                    <p:set>
+                                      <p:cBhvr>
+                                        <p:cTn id="6" dur="1" fill="hold">
+                                          <p:stCondLst>
+                                            <p:cond delay="0"/>
+                                          </p:stCondLst>
+                                        </p:cTn>
+                                        <p:tgtEl>
+                                          <p:spTgt spid="4"/>
+                                        </p:tgtEl>
+                                        <p:attrNameLst>
+                                          <p:attrName>style.visibility</p:attrName>
+                                        </p:attrNameLst>
+                                      </p:cBhvr>
+                                      <p:to>
+                                        <p:strVal val="visible"/>
+                                      </p:to>
+                                    </p:set>
+                                  </p:childTnLst>
+                                </p:cTn>
+                              </p:par>
+                            </p:childTnLst>
+                          </p:cTn>
+                        </p:par>
+                      </p:childTnLst>
+                    </p:cTn>
+                  </p:par>
+                  <p:par>
+                    <p:cTn id="7" fill="hold">
+                      <p:stCondLst>
+                        <p:cond delay="indefinite"/>
+                      </p:stCondLst>
+                      <p:childTnLst>
+                        <p:par>
+                          <p:cTn id="8" fill="hold">
+                            <p:stCondLst>
+                              <p:cond delay="0"/>
+                            </p:stCondLst>
+                            <p:childTnLst>
+                              <p:par>
+                                <p:cTn id="9" presetID="1" presetClass="entr" presetSubtype="0" fill="hold" nodeType="clickEffect">
+                                  <p:stCondLst>
+                                    <p:cond delay="0"/>
+                                  </p:stCondLst>
+                                  <p:childTnLst>
+                                    <p:set>
+                                      <p:cBhvr>
+                                        <p:cTn id="10" dur="1" fill="hold">
+                                          <p:stCondLst>
+                                            <p:cond delay="0"/>
+                                          </p:stCondLst>
+                                        </p:cTn>
+                                        <p:tgtEl>
+                                          <p:spTgt spid="1027"/>
+                                        </p:tgtEl>
+                                        <p:attrNameLst>
+                                          <p:attrName>style.visibility</p:attrName>
+                                        </p:attrNameLst>
+                                      </p:cBhvr>
+                                      <p:to>
+                                        <p:strVal val="visible"/>
+                                      </p:to>
+                                    </p:set>
+                                  </p:childTnLst>
+                                </p:cTn>
+                              </p:par>
+                            </p:childTnLst>
+                          </p:cTn>
+                        </p:par>
+                      </p:childTnLst>
+                    </p:cTn>
+                  </p:par>
+                </p:childTnLst>
+              </p:cTn>
+              <p:prevCondLst>
+                <p:cond evt="onPrev" delay="0">
+                  <p:tgtEl>
+                    <p:sldTgt/>
+                  </p:tgtEl>
+                </p:cond>
+              </p:prevCondLst>
+              <p:nextCondLst>
+                <p:cond evt="onNext" delay="0">
+                  <p:tgtEl>
+                    <p:sldTgt/>
+                  </p:tgtEl>
+                </p:cond>
+              </p:nextCondLst>
+            </p:seq>
+          </p:childTnLst>
+        </p:cTn>
       </p:par>
     </p:tnLst>
+    <p:bldLst>
+      <p:bldP spid="4" grpId="0"/>
+    </p:bldLst>
   </p:timing>
 </p:sld>
 </file>
@@ -9902,7 +12021,75 @@
   <p:timing>
     <p:tnLst>
       <p:par>
-        <p:cTn id="1" dur="indefinite" restart="never" nodeType="tmRoot"/>
+        <p:cTn id="1" dur="indefinite" restart="never" nodeType="tmRoot">
+          <p:childTnLst>
+            <p:seq concurrent="1" nextAc="seek">
+              <p:cTn id="2" dur="indefinite" nodeType="mainSeq">
+                <p:childTnLst>
+                  <p:par>
+                    <p:cTn id="3" fill="hold">
+                      <p:stCondLst>
+                        <p:cond delay="indefinite"/>
+                      </p:stCondLst>
+                      <p:childTnLst>
+                        <p:par>
+                          <p:cTn id="4" fill="hold">
+                            <p:stCondLst>
+                              <p:cond delay="0"/>
+                            </p:stCondLst>
+                            <p:childTnLst>
+                              <p:par>
+                                <p:cTn id="5" presetID="1" presetClass="entr" presetSubtype="0" fill="hold" nodeType="clickEffect">
+                                  <p:stCondLst>
+                                    <p:cond delay="0"/>
+                                  </p:stCondLst>
+                                  <p:childTnLst>
+                                    <p:set>
+                                      <p:cBhvr>
+                                        <p:cTn id="6" dur="1" fill="hold">
+                                          <p:stCondLst>
+                                            <p:cond delay="0"/>
+                                          </p:stCondLst>
+                                        </p:cTn>
+                                        <p:tgtEl>
+                                          <p:spTgt spid="2050"/>
+                                        </p:tgtEl>
+                                        <p:attrNameLst>
+                                          <p:attrName>style.visibility</p:attrName>
+                                        </p:attrNameLst>
+                                      </p:cBhvr>
+                                      <p:to>
+                                        <p:strVal val="visible"/>
+                                      </p:to>
+                                    </p:set>
+                                  </p:childTnLst>
+                                </p:cTn>
+                              </p:par>
+                            </p:childTnLst>
+                          </p:cTn>
+                        </p:par>
+                      </p:childTnLst>
+                    </p:cTn>
+                  </p:par>
+                </p:childTnLst>
+              </p:cTn>
+              <p:prevCondLst>
+                <p:cond evt="onPrev" delay="0">
+                  <p:tgtEl>
+                    <p:sldTgt/>
+                  </p:tgtEl>
+                </p:cond>
+              </p:prevCondLst>
+              <p:nextCondLst>
+                <p:cond evt="onNext" delay="0">
+                  <p:tgtEl>
+                    <p:sldTgt/>
+                  </p:tgtEl>
+                </p:cond>
+              </p:nextCondLst>
+            </p:seq>
+          </p:childTnLst>
+        </p:cTn>
       </p:par>
     </p:tnLst>
   </p:timing>
@@ -10021,7 +12208,75 @@
   <p:timing>
     <p:tnLst>
       <p:par>
-        <p:cTn id="1" dur="indefinite" restart="never" nodeType="tmRoot"/>
+        <p:cTn id="1" dur="indefinite" restart="never" nodeType="tmRoot">
+          <p:childTnLst>
+            <p:seq concurrent="1" nextAc="seek">
+              <p:cTn id="2" dur="indefinite" nodeType="mainSeq">
+                <p:childTnLst>
+                  <p:par>
+                    <p:cTn id="3" fill="hold">
+                      <p:stCondLst>
+                        <p:cond delay="indefinite"/>
+                      </p:stCondLst>
+                      <p:childTnLst>
+                        <p:par>
+                          <p:cTn id="4" fill="hold">
+                            <p:stCondLst>
+                              <p:cond delay="0"/>
+                            </p:stCondLst>
+                            <p:childTnLst>
+                              <p:par>
+                                <p:cTn id="5" presetID="1" presetClass="entr" presetSubtype="0" fill="hold" nodeType="clickEffect">
+                                  <p:stCondLst>
+                                    <p:cond delay="0"/>
+                                  </p:stCondLst>
+                                  <p:childTnLst>
+                                    <p:set>
+                                      <p:cBhvr>
+                                        <p:cTn id="6" dur="1" fill="hold">
+                                          <p:stCondLst>
+                                            <p:cond delay="0"/>
+                                          </p:stCondLst>
+                                        </p:cTn>
+                                        <p:tgtEl>
+                                          <p:spTgt spid="3074"/>
+                                        </p:tgtEl>
+                                        <p:attrNameLst>
+                                          <p:attrName>style.visibility</p:attrName>
+                                        </p:attrNameLst>
+                                      </p:cBhvr>
+                                      <p:to>
+                                        <p:strVal val="visible"/>
+                                      </p:to>
+                                    </p:set>
+                                  </p:childTnLst>
+                                </p:cTn>
+                              </p:par>
+                            </p:childTnLst>
+                          </p:cTn>
+                        </p:par>
+                      </p:childTnLst>
+                    </p:cTn>
+                  </p:par>
+                </p:childTnLst>
+              </p:cTn>
+              <p:prevCondLst>
+                <p:cond evt="onPrev" delay="0">
+                  <p:tgtEl>
+                    <p:sldTgt/>
+                  </p:tgtEl>
+                </p:cond>
+              </p:prevCondLst>
+              <p:nextCondLst>
+                <p:cond evt="onNext" delay="0">
+                  <p:tgtEl>
+                    <p:sldTgt/>
+                  </p:tgtEl>
+                </p:cond>
+              </p:nextCondLst>
+            </p:seq>
+          </p:childTnLst>
+        </p:cTn>
       </p:par>
     </p:tnLst>
   </p:timing>
@@ -10085,13 +12340,13 @@
         </p:nvSpPr>
         <p:spPr>
           <a:xfrm>
-            <a:off x="1341071" y="2597543"/>
-            <a:ext cx="8825659" cy="2362200"/>
+            <a:off x="1341071" y="2597544"/>
+            <a:ext cx="8825659" cy="412694"/>
           </a:xfrm>
         </p:spPr>
         <p:txBody>
           <a:bodyPr>
-            <a:normAutofit fontScale="62500" lnSpcReduction="20000"/>
+            <a:normAutofit/>
           </a:bodyPr>
           <a:lstStyle/>
           <a:p>
@@ -10109,158 +12364,1046 @@
             </a:r>
           </a:p>
           <a:p>
-            <a:pPr marL="285750" indent="-285750">
-              <a:buFont typeface="Arial" panose="020B0604020202020204" pitchFamily="34" charset="0"/>
-              <a:buChar char="•"/>
-            </a:pPr>
             <a:endParaRPr lang="en-GB" dirty="0" smtClean="0"/>
           </a:p>
           <a:p>
-            <a:pPr marL="285750" indent="-285750">
-              <a:buFont typeface="Arial" panose="020B0604020202020204" pitchFamily="34" charset="0"/>
-              <a:buChar char="•"/>
-            </a:pPr>
-            <a:r>
-              <a:rPr lang="en-GB" dirty="0" smtClean="0"/>
-              <a:t>Normal Class and Interface Registration by Fluent </a:t>
-            </a:r>
-            <a:r>
-              <a:rPr lang="en-GB" dirty="0" smtClean="0"/>
-              <a:t>API – </a:t>
-            </a:r>
-            <a:r>
-              <a:rPr lang="en-GB" b="1" dirty="0" smtClean="0"/>
-              <a:t>Demo: Show the Fluent API</a:t>
-            </a:r>
-            <a:endParaRPr lang="en-GB" b="1" dirty="0" smtClean="0"/>
-          </a:p>
-          <a:p>
-            <a:pPr marL="285750" indent="-285750">
-              <a:buFont typeface="Arial" panose="020B0604020202020204" pitchFamily="34" charset="0"/>
-              <a:buChar char="•"/>
-            </a:pPr>
-            <a:r>
-              <a:rPr lang="en-GB" dirty="0" smtClean="0"/>
-              <a:t>OnCreate</a:t>
-            </a:r>
-            <a:r>
-              <a:rPr lang="en-GB" dirty="0"/>
+            <a:endParaRPr lang="en-GB" dirty="0" smtClean="0"/>
+          </a:p>
+        </p:txBody>
+      </p:sp>
+      <p:sp>
+        <p:nvSpPr>
+          <p:cNvPr id="5" name="Rectangle 4"/>
+          <p:cNvSpPr/>
+          <p:nvPr/>
+        </p:nvSpPr>
+        <p:spPr>
+          <a:xfrm>
+            <a:off x="1518605" y="2911918"/>
+            <a:ext cx="6096000" cy="1785104"/>
+          </a:xfrm>
+          <a:prstGeom prst="rect">
+            <a:avLst/>
+          </a:prstGeom>
+        </p:spPr>
+        <p:txBody>
+          <a:bodyPr>
+            <a:spAutoFit/>
+          </a:bodyPr>
+          <a:lstStyle/>
+          <a:p>
+            <a:r>
+              <a:rPr lang="en-GB" sz="1000" dirty="0">
+                <a:solidFill>
+                  <a:srgbClr val="0000FF"/>
+                </a:solidFill>
+                <a:highlight>
+                  <a:srgbClr val="FFFFFF"/>
+                </a:highlight>
+                <a:latin typeface="Consolas"/>
+              </a:rPr>
+              <a:t>&lt;?</a:t>
+            </a:r>
+            <a:r>
+              <a:rPr lang="en-GB" sz="1000" dirty="0">
+                <a:solidFill>
+                  <a:srgbClr val="A31515"/>
+                </a:solidFill>
+                <a:highlight>
+                  <a:srgbClr val="FFFFFF"/>
+                </a:highlight>
+                <a:latin typeface="Consolas"/>
+              </a:rPr>
+              <a:t>xml</a:t>
+            </a:r>
+            <a:r>
+              <a:rPr lang="en-GB" sz="1000" dirty="0">
+                <a:solidFill>
+                  <a:srgbClr val="0000FF"/>
+                </a:solidFill>
+                <a:highlight>
+                  <a:srgbClr val="FFFFFF"/>
+                </a:highlight>
+                <a:latin typeface="Consolas"/>
+              </a:rPr>
               <a:t> </a:t>
             </a:r>
             <a:r>
-              <a:rPr lang="en-GB" dirty="0" smtClean="0"/>
-              <a:t>(Useful if something needs to exist before a feature is specifically implemented</a:t>
-            </a:r>
-            <a:r>
-              <a:rPr lang="en-GB" dirty="0" smtClean="0"/>
-              <a:t>) – </a:t>
-            </a:r>
-            <a:r>
-              <a:rPr lang="en-GB" b="1" dirty="0" smtClean="0"/>
-              <a:t>Demo: Show that this  is the first </a:t>
-            </a:r>
-          </a:p>
-          <a:p>
-            <a:r>
-              <a:rPr lang="en-GB" b="1" dirty="0" smtClean="0"/>
-              <a:t>	to be instantiated</a:t>
-            </a:r>
-            <a:endParaRPr lang="en-GB" b="1" dirty="0" smtClean="0"/>
-          </a:p>
-          <a:p>
-            <a:pPr marL="285750" indent="-285750">
-              <a:buFont typeface="Arial" panose="020B0604020202020204" pitchFamily="34" charset="0"/>
-              <a:buChar char="•"/>
-            </a:pPr>
-            <a:r>
-              <a:rPr lang="en-GB" dirty="0" smtClean="0"/>
-              <a:t>Registering Generic </a:t>
-            </a:r>
-            <a:r>
-              <a:rPr lang="en-GB" dirty="0" smtClean="0"/>
-              <a:t>Types – </a:t>
-            </a:r>
-            <a:r>
-              <a:rPr lang="en-GB" b="1" dirty="0" smtClean="0"/>
-              <a:t>Demo: Show how to register a generic type</a:t>
-            </a:r>
-            <a:endParaRPr lang="en-GB" b="1" dirty="0" smtClean="0"/>
-          </a:p>
-          <a:p>
-            <a:pPr marL="285750" indent="-285750">
-              <a:buFont typeface="Arial" panose="020B0604020202020204" pitchFamily="34" charset="0"/>
-              <a:buChar char="•"/>
-            </a:pPr>
-            <a:r>
-              <a:rPr lang="en-GB" dirty="0" smtClean="0"/>
-              <a:t>Registering named </a:t>
-            </a:r>
-            <a:r>
-              <a:rPr lang="en-GB" dirty="0" smtClean="0"/>
-              <a:t>instances – </a:t>
-            </a:r>
-            <a:r>
-              <a:rPr lang="en-GB" b="1" dirty="0" smtClean="0"/>
-              <a:t>Demo: Show how to register a generic type</a:t>
-            </a:r>
-            <a:endParaRPr lang="en-GB" b="1" dirty="0" smtClean="0"/>
-          </a:p>
-          <a:p>
-            <a:pPr marL="285750" indent="-285750">
-              <a:buFont typeface="Arial" panose="020B0604020202020204" pitchFamily="34" charset="0"/>
-              <a:buChar char="•"/>
-            </a:pPr>
-            <a:r>
-              <a:rPr lang="en-GB" dirty="0" smtClean="0"/>
-              <a:t>Configuring lifetime of the </a:t>
-            </a:r>
-            <a:r>
-              <a:rPr lang="en-GB" dirty="0" smtClean="0"/>
-              <a:t>components – </a:t>
-            </a:r>
-            <a:r>
-              <a:rPr lang="en-GB" b="1" dirty="0" smtClean="0"/>
-              <a:t>Demo:</a:t>
-            </a:r>
-            <a:r>
-              <a:rPr lang="en-GB" dirty="0" smtClean="0"/>
+              <a:rPr lang="en-GB" sz="1000" dirty="0">
+                <a:solidFill>
+                  <a:srgbClr val="FF0000"/>
+                </a:solidFill>
+                <a:highlight>
+                  <a:srgbClr val="FFFFFF"/>
+                </a:highlight>
+                <a:latin typeface="Consolas"/>
+              </a:rPr>
+              <a:t>version</a:t>
+            </a:r>
+            <a:r>
+              <a:rPr lang="en-GB" sz="1000" dirty="0">
+                <a:solidFill>
+                  <a:srgbClr val="0000FF"/>
+                </a:solidFill>
+                <a:highlight>
+                  <a:srgbClr val="FFFFFF"/>
+                </a:highlight>
+                <a:latin typeface="Consolas"/>
+              </a:rPr>
+              <a:t>=</a:t>
+            </a:r>
+            <a:r>
+              <a:rPr lang="en-GB" sz="1000" dirty="0">
+                <a:solidFill>
+                  <a:srgbClr val="000000"/>
+                </a:solidFill>
+                <a:highlight>
+                  <a:srgbClr val="FFFFFF"/>
+                </a:highlight>
+                <a:latin typeface="Consolas"/>
+              </a:rPr>
+              <a:t>"</a:t>
+            </a:r>
+            <a:r>
+              <a:rPr lang="en-GB" sz="1000" dirty="0">
+                <a:solidFill>
+                  <a:srgbClr val="0000FF"/>
+                </a:solidFill>
+                <a:highlight>
+                  <a:srgbClr val="FFFFFF"/>
+                </a:highlight>
+                <a:latin typeface="Consolas"/>
+              </a:rPr>
+              <a:t>1.0</a:t>
+            </a:r>
+            <a:r>
+              <a:rPr lang="en-GB" sz="1000" dirty="0">
+                <a:solidFill>
+                  <a:srgbClr val="000000"/>
+                </a:solidFill>
+                <a:highlight>
+                  <a:srgbClr val="FFFFFF"/>
+                </a:highlight>
+                <a:latin typeface="Consolas"/>
+              </a:rPr>
+              <a:t>"</a:t>
+            </a:r>
+            <a:r>
+              <a:rPr lang="en-GB" sz="1000" dirty="0">
+                <a:solidFill>
+                  <a:srgbClr val="0000FF"/>
+                </a:solidFill>
+                <a:highlight>
+                  <a:srgbClr val="FFFFFF"/>
+                </a:highlight>
+                <a:latin typeface="Consolas"/>
+              </a:rPr>
               <a:t> </a:t>
             </a:r>
             <a:r>
-              <a:rPr lang="en-GB" b="1" dirty="0" smtClean="0"/>
-              <a:t>Show how to configure lifetime of components</a:t>
-            </a:r>
-            <a:endParaRPr lang="en-GB" b="1" dirty="0" smtClean="0"/>
-          </a:p>
-          <a:p>
-            <a:pPr marL="285750" indent="-285750">
-              <a:buFont typeface="Arial" panose="020B0604020202020204" pitchFamily="34" charset="0"/>
-              <a:buChar char="•"/>
-            </a:pPr>
-            <a:r>
-              <a:rPr lang="en-GB" dirty="0" smtClean="0"/>
-              <a:t>Typed Factory Interfaces (Smart runtime resolution</a:t>
-            </a:r>
-            <a:r>
-              <a:rPr lang="en-GB" dirty="0" smtClean="0"/>
-              <a:t>) </a:t>
-            </a:r>
-            <a:r>
-              <a:rPr lang="en-GB" b="1" dirty="0" smtClean="0"/>
-              <a:t>Demo</a:t>
-            </a:r>
-            <a:r>
-              <a:rPr lang="en-GB" dirty="0" smtClean="0"/>
-              <a:t>: </a:t>
-            </a:r>
-            <a:r>
-              <a:rPr lang="en-GB" b="1" dirty="0" smtClean="0"/>
-              <a:t>Show the typed factory implementation</a:t>
-            </a:r>
-            <a:endParaRPr lang="en-GB" b="1" dirty="0" smtClean="0"/>
-          </a:p>
-          <a:p>
-            <a:endParaRPr lang="en-GB" dirty="0" smtClean="0"/>
+              <a:rPr lang="en-GB" sz="1000" dirty="0">
+                <a:solidFill>
+                  <a:srgbClr val="FF0000"/>
+                </a:solidFill>
+                <a:highlight>
+                  <a:srgbClr val="FFFFFF"/>
+                </a:highlight>
+                <a:latin typeface="Consolas"/>
+              </a:rPr>
+              <a:t>encoding</a:t>
+            </a:r>
+            <a:r>
+              <a:rPr lang="en-GB" sz="1000" dirty="0">
+                <a:solidFill>
+                  <a:srgbClr val="0000FF"/>
+                </a:solidFill>
+                <a:highlight>
+                  <a:srgbClr val="FFFFFF"/>
+                </a:highlight>
+                <a:latin typeface="Consolas"/>
+              </a:rPr>
+              <a:t>=</a:t>
+            </a:r>
+            <a:r>
+              <a:rPr lang="en-GB" sz="1000" dirty="0">
+                <a:solidFill>
+                  <a:srgbClr val="000000"/>
+                </a:solidFill>
+                <a:highlight>
+                  <a:srgbClr val="FFFFFF"/>
+                </a:highlight>
+                <a:latin typeface="Consolas"/>
+              </a:rPr>
+              <a:t>"</a:t>
+            </a:r>
+            <a:r>
+              <a:rPr lang="en-GB" sz="1000" dirty="0">
+                <a:solidFill>
+                  <a:srgbClr val="0000FF"/>
+                </a:solidFill>
+                <a:highlight>
+                  <a:srgbClr val="FFFFFF"/>
+                </a:highlight>
+                <a:latin typeface="Consolas"/>
+              </a:rPr>
+              <a:t>utf-8</a:t>
+            </a:r>
+            <a:r>
+              <a:rPr lang="en-GB" sz="1000" dirty="0">
+                <a:solidFill>
+                  <a:srgbClr val="000000"/>
+                </a:solidFill>
+                <a:highlight>
+                  <a:srgbClr val="FFFFFF"/>
+                </a:highlight>
+                <a:latin typeface="Consolas"/>
+              </a:rPr>
+              <a:t>"</a:t>
+            </a:r>
+            <a:r>
+              <a:rPr lang="en-GB" sz="1000" dirty="0">
+                <a:solidFill>
+                  <a:srgbClr val="0000FF"/>
+                </a:solidFill>
+                <a:highlight>
+                  <a:srgbClr val="FFFFFF"/>
+                </a:highlight>
+                <a:latin typeface="Consolas"/>
+              </a:rPr>
+              <a:t> ?&gt;</a:t>
+            </a:r>
+            <a:endParaRPr lang="en-GB" sz="1000" dirty="0">
+              <a:solidFill>
+                <a:srgbClr val="000000"/>
+              </a:solidFill>
+              <a:highlight>
+                <a:srgbClr val="FFFFFF"/>
+              </a:highlight>
+              <a:latin typeface="Consolas"/>
+            </a:endParaRPr>
+          </a:p>
+          <a:p>
+            <a:r>
+              <a:rPr lang="en-GB" sz="1000" dirty="0">
+                <a:solidFill>
+                  <a:srgbClr val="0000FF"/>
+                </a:solidFill>
+                <a:highlight>
+                  <a:srgbClr val="FFFFFF"/>
+                </a:highlight>
+                <a:latin typeface="Consolas"/>
+              </a:rPr>
+              <a:t>&lt;</a:t>
+            </a:r>
+            <a:r>
+              <a:rPr lang="en-GB" sz="1000" dirty="0">
+                <a:solidFill>
+                  <a:srgbClr val="A31515"/>
+                </a:solidFill>
+                <a:highlight>
+                  <a:srgbClr val="FFFFFF"/>
+                </a:highlight>
+                <a:latin typeface="Consolas"/>
+              </a:rPr>
+              <a:t>configuration</a:t>
+            </a:r>
+            <a:r>
+              <a:rPr lang="en-GB" sz="1000" dirty="0">
+                <a:solidFill>
+                  <a:srgbClr val="0000FF"/>
+                </a:solidFill>
+                <a:highlight>
+                  <a:srgbClr val="FFFFFF"/>
+                </a:highlight>
+                <a:latin typeface="Consolas"/>
+              </a:rPr>
+              <a:t>&gt;</a:t>
+            </a:r>
+            <a:endParaRPr lang="en-GB" sz="1000" dirty="0">
+              <a:solidFill>
+                <a:srgbClr val="000000"/>
+              </a:solidFill>
+              <a:highlight>
+                <a:srgbClr val="FFFFFF"/>
+              </a:highlight>
+              <a:latin typeface="Consolas"/>
+            </a:endParaRPr>
+          </a:p>
+          <a:p>
+            <a:r>
+              <a:rPr lang="en-GB" sz="1000" dirty="0">
+                <a:solidFill>
+                  <a:srgbClr val="0000FF"/>
+                </a:solidFill>
+                <a:highlight>
+                  <a:srgbClr val="FFFFFF"/>
+                </a:highlight>
+                <a:latin typeface="Consolas"/>
+              </a:rPr>
+              <a:t>    &lt;</a:t>
+            </a:r>
+            <a:r>
+              <a:rPr lang="en-GB" sz="1000" dirty="0">
+                <a:solidFill>
+                  <a:srgbClr val="A31515"/>
+                </a:solidFill>
+                <a:highlight>
+                  <a:srgbClr val="FFFFFF"/>
+                </a:highlight>
+                <a:latin typeface="Consolas"/>
+              </a:rPr>
+              <a:t>components</a:t>
+            </a:r>
+            <a:r>
+              <a:rPr lang="en-GB" sz="1000" dirty="0">
+                <a:solidFill>
+                  <a:srgbClr val="0000FF"/>
+                </a:solidFill>
+                <a:highlight>
+                  <a:srgbClr val="FFFFFF"/>
+                </a:highlight>
+                <a:latin typeface="Consolas"/>
+              </a:rPr>
+              <a:t>&gt;</a:t>
+            </a:r>
+            <a:endParaRPr lang="en-GB" sz="1000" dirty="0">
+              <a:solidFill>
+                <a:srgbClr val="000000"/>
+              </a:solidFill>
+              <a:highlight>
+                <a:srgbClr val="FFFFFF"/>
+              </a:highlight>
+              <a:latin typeface="Consolas"/>
+            </a:endParaRPr>
+          </a:p>
+          <a:p>
+            <a:r>
+              <a:rPr lang="en-GB" sz="1000" dirty="0">
+                <a:solidFill>
+                  <a:srgbClr val="0000FF"/>
+                </a:solidFill>
+                <a:highlight>
+                  <a:srgbClr val="FFFFFF"/>
+                </a:highlight>
+                <a:latin typeface="Consolas"/>
+              </a:rPr>
+              <a:t>      &lt;</a:t>
+            </a:r>
+            <a:r>
+              <a:rPr lang="en-GB" sz="1000" dirty="0">
+                <a:solidFill>
+                  <a:srgbClr val="A31515"/>
+                </a:solidFill>
+                <a:highlight>
+                  <a:srgbClr val="FFFFFF"/>
+                </a:highlight>
+                <a:latin typeface="Consolas"/>
+              </a:rPr>
+              <a:t>component</a:t>
+            </a:r>
+            <a:r>
+              <a:rPr lang="en-GB" sz="1000" dirty="0">
+                <a:solidFill>
+                  <a:srgbClr val="0000FF"/>
+                </a:solidFill>
+                <a:highlight>
+                  <a:srgbClr val="FFFFFF"/>
+                </a:highlight>
+                <a:latin typeface="Consolas"/>
+              </a:rPr>
+              <a:t> </a:t>
+            </a:r>
+            <a:r>
+              <a:rPr lang="en-GB" sz="1000" dirty="0">
+                <a:solidFill>
+                  <a:srgbClr val="FF0000"/>
+                </a:solidFill>
+                <a:highlight>
+                  <a:srgbClr val="FFFFFF"/>
+                </a:highlight>
+                <a:latin typeface="Consolas"/>
+              </a:rPr>
+              <a:t>id</a:t>
+            </a:r>
+            <a:r>
+              <a:rPr lang="en-GB" sz="1000" dirty="0">
+                <a:solidFill>
+                  <a:srgbClr val="0000FF"/>
+                </a:solidFill>
+                <a:highlight>
+                  <a:srgbClr val="FFFFFF"/>
+                </a:highlight>
+                <a:latin typeface="Consolas"/>
+              </a:rPr>
+              <a:t>=</a:t>
+            </a:r>
+            <a:r>
+              <a:rPr lang="en-GB" sz="1000" dirty="0">
+                <a:solidFill>
+                  <a:srgbClr val="000000"/>
+                </a:solidFill>
+                <a:highlight>
+                  <a:srgbClr val="FFFFFF"/>
+                </a:highlight>
+                <a:latin typeface="Consolas"/>
+              </a:rPr>
+              <a:t>"</a:t>
+            </a:r>
+            <a:r>
+              <a:rPr lang="en-GB" sz="1000" dirty="0">
+                <a:solidFill>
+                  <a:srgbClr val="0000FF"/>
+                </a:solidFill>
+                <a:highlight>
+                  <a:srgbClr val="FFFFFF"/>
+                </a:highlight>
+                <a:latin typeface="Consolas"/>
+              </a:rPr>
+              <a:t>Mercedes</a:t>
+            </a:r>
+            <a:r>
+              <a:rPr lang="en-GB" sz="1000" dirty="0">
+                <a:solidFill>
+                  <a:srgbClr val="000000"/>
+                </a:solidFill>
+                <a:highlight>
+                  <a:srgbClr val="FFFFFF"/>
+                </a:highlight>
+                <a:latin typeface="Consolas"/>
+              </a:rPr>
+              <a:t>"</a:t>
+            </a:r>
+          </a:p>
+          <a:p>
+            <a:r>
+              <a:rPr lang="en-GB" sz="1000" dirty="0">
+                <a:solidFill>
+                  <a:srgbClr val="0000FF"/>
+                </a:solidFill>
+                <a:highlight>
+                  <a:srgbClr val="FFFFFF"/>
+                </a:highlight>
+                <a:latin typeface="Consolas"/>
+              </a:rPr>
+              <a:t>        </a:t>
+            </a:r>
+            <a:r>
+              <a:rPr lang="en-GB" sz="1000" dirty="0">
+                <a:solidFill>
+                  <a:srgbClr val="FF0000"/>
+                </a:solidFill>
+                <a:highlight>
+                  <a:srgbClr val="FFFFFF"/>
+                </a:highlight>
+                <a:latin typeface="Consolas"/>
+              </a:rPr>
+              <a:t>service</a:t>
+            </a:r>
+            <a:r>
+              <a:rPr lang="en-GB" sz="1000" dirty="0">
+                <a:solidFill>
+                  <a:srgbClr val="0000FF"/>
+                </a:solidFill>
+                <a:highlight>
+                  <a:srgbClr val="FFFFFF"/>
+                </a:highlight>
+                <a:latin typeface="Consolas"/>
+              </a:rPr>
+              <a:t>=</a:t>
+            </a:r>
+            <a:r>
+              <a:rPr lang="en-GB" sz="1000" dirty="0">
+                <a:solidFill>
+                  <a:srgbClr val="000000"/>
+                </a:solidFill>
+                <a:highlight>
+                  <a:srgbClr val="FFFFFF"/>
+                </a:highlight>
+                <a:latin typeface="Consolas"/>
+              </a:rPr>
+              <a:t>"</a:t>
+            </a:r>
+            <a:r>
+              <a:rPr lang="en-GB" sz="1000" dirty="0">
+                <a:solidFill>
+                  <a:srgbClr val="0000FF"/>
+                </a:solidFill>
+                <a:highlight>
+                  <a:srgbClr val="FFFFFF"/>
+                </a:highlight>
+                <a:latin typeface="Consolas"/>
+              </a:rPr>
+              <a:t>Castle_Windsor_Demo.Interfaces.ICar, Castle_Windsor_Demo</a:t>
+            </a:r>
+            <a:r>
+              <a:rPr lang="en-GB" sz="1000" dirty="0">
+                <a:solidFill>
+                  <a:srgbClr val="000000"/>
+                </a:solidFill>
+                <a:highlight>
+                  <a:srgbClr val="FFFFFF"/>
+                </a:highlight>
+                <a:latin typeface="Consolas"/>
+              </a:rPr>
+              <a:t>"</a:t>
+            </a:r>
+          </a:p>
+          <a:p>
+            <a:r>
+              <a:rPr lang="en-GB" sz="1000" dirty="0">
+                <a:solidFill>
+                  <a:srgbClr val="0000FF"/>
+                </a:solidFill>
+                <a:highlight>
+                  <a:srgbClr val="FFFFFF"/>
+                </a:highlight>
+                <a:latin typeface="Consolas"/>
+              </a:rPr>
+              <a:t>        </a:t>
+            </a:r>
+            <a:r>
+              <a:rPr lang="en-GB" sz="1000" dirty="0">
+                <a:solidFill>
+                  <a:srgbClr val="FF0000"/>
+                </a:solidFill>
+                <a:highlight>
+                  <a:srgbClr val="FFFFFF"/>
+                </a:highlight>
+                <a:latin typeface="Consolas"/>
+              </a:rPr>
+              <a:t>type</a:t>
+            </a:r>
+            <a:r>
+              <a:rPr lang="en-GB" sz="1000" dirty="0">
+                <a:solidFill>
+                  <a:srgbClr val="0000FF"/>
+                </a:solidFill>
+                <a:highlight>
+                  <a:srgbClr val="FFFFFF"/>
+                </a:highlight>
+                <a:latin typeface="Consolas"/>
+              </a:rPr>
+              <a:t>=</a:t>
+            </a:r>
+            <a:r>
+              <a:rPr lang="en-GB" sz="1000" dirty="0">
+                <a:solidFill>
+                  <a:srgbClr val="000000"/>
+                </a:solidFill>
+                <a:highlight>
+                  <a:srgbClr val="FFFFFF"/>
+                </a:highlight>
+                <a:latin typeface="Consolas"/>
+              </a:rPr>
+              <a:t>"</a:t>
+            </a:r>
+            <a:r>
+              <a:rPr lang="en-GB" sz="1000" dirty="0">
+                <a:solidFill>
+                  <a:srgbClr val="0000FF"/>
+                </a:solidFill>
+                <a:highlight>
+                  <a:srgbClr val="FFFFFF"/>
+                </a:highlight>
+                <a:latin typeface="Consolas"/>
+              </a:rPr>
+              <a:t>Castle_Windsor_Demo.Implementation.Mercedes, Castle_Windsor_Demo</a:t>
+            </a:r>
+            <a:r>
+              <a:rPr lang="en-GB" sz="1000" dirty="0">
+                <a:solidFill>
+                  <a:srgbClr val="000000"/>
+                </a:solidFill>
+                <a:highlight>
+                  <a:srgbClr val="FFFFFF"/>
+                </a:highlight>
+                <a:latin typeface="Consolas"/>
+              </a:rPr>
+              <a:t>"</a:t>
+            </a:r>
+            <a:r>
+              <a:rPr lang="en-GB" sz="1000" dirty="0">
+                <a:solidFill>
+                  <a:srgbClr val="0000FF"/>
+                </a:solidFill>
+                <a:highlight>
+                  <a:srgbClr val="FFFFFF"/>
+                </a:highlight>
+                <a:latin typeface="Consolas"/>
+              </a:rPr>
+              <a:t> /&gt;</a:t>
+            </a:r>
+            <a:endParaRPr lang="en-GB" sz="1000" dirty="0">
+              <a:solidFill>
+                <a:srgbClr val="000000"/>
+              </a:solidFill>
+              <a:highlight>
+                <a:srgbClr val="FFFFFF"/>
+              </a:highlight>
+              <a:latin typeface="Consolas"/>
+            </a:endParaRPr>
+          </a:p>
+          <a:p>
+            <a:r>
+              <a:rPr lang="en-GB" sz="1000" dirty="0">
+                <a:solidFill>
+                  <a:srgbClr val="0000FF"/>
+                </a:solidFill>
+                <a:highlight>
+                  <a:srgbClr val="FFFFFF"/>
+                </a:highlight>
+                <a:latin typeface="Consolas"/>
+              </a:rPr>
+              <a:t>      &lt;</a:t>
+            </a:r>
+            <a:r>
+              <a:rPr lang="en-GB" sz="1000" dirty="0">
+                <a:solidFill>
+                  <a:srgbClr val="A31515"/>
+                </a:solidFill>
+                <a:highlight>
+                  <a:srgbClr val="FFFFFF"/>
+                </a:highlight>
+                <a:latin typeface="Consolas"/>
+              </a:rPr>
+              <a:t>component</a:t>
+            </a:r>
+            <a:r>
+              <a:rPr lang="en-GB" sz="1000" dirty="0">
+                <a:solidFill>
+                  <a:srgbClr val="0000FF"/>
+                </a:solidFill>
+                <a:highlight>
+                  <a:srgbClr val="FFFFFF"/>
+                </a:highlight>
+                <a:latin typeface="Consolas"/>
+              </a:rPr>
+              <a:t> </a:t>
+            </a:r>
+            <a:r>
+              <a:rPr lang="en-GB" sz="1000" dirty="0">
+                <a:solidFill>
+                  <a:srgbClr val="FF0000"/>
+                </a:solidFill>
+                <a:highlight>
+                  <a:srgbClr val="FFFFFF"/>
+                </a:highlight>
+                <a:latin typeface="Consolas"/>
+              </a:rPr>
+              <a:t>id</a:t>
+            </a:r>
+            <a:r>
+              <a:rPr lang="en-GB" sz="1000" dirty="0">
+                <a:solidFill>
+                  <a:srgbClr val="0000FF"/>
+                </a:solidFill>
+                <a:highlight>
+                  <a:srgbClr val="FFFFFF"/>
+                </a:highlight>
+                <a:latin typeface="Consolas"/>
+              </a:rPr>
+              <a:t> = </a:t>
+            </a:r>
+            <a:r>
+              <a:rPr lang="en-GB" sz="1000" dirty="0">
+                <a:solidFill>
+                  <a:srgbClr val="000000"/>
+                </a:solidFill>
+                <a:highlight>
+                  <a:srgbClr val="FFFFFF"/>
+                </a:highlight>
+                <a:latin typeface="Consolas"/>
+              </a:rPr>
+              <a:t>"</a:t>
+            </a:r>
+            <a:r>
+              <a:rPr lang="en-GB" sz="1000" dirty="0">
+                <a:solidFill>
+                  <a:srgbClr val="0000FF"/>
+                </a:solidFill>
+                <a:highlight>
+                  <a:srgbClr val="FFFFFF"/>
+                </a:highlight>
+                <a:latin typeface="Consolas"/>
+              </a:rPr>
+              <a:t>Porsche</a:t>
+            </a:r>
+            <a:r>
+              <a:rPr lang="en-GB" sz="1000" dirty="0">
+                <a:solidFill>
+                  <a:srgbClr val="000000"/>
+                </a:solidFill>
+                <a:highlight>
+                  <a:srgbClr val="FFFFFF"/>
+                </a:highlight>
+                <a:latin typeface="Consolas"/>
+              </a:rPr>
+              <a:t>"</a:t>
+            </a:r>
+          </a:p>
+          <a:p>
+            <a:r>
+              <a:rPr lang="en-GB" sz="1000" dirty="0">
+                <a:solidFill>
+                  <a:srgbClr val="0000FF"/>
+                </a:solidFill>
+                <a:highlight>
+                  <a:srgbClr val="FFFFFF"/>
+                </a:highlight>
+                <a:latin typeface="Consolas"/>
+              </a:rPr>
+              <a:t>      </a:t>
+            </a:r>
+            <a:r>
+              <a:rPr lang="en-GB" sz="1000" dirty="0">
+                <a:solidFill>
+                  <a:srgbClr val="FF0000"/>
+                </a:solidFill>
+                <a:highlight>
+                  <a:srgbClr val="FFFFFF"/>
+                </a:highlight>
+                <a:latin typeface="Consolas"/>
+              </a:rPr>
+              <a:t>service</a:t>
+            </a:r>
+            <a:r>
+              <a:rPr lang="en-GB" sz="1000" dirty="0">
+                <a:solidFill>
+                  <a:srgbClr val="0000FF"/>
+                </a:solidFill>
+                <a:highlight>
+                  <a:srgbClr val="FFFFFF"/>
+                </a:highlight>
+                <a:latin typeface="Consolas"/>
+              </a:rPr>
+              <a:t>=</a:t>
+            </a:r>
+            <a:r>
+              <a:rPr lang="en-GB" sz="1000" dirty="0">
+                <a:solidFill>
+                  <a:srgbClr val="000000"/>
+                </a:solidFill>
+                <a:highlight>
+                  <a:srgbClr val="FFFFFF"/>
+                </a:highlight>
+                <a:latin typeface="Consolas"/>
+              </a:rPr>
+              <a:t>"</a:t>
+            </a:r>
+            <a:r>
+              <a:rPr lang="en-GB" sz="1000" dirty="0">
+                <a:solidFill>
+                  <a:srgbClr val="0000FF"/>
+                </a:solidFill>
+                <a:highlight>
+                  <a:srgbClr val="FFFFFF"/>
+                </a:highlight>
+                <a:latin typeface="Consolas"/>
+              </a:rPr>
+              <a:t>Castle_Windsor_Demo.Interfaces.ICar, Castle_Windsor_Demo</a:t>
+            </a:r>
+            <a:r>
+              <a:rPr lang="en-GB" sz="1000" dirty="0">
+                <a:solidFill>
+                  <a:srgbClr val="000000"/>
+                </a:solidFill>
+                <a:highlight>
+                  <a:srgbClr val="FFFFFF"/>
+                </a:highlight>
+                <a:latin typeface="Consolas"/>
+              </a:rPr>
+              <a:t>"</a:t>
+            </a:r>
+          </a:p>
+          <a:p>
+            <a:r>
+              <a:rPr lang="en-GB" sz="1000" dirty="0">
+                <a:solidFill>
+                  <a:srgbClr val="0000FF"/>
+                </a:solidFill>
+                <a:highlight>
+                  <a:srgbClr val="FFFFFF"/>
+                </a:highlight>
+                <a:latin typeface="Consolas"/>
+              </a:rPr>
+              <a:t>      </a:t>
+            </a:r>
+            <a:r>
+              <a:rPr lang="en-GB" sz="1000" dirty="0">
+                <a:solidFill>
+                  <a:srgbClr val="FF0000"/>
+                </a:solidFill>
+                <a:highlight>
+                  <a:srgbClr val="FFFFFF"/>
+                </a:highlight>
+                <a:latin typeface="Consolas"/>
+              </a:rPr>
+              <a:t>type</a:t>
+            </a:r>
+            <a:r>
+              <a:rPr lang="en-GB" sz="1000" dirty="0">
+                <a:solidFill>
+                  <a:srgbClr val="0000FF"/>
+                </a:solidFill>
+                <a:highlight>
+                  <a:srgbClr val="FFFFFF"/>
+                </a:highlight>
+                <a:latin typeface="Consolas"/>
+              </a:rPr>
+              <a:t>=</a:t>
+            </a:r>
+            <a:r>
+              <a:rPr lang="en-GB" sz="1000" dirty="0">
+                <a:solidFill>
+                  <a:srgbClr val="000000"/>
+                </a:solidFill>
+                <a:highlight>
+                  <a:srgbClr val="FFFFFF"/>
+                </a:highlight>
+                <a:latin typeface="Consolas"/>
+              </a:rPr>
+              <a:t>"</a:t>
+            </a:r>
+            <a:r>
+              <a:rPr lang="en-GB" sz="1000" dirty="0">
+                <a:solidFill>
+                  <a:srgbClr val="0000FF"/>
+                </a:solidFill>
+                <a:highlight>
+                  <a:srgbClr val="FFFFFF"/>
+                </a:highlight>
+                <a:latin typeface="Consolas"/>
+              </a:rPr>
+              <a:t>Castle_Windsor_Demo.Implementation.Porsche, Castle_Windsor_Demo</a:t>
+            </a:r>
+            <a:r>
+              <a:rPr lang="en-GB" sz="1000" dirty="0">
+                <a:solidFill>
+                  <a:srgbClr val="000000"/>
+                </a:solidFill>
+                <a:highlight>
+                  <a:srgbClr val="FFFFFF"/>
+                </a:highlight>
+                <a:latin typeface="Consolas"/>
+              </a:rPr>
+              <a:t>"</a:t>
+            </a:r>
+            <a:r>
+              <a:rPr lang="en-GB" sz="1000" dirty="0">
+                <a:solidFill>
+                  <a:srgbClr val="0000FF"/>
+                </a:solidFill>
+                <a:highlight>
+                  <a:srgbClr val="FFFFFF"/>
+                </a:highlight>
+                <a:latin typeface="Consolas"/>
+              </a:rPr>
+              <a:t> /&gt;</a:t>
+            </a:r>
+            <a:endParaRPr lang="en-GB" sz="1000" dirty="0">
+              <a:solidFill>
+                <a:srgbClr val="000000"/>
+              </a:solidFill>
+              <a:highlight>
+                <a:srgbClr val="FFFFFF"/>
+              </a:highlight>
+              <a:latin typeface="Consolas"/>
+            </a:endParaRPr>
+          </a:p>
+          <a:p>
+            <a:r>
+              <a:rPr lang="en-GB" sz="1000" dirty="0">
+                <a:solidFill>
+                  <a:srgbClr val="0000FF"/>
+                </a:solidFill>
+                <a:highlight>
+                  <a:srgbClr val="FFFFFF"/>
+                </a:highlight>
+                <a:latin typeface="Consolas"/>
+              </a:rPr>
+              <a:t>    &lt;/</a:t>
+            </a:r>
+            <a:r>
+              <a:rPr lang="en-GB" sz="1000" dirty="0">
+                <a:solidFill>
+                  <a:srgbClr val="A31515"/>
+                </a:solidFill>
+                <a:highlight>
+                  <a:srgbClr val="FFFFFF"/>
+                </a:highlight>
+                <a:latin typeface="Consolas"/>
+              </a:rPr>
+              <a:t>components</a:t>
+            </a:r>
+            <a:r>
+              <a:rPr lang="en-GB" sz="1000" dirty="0">
+                <a:solidFill>
+                  <a:srgbClr val="0000FF"/>
+                </a:solidFill>
+                <a:highlight>
+                  <a:srgbClr val="FFFFFF"/>
+                </a:highlight>
+                <a:latin typeface="Consolas"/>
+              </a:rPr>
+              <a:t>&gt;</a:t>
+            </a:r>
+            <a:endParaRPr lang="en-GB" sz="1000" dirty="0">
+              <a:solidFill>
+                <a:srgbClr val="000000"/>
+              </a:solidFill>
+              <a:highlight>
+                <a:srgbClr val="FFFFFF"/>
+              </a:highlight>
+              <a:latin typeface="Consolas"/>
+            </a:endParaRPr>
+          </a:p>
+          <a:p>
+            <a:r>
+              <a:rPr lang="en-GB" sz="1000" dirty="0">
+                <a:solidFill>
+                  <a:srgbClr val="0000FF"/>
+                </a:solidFill>
+                <a:highlight>
+                  <a:srgbClr val="FFFFFF"/>
+                </a:highlight>
+                <a:latin typeface="Consolas"/>
+              </a:rPr>
+              <a:t>&lt;/</a:t>
+            </a:r>
+            <a:r>
+              <a:rPr lang="en-GB" sz="1000" dirty="0">
+                <a:solidFill>
+                  <a:srgbClr val="A31515"/>
+                </a:solidFill>
+                <a:highlight>
+                  <a:srgbClr val="FFFFFF"/>
+                </a:highlight>
+                <a:latin typeface="Consolas"/>
+              </a:rPr>
+              <a:t>configuration</a:t>
+            </a:r>
+            <a:r>
+              <a:rPr lang="en-GB" sz="1000" dirty="0">
+                <a:solidFill>
+                  <a:srgbClr val="0000FF"/>
+                </a:solidFill>
+                <a:highlight>
+                  <a:srgbClr val="FFFFFF"/>
+                </a:highlight>
+                <a:latin typeface="Consolas"/>
+              </a:rPr>
+              <a:t>&gt;</a:t>
+            </a:r>
+            <a:endParaRPr lang="en-GB" sz="1000" dirty="0"/>
+          </a:p>
+        </p:txBody>
+      </p:sp>
+      <p:sp>
+        <p:nvSpPr>
+          <p:cNvPr id="6" name="Rectangle 5"/>
+          <p:cNvSpPr/>
+          <p:nvPr/>
+        </p:nvSpPr>
+        <p:spPr>
+          <a:xfrm>
+            <a:off x="1586039" y="4847129"/>
+            <a:ext cx="6028566" cy="261610"/>
+          </a:xfrm>
+          <a:prstGeom prst="rect">
+            <a:avLst/>
+          </a:prstGeom>
+        </p:spPr>
+        <p:txBody>
+          <a:bodyPr wrap="square">
+            <a:spAutoFit/>
+          </a:bodyPr>
+          <a:lstStyle/>
+          <a:p>
+            <a:r>
+              <a:rPr lang="en-GB" sz="1100" dirty="0" smtClean="0">
+                <a:solidFill>
+                  <a:srgbClr val="000000"/>
+                </a:solidFill>
+                <a:highlight>
+                  <a:srgbClr val="FFFFFF"/>
+                </a:highlight>
+                <a:latin typeface="Consolas"/>
+              </a:rPr>
+              <a:t>container.Install(</a:t>
+            </a:r>
+            <a:r>
+              <a:rPr lang="en-GB" sz="1100" dirty="0" smtClean="0">
+                <a:solidFill>
+                  <a:srgbClr val="2B91AF"/>
+                </a:solidFill>
+                <a:highlight>
+                  <a:srgbClr val="FFFFFF"/>
+                </a:highlight>
+                <a:latin typeface="Consolas"/>
+              </a:rPr>
+              <a:t>Configuration</a:t>
+            </a:r>
+            <a:r>
+              <a:rPr lang="en-GB" sz="1100" dirty="0" smtClean="0">
+                <a:solidFill>
+                  <a:srgbClr val="000000"/>
+                </a:solidFill>
+                <a:highlight>
+                  <a:srgbClr val="FFFFFF"/>
+                </a:highlight>
+                <a:latin typeface="Consolas"/>
+              </a:rPr>
+              <a:t>.FromXmlFile</a:t>
+            </a:r>
+            <a:r>
+              <a:rPr lang="en-GB" sz="1100" dirty="0">
+                <a:solidFill>
+                  <a:srgbClr val="000000"/>
+                </a:solidFill>
+                <a:highlight>
+                  <a:srgbClr val="FFFFFF"/>
+                </a:highlight>
+                <a:latin typeface="Consolas"/>
+              </a:rPr>
+              <a:t>(</a:t>
+            </a:r>
+            <a:r>
+              <a:rPr lang="en-GB" sz="1100" dirty="0">
+                <a:solidFill>
+                  <a:srgbClr val="A31515"/>
+                </a:solidFill>
+                <a:highlight>
+                  <a:srgbClr val="FFFFFF"/>
+                </a:highlight>
+                <a:latin typeface="Consolas"/>
+              </a:rPr>
+              <a:t>@"Configuration.xml</a:t>
+            </a:r>
+            <a:r>
+              <a:rPr lang="en-GB" sz="1100" dirty="0" smtClean="0">
+                <a:solidFill>
+                  <a:srgbClr val="A31515"/>
+                </a:solidFill>
+                <a:highlight>
+                  <a:srgbClr val="FFFFFF"/>
+                </a:highlight>
+                <a:latin typeface="Consolas"/>
+              </a:rPr>
+              <a:t>"</a:t>
+            </a:r>
+            <a:r>
+              <a:rPr lang="en-GB" sz="1100" dirty="0" smtClean="0">
+                <a:solidFill>
+                  <a:srgbClr val="000000"/>
+                </a:solidFill>
+                <a:highlight>
+                  <a:srgbClr val="FFFFFF"/>
+                </a:highlight>
+                <a:latin typeface="Consolas"/>
+              </a:rPr>
+              <a:t>));</a:t>
+            </a:r>
+            <a:endParaRPr lang="en-GB" sz="1100" dirty="0"/>
           </a:p>
         </p:txBody>
       </p:sp>
@@ -10274,6 +13417,1188 @@
   <p:clrMapOvr>
     <a:masterClrMapping/>
   </p:clrMapOvr>
+  <p:timing>
+    <p:tnLst>
+      <p:par>
+        <p:cTn id="1" dur="indefinite" restart="never" nodeType="tmRoot">
+          <p:childTnLst>
+            <p:seq concurrent="1" nextAc="seek">
+              <p:cTn id="2" dur="indefinite" nodeType="mainSeq">
+                <p:childTnLst>
+                  <p:par>
+                    <p:cTn id="3" fill="hold">
+                      <p:stCondLst>
+                        <p:cond delay="indefinite"/>
+                      </p:stCondLst>
+                      <p:childTnLst>
+                        <p:par>
+                          <p:cTn id="4" fill="hold">
+                            <p:stCondLst>
+                              <p:cond delay="0"/>
+                            </p:stCondLst>
+                            <p:childTnLst>
+                              <p:par>
+                                <p:cTn id="5" presetID="1" presetClass="entr" presetSubtype="0" fill="hold" grpId="0" nodeType="clickEffect">
+                                  <p:stCondLst>
+                                    <p:cond delay="0"/>
+                                  </p:stCondLst>
+                                  <p:childTnLst>
+                                    <p:set>
+                                      <p:cBhvr>
+                                        <p:cTn id="6" dur="1" fill="hold">
+                                          <p:stCondLst>
+                                            <p:cond delay="0"/>
+                                          </p:stCondLst>
+                                        </p:cTn>
+                                        <p:tgtEl>
+                                          <p:spTgt spid="3">
+                                            <p:txEl>
+                                              <p:pRg st="0" end="0"/>
+                                            </p:txEl>
+                                          </p:spTgt>
+                                        </p:tgtEl>
+                                        <p:attrNameLst>
+                                          <p:attrName>style.visibility</p:attrName>
+                                        </p:attrNameLst>
+                                      </p:cBhvr>
+                                      <p:to>
+                                        <p:strVal val="visible"/>
+                                      </p:to>
+                                    </p:set>
+                                  </p:childTnLst>
+                                </p:cTn>
+                              </p:par>
+                            </p:childTnLst>
+                          </p:cTn>
+                        </p:par>
+                      </p:childTnLst>
+                    </p:cTn>
+                  </p:par>
+                </p:childTnLst>
+              </p:cTn>
+              <p:prevCondLst>
+                <p:cond evt="onPrev" delay="0">
+                  <p:tgtEl>
+                    <p:sldTgt/>
+                  </p:tgtEl>
+                </p:cond>
+              </p:prevCondLst>
+              <p:nextCondLst>
+                <p:cond evt="onNext" delay="0">
+                  <p:tgtEl>
+                    <p:sldTgt/>
+                  </p:tgtEl>
+                </p:cond>
+              </p:nextCondLst>
+            </p:seq>
+          </p:childTnLst>
+        </p:cTn>
+      </p:par>
+    </p:tnLst>
+    <p:bldLst>
+      <p:bldP spid="3" grpId="0" build="p"/>
+    </p:bldLst>
+  </p:timing>
+</p:sld>
+</file>
+
+<file path=ppt/slides/slide7.xml><?xml version="1.0" encoding="utf-8"?>
+<p:sld xmlns:a="http://schemas.openxmlformats.org/drawingml/2006/main" xmlns:r="http://schemas.openxmlformats.org/officeDocument/2006/relationships" xmlns:p="http://schemas.openxmlformats.org/presentationml/2006/main">
+  <p:cSld>
+    <p:spTree>
+      <p:nvGrpSpPr>
+        <p:cNvPr id="1" name=""/>
+        <p:cNvGrpSpPr/>
+        <p:nvPr/>
+      </p:nvGrpSpPr>
+      <p:grpSpPr>
+        <a:xfrm>
+          <a:off x="0" y="0"/>
+          <a:ext cx="0" cy="0"/>
+          <a:chOff x="0" y="0"/>
+          <a:chExt cx="0" cy="0"/>
+        </a:xfrm>
+      </p:grpSpPr>
+      <p:sp>
+        <p:nvSpPr>
+          <p:cNvPr id="2" name="Title 1"/>
+          <p:cNvSpPr>
+            <a:spLocks noGrp="1"/>
+          </p:cNvSpPr>
+          <p:nvPr>
+            <p:ph type="title"/>
+          </p:nvPr>
+        </p:nvSpPr>
+        <p:spPr>
+          <a:xfrm>
+            <a:off x="1154954" y="1447800"/>
+            <a:ext cx="8825659" cy="1198296"/>
+          </a:xfrm>
+        </p:spPr>
+        <p:txBody>
+          <a:bodyPr/>
+          <a:lstStyle/>
+          <a:p>
+            <a:r>
+              <a:rPr lang="en-GB" dirty="0" smtClean="0"/>
+              <a:t>Ways to register components</a:t>
+            </a:r>
+            <a:endParaRPr lang="en-GB" dirty="0"/>
+          </a:p>
+        </p:txBody>
+      </p:sp>
+      <p:sp>
+        <p:nvSpPr>
+          <p:cNvPr id="3" name="Text Placeholder 2"/>
+          <p:cNvSpPr>
+            <a:spLocks noGrp="1"/>
+          </p:cNvSpPr>
+          <p:nvPr>
+            <p:ph type="body" sz="half" idx="2"/>
+          </p:nvPr>
+        </p:nvSpPr>
+        <p:spPr>
+          <a:xfrm>
+            <a:off x="1341071" y="2597543"/>
+            <a:ext cx="8825659" cy="647363"/>
+          </a:xfrm>
+        </p:spPr>
+        <p:txBody>
+          <a:bodyPr>
+            <a:normAutofit/>
+          </a:bodyPr>
+          <a:lstStyle/>
+          <a:p>
+            <a:pPr marL="285750" indent="-285750">
+              <a:buFont typeface="Arial" panose="020B0604020202020204" pitchFamily="34" charset="0"/>
+              <a:buChar char="•"/>
+            </a:pPr>
+            <a:r>
+              <a:rPr lang="en-GB" dirty="0" smtClean="0"/>
+              <a:t>Normal </a:t>
+            </a:r>
+            <a:r>
+              <a:rPr lang="en-GB" dirty="0" smtClean="0"/>
+              <a:t>Class and Interface Registration by Fluent API </a:t>
+            </a:r>
+            <a:endParaRPr lang="en-GB" dirty="0" smtClean="0"/>
+          </a:p>
+          <a:p>
+            <a:endParaRPr lang="en-GB" dirty="0" smtClean="0"/>
+          </a:p>
+        </p:txBody>
+      </p:sp>
+      <p:sp>
+        <p:nvSpPr>
+          <p:cNvPr id="6" name="Rectangle 5"/>
+          <p:cNvSpPr/>
+          <p:nvPr/>
+        </p:nvSpPr>
+        <p:spPr>
+          <a:xfrm>
+            <a:off x="1405315" y="3094938"/>
+            <a:ext cx="8968674" cy="523220"/>
+          </a:xfrm>
+          <a:prstGeom prst="rect">
+            <a:avLst/>
+          </a:prstGeom>
+        </p:spPr>
+        <p:txBody>
+          <a:bodyPr wrap="square">
+            <a:spAutoFit/>
+          </a:bodyPr>
+          <a:lstStyle/>
+          <a:p>
+            <a:r>
+              <a:rPr lang="en-GB" sz="1400" dirty="0">
+                <a:solidFill>
+                  <a:srgbClr val="000000"/>
+                </a:solidFill>
+                <a:highlight>
+                  <a:srgbClr val="FFFFFF"/>
+                </a:highlight>
+                <a:latin typeface="Consolas"/>
+              </a:rPr>
+              <a:t>container.Register(</a:t>
+            </a:r>
+            <a:r>
+              <a:rPr lang="en-GB" sz="1400" dirty="0">
+                <a:solidFill>
+                  <a:srgbClr val="2B91AF"/>
+                </a:solidFill>
+                <a:highlight>
+                  <a:srgbClr val="FFFFFF"/>
+                </a:highlight>
+                <a:latin typeface="Consolas"/>
+              </a:rPr>
+              <a:t>Component</a:t>
+            </a:r>
+            <a:r>
+              <a:rPr lang="en-GB" sz="1400" dirty="0">
+                <a:solidFill>
+                  <a:srgbClr val="000000"/>
+                </a:solidFill>
+                <a:highlight>
+                  <a:srgbClr val="FFFFFF"/>
+                </a:highlight>
+                <a:latin typeface="Consolas"/>
+              </a:rPr>
+              <a:t>.For&lt;</a:t>
+            </a:r>
+            <a:r>
+              <a:rPr lang="en-GB" sz="1400" dirty="0">
+                <a:solidFill>
+                  <a:srgbClr val="2B91AF"/>
+                </a:solidFill>
+                <a:highlight>
+                  <a:srgbClr val="FFFFFF"/>
+                </a:highlight>
+                <a:latin typeface="Consolas"/>
+              </a:rPr>
+              <a:t>ICar</a:t>
+            </a:r>
+            <a:r>
+              <a:rPr lang="en-GB" sz="1400" dirty="0">
+                <a:solidFill>
+                  <a:srgbClr val="000000"/>
+                </a:solidFill>
+                <a:highlight>
+                  <a:srgbClr val="FFFFFF"/>
+                </a:highlight>
+                <a:latin typeface="Consolas"/>
+              </a:rPr>
+              <a:t>&gt;().ImplementedBy&lt;</a:t>
+            </a:r>
+            <a:r>
+              <a:rPr lang="en-GB" sz="1400" dirty="0">
+                <a:solidFill>
+                  <a:srgbClr val="2B91AF"/>
+                </a:solidFill>
+                <a:highlight>
+                  <a:srgbClr val="FFFFFF"/>
+                </a:highlight>
+                <a:latin typeface="Consolas"/>
+              </a:rPr>
+              <a:t>Porsche</a:t>
+            </a:r>
+            <a:r>
+              <a:rPr lang="en-GB" sz="1400" dirty="0">
+                <a:solidFill>
+                  <a:srgbClr val="000000"/>
+                </a:solidFill>
+                <a:highlight>
+                  <a:srgbClr val="FFFFFF"/>
+                </a:highlight>
+                <a:latin typeface="Consolas"/>
+              </a:rPr>
+              <a:t>&gt;());</a:t>
+            </a:r>
+          </a:p>
+          <a:p>
+            <a:r>
+              <a:rPr lang="en-GB" sz="1400" dirty="0" smtClean="0">
+                <a:solidFill>
+                  <a:srgbClr val="000000"/>
+                </a:solidFill>
+                <a:highlight>
+                  <a:srgbClr val="FFFFFF"/>
+                </a:highlight>
+                <a:latin typeface="Consolas"/>
+              </a:rPr>
+              <a:t>container.Register(</a:t>
+            </a:r>
+            <a:r>
+              <a:rPr lang="en-GB" sz="1400" dirty="0" smtClean="0">
+                <a:solidFill>
+                  <a:srgbClr val="2B91AF"/>
+                </a:solidFill>
+                <a:highlight>
+                  <a:srgbClr val="FFFFFF"/>
+                </a:highlight>
+                <a:latin typeface="Consolas"/>
+              </a:rPr>
+              <a:t>Component</a:t>
+            </a:r>
+            <a:r>
+              <a:rPr lang="en-GB" sz="1400" dirty="0" smtClean="0">
+                <a:solidFill>
+                  <a:srgbClr val="000000"/>
+                </a:solidFill>
+                <a:highlight>
+                  <a:srgbClr val="FFFFFF"/>
+                </a:highlight>
+                <a:latin typeface="Consolas"/>
+              </a:rPr>
+              <a:t>.For&lt;</a:t>
+            </a:r>
+            <a:r>
+              <a:rPr lang="en-GB" sz="1400" dirty="0" smtClean="0">
+                <a:solidFill>
+                  <a:srgbClr val="2B91AF"/>
+                </a:solidFill>
+                <a:highlight>
+                  <a:srgbClr val="FFFFFF"/>
+                </a:highlight>
+                <a:latin typeface="Consolas"/>
+              </a:rPr>
+              <a:t>ICar</a:t>
+            </a:r>
+            <a:r>
+              <a:rPr lang="en-GB" sz="1400" dirty="0">
+                <a:solidFill>
+                  <a:srgbClr val="000000"/>
+                </a:solidFill>
+                <a:highlight>
+                  <a:srgbClr val="FFFFFF"/>
+                </a:highlight>
+                <a:latin typeface="Consolas"/>
+              </a:rPr>
+              <a:t>&gt;().ImplementedBy&lt;</a:t>
+            </a:r>
+            <a:r>
+              <a:rPr lang="en-GB" sz="1400" dirty="0">
+                <a:solidFill>
+                  <a:srgbClr val="2B91AF"/>
+                </a:solidFill>
+                <a:highlight>
+                  <a:srgbClr val="FFFFFF"/>
+                </a:highlight>
+                <a:latin typeface="Consolas"/>
+              </a:rPr>
+              <a:t>Mercedes</a:t>
+            </a:r>
+            <a:r>
+              <a:rPr lang="en-GB" sz="1400" dirty="0">
+                <a:solidFill>
+                  <a:srgbClr val="000000"/>
+                </a:solidFill>
+                <a:highlight>
+                  <a:srgbClr val="FFFFFF"/>
+                </a:highlight>
+                <a:latin typeface="Consolas"/>
+              </a:rPr>
+              <a:t>&gt;());</a:t>
+            </a:r>
+            <a:endParaRPr lang="en-GB" sz="1400" dirty="0"/>
+          </a:p>
+        </p:txBody>
+      </p:sp>
+    </p:spTree>
+    <p:extLst>
+      <p:ext uri="{BB962C8B-B14F-4D97-AF65-F5344CB8AC3E}">
+        <p14:creationId xmlns:p14="http://schemas.microsoft.com/office/powerpoint/2010/main" val="2761910627"/>
+      </p:ext>
+    </p:extLst>
+  </p:cSld>
+  <p:clrMapOvr>
+    <a:masterClrMapping/>
+  </p:clrMapOvr>
+  <p:timing>
+    <p:tnLst>
+      <p:par>
+        <p:cTn id="1" dur="indefinite" restart="never" nodeType="tmRoot">
+          <p:childTnLst>
+            <p:seq concurrent="1" nextAc="seek">
+              <p:cTn id="2" dur="indefinite" nodeType="mainSeq">
+                <p:childTnLst>
+                  <p:par>
+                    <p:cTn id="3" fill="hold">
+                      <p:stCondLst>
+                        <p:cond delay="indefinite"/>
+                      </p:stCondLst>
+                      <p:childTnLst>
+                        <p:par>
+                          <p:cTn id="4" fill="hold">
+                            <p:stCondLst>
+                              <p:cond delay="0"/>
+                            </p:stCondLst>
+                            <p:childTnLst>
+                              <p:par>
+                                <p:cTn id="5" presetID="1" presetClass="entr" presetSubtype="0" fill="hold" grpId="0" nodeType="clickEffect">
+                                  <p:stCondLst>
+                                    <p:cond delay="0"/>
+                                  </p:stCondLst>
+                                  <p:childTnLst>
+                                    <p:set>
+                                      <p:cBhvr>
+                                        <p:cTn id="6" dur="1" fill="hold">
+                                          <p:stCondLst>
+                                            <p:cond delay="0"/>
+                                          </p:stCondLst>
+                                        </p:cTn>
+                                        <p:tgtEl>
+                                          <p:spTgt spid="3">
+                                            <p:txEl>
+                                              <p:pRg st="0" end="0"/>
+                                            </p:txEl>
+                                          </p:spTgt>
+                                        </p:tgtEl>
+                                        <p:attrNameLst>
+                                          <p:attrName>style.visibility</p:attrName>
+                                        </p:attrNameLst>
+                                      </p:cBhvr>
+                                      <p:to>
+                                        <p:strVal val="visible"/>
+                                      </p:to>
+                                    </p:set>
+                                  </p:childTnLst>
+                                </p:cTn>
+                              </p:par>
+                            </p:childTnLst>
+                          </p:cTn>
+                        </p:par>
+                      </p:childTnLst>
+                    </p:cTn>
+                  </p:par>
+                </p:childTnLst>
+              </p:cTn>
+              <p:prevCondLst>
+                <p:cond evt="onPrev" delay="0">
+                  <p:tgtEl>
+                    <p:sldTgt/>
+                  </p:tgtEl>
+                </p:cond>
+              </p:prevCondLst>
+              <p:nextCondLst>
+                <p:cond evt="onNext" delay="0">
+                  <p:tgtEl>
+                    <p:sldTgt/>
+                  </p:tgtEl>
+                </p:cond>
+              </p:nextCondLst>
+            </p:seq>
+          </p:childTnLst>
+        </p:cTn>
+      </p:par>
+    </p:tnLst>
+    <p:bldLst>
+      <p:bldP spid="3" grpId="0" build="p"/>
+    </p:bldLst>
+  </p:timing>
+</p:sld>
+</file>
+
+<file path=ppt/slides/slide8.xml><?xml version="1.0" encoding="utf-8"?>
+<p:sld xmlns:a="http://schemas.openxmlformats.org/drawingml/2006/main" xmlns:r="http://schemas.openxmlformats.org/officeDocument/2006/relationships" xmlns:p="http://schemas.openxmlformats.org/presentationml/2006/main">
+  <p:cSld>
+    <p:spTree>
+      <p:nvGrpSpPr>
+        <p:cNvPr id="1" name=""/>
+        <p:cNvGrpSpPr/>
+        <p:nvPr/>
+      </p:nvGrpSpPr>
+      <p:grpSpPr>
+        <a:xfrm>
+          <a:off x="0" y="0"/>
+          <a:ext cx="0" cy="0"/>
+          <a:chOff x="0" y="0"/>
+          <a:chExt cx="0" cy="0"/>
+        </a:xfrm>
+      </p:grpSpPr>
+      <p:sp>
+        <p:nvSpPr>
+          <p:cNvPr id="2" name="Title 1"/>
+          <p:cNvSpPr>
+            <a:spLocks noGrp="1"/>
+          </p:cNvSpPr>
+          <p:nvPr>
+            <p:ph type="title"/>
+          </p:nvPr>
+        </p:nvSpPr>
+        <p:spPr>
+          <a:xfrm>
+            <a:off x="1154954" y="1447800"/>
+            <a:ext cx="8825659" cy="1198296"/>
+          </a:xfrm>
+        </p:spPr>
+        <p:txBody>
+          <a:bodyPr/>
+          <a:lstStyle/>
+          <a:p>
+            <a:r>
+              <a:rPr lang="en-GB" dirty="0" smtClean="0"/>
+              <a:t>Ways to register components</a:t>
+            </a:r>
+            <a:endParaRPr lang="en-GB" dirty="0"/>
+          </a:p>
+        </p:txBody>
+      </p:sp>
+      <p:sp>
+        <p:nvSpPr>
+          <p:cNvPr id="3" name="Text Placeholder 2"/>
+          <p:cNvSpPr>
+            <a:spLocks noGrp="1"/>
+          </p:cNvSpPr>
+          <p:nvPr>
+            <p:ph type="body" sz="half" idx="2"/>
+          </p:nvPr>
+        </p:nvSpPr>
+        <p:spPr>
+          <a:xfrm>
+            <a:off x="1341071" y="2597543"/>
+            <a:ext cx="8825659" cy="736376"/>
+          </a:xfrm>
+        </p:spPr>
+        <p:txBody>
+          <a:bodyPr>
+            <a:normAutofit/>
+          </a:bodyPr>
+          <a:lstStyle/>
+          <a:p>
+            <a:pPr marL="285750" indent="-285750">
+              <a:buFont typeface="Arial" panose="020B0604020202020204" pitchFamily="34" charset="0"/>
+              <a:buChar char="•"/>
+            </a:pPr>
+            <a:r>
+              <a:rPr lang="en-GB" dirty="0" smtClean="0"/>
+              <a:t>OnCreate </a:t>
+            </a:r>
+            <a:r>
+              <a:rPr lang="en-GB" dirty="0" smtClean="0"/>
+              <a:t>(Useful if something needs to exist before a feature is specifically implemented) </a:t>
+            </a:r>
+            <a:r>
+              <a:rPr lang="en-GB" b="1" dirty="0" smtClean="0"/>
+              <a:t>(Demo)</a:t>
+            </a:r>
+            <a:endParaRPr lang="en-GB" b="1" dirty="0" smtClean="0"/>
+          </a:p>
+          <a:p>
+            <a:endParaRPr lang="en-GB" dirty="0" smtClean="0"/>
+          </a:p>
+        </p:txBody>
+      </p:sp>
+      <p:sp>
+        <p:nvSpPr>
+          <p:cNvPr id="4" name="Rectangle 3"/>
+          <p:cNvSpPr/>
+          <p:nvPr/>
+        </p:nvSpPr>
+        <p:spPr>
+          <a:xfrm>
+            <a:off x="1639985" y="3448030"/>
+            <a:ext cx="7253161" cy="523220"/>
+          </a:xfrm>
+          <a:prstGeom prst="rect">
+            <a:avLst/>
+          </a:prstGeom>
+        </p:spPr>
+        <p:txBody>
+          <a:bodyPr wrap="square">
+            <a:spAutoFit/>
+          </a:bodyPr>
+          <a:lstStyle/>
+          <a:p>
+            <a:r>
+              <a:rPr lang="en-GB" sz="1400" dirty="0" smtClean="0">
+                <a:solidFill>
+                  <a:srgbClr val="000000"/>
+                </a:solidFill>
+                <a:highlight>
+                  <a:srgbClr val="FFFFFF"/>
+                </a:highlight>
+                <a:latin typeface="Consolas"/>
+              </a:rPr>
+              <a:t>container.Register(</a:t>
+            </a:r>
+            <a:r>
+              <a:rPr lang="en-GB" sz="1400" dirty="0" smtClean="0">
+                <a:solidFill>
+                  <a:srgbClr val="2B91AF"/>
+                </a:solidFill>
+                <a:highlight>
+                  <a:srgbClr val="FFFFFF"/>
+                </a:highlight>
+                <a:latin typeface="Consolas"/>
+              </a:rPr>
+              <a:t>Component</a:t>
+            </a:r>
+            <a:r>
+              <a:rPr lang="en-GB" sz="1400" dirty="0" smtClean="0">
+                <a:solidFill>
+                  <a:srgbClr val="000000"/>
+                </a:solidFill>
+                <a:highlight>
+                  <a:srgbClr val="FFFFFF"/>
+                </a:highlight>
+                <a:latin typeface="Consolas"/>
+              </a:rPr>
+              <a:t>.For&lt;</a:t>
+            </a:r>
+            <a:r>
+              <a:rPr lang="en-GB" sz="1400" dirty="0" smtClean="0">
+                <a:solidFill>
+                  <a:srgbClr val="2B91AF"/>
+                </a:solidFill>
+                <a:highlight>
+                  <a:srgbClr val="FFFFFF"/>
+                </a:highlight>
+                <a:latin typeface="Consolas"/>
+              </a:rPr>
+              <a:t>ISuperCar</a:t>
+            </a:r>
+            <a:r>
+              <a:rPr lang="en-GB" sz="1400" dirty="0" smtClean="0">
+                <a:solidFill>
+                  <a:srgbClr val="000000"/>
+                </a:solidFill>
+                <a:highlight>
+                  <a:srgbClr val="FFFFFF"/>
+                </a:highlight>
+                <a:latin typeface="Consolas"/>
+              </a:rPr>
+              <a:t>&gt;().</a:t>
+            </a:r>
+            <a:r>
+              <a:rPr lang="en-GB" sz="1400" dirty="0">
+                <a:solidFill>
+                  <a:srgbClr val="000000"/>
+                </a:solidFill>
+                <a:highlight>
+                  <a:srgbClr val="FFFFFF"/>
+                </a:highlight>
+                <a:latin typeface="Consolas"/>
+              </a:rPr>
+              <a:t>ImplementedBy&lt;</a:t>
+            </a:r>
+            <a:r>
+              <a:rPr lang="en-GB" sz="1400" dirty="0">
+                <a:solidFill>
+                  <a:srgbClr val="2B91AF"/>
+                </a:solidFill>
+                <a:highlight>
+                  <a:srgbClr val="FFFFFF"/>
+                </a:highlight>
+                <a:latin typeface="Consolas"/>
+              </a:rPr>
+              <a:t>Ferrari</a:t>
+            </a:r>
+            <a:r>
+              <a:rPr lang="en-GB" sz="1400" dirty="0">
+                <a:solidFill>
+                  <a:srgbClr val="000000"/>
+                </a:solidFill>
+                <a:highlight>
+                  <a:srgbClr val="FFFFFF"/>
+                </a:highlight>
+                <a:latin typeface="Consolas"/>
+              </a:rPr>
+              <a:t>&gt;()</a:t>
+            </a:r>
+          </a:p>
+          <a:p>
+            <a:r>
+              <a:rPr lang="en-GB" sz="1400" dirty="0" smtClean="0">
+                <a:solidFill>
+                  <a:srgbClr val="000000"/>
+                </a:solidFill>
+                <a:highlight>
+                  <a:srgbClr val="FFFFFF"/>
+                </a:highlight>
+                <a:latin typeface="Consolas"/>
+              </a:rPr>
+              <a:t>.</a:t>
+            </a:r>
+            <a:r>
+              <a:rPr lang="en-GB" sz="1400" dirty="0">
+                <a:solidFill>
+                  <a:srgbClr val="000000"/>
+                </a:solidFill>
+                <a:highlight>
+                  <a:srgbClr val="FFFFFF"/>
+                </a:highlight>
+                <a:latin typeface="Consolas"/>
+              </a:rPr>
+              <a:t>OnCreate((kernel, instance) =&gt; instance.TellTheCarToStart</a:t>
+            </a:r>
+            <a:r>
+              <a:rPr lang="en-GB" sz="1400" dirty="0" smtClean="0">
+                <a:solidFill>
+                  <a:srgbClr val="000000"/>
+                </a:solidFill>
+                <a:highlight>
+                  <a:srgbClr val="FFFFFF"/>
+                </a:highlight>
+                <a:latin typeface="Consolas"/>
+              </a:rPr>
+              <a:t>()));</a:t>
+            </a:r>
+            <a:endParaRPr lang="en-GB" sz="1400" dirty="0"/>
+          </a:p>
+        </p:txBody>
+      </p:sp>
+    </p:spTree>
+    <p:extLst>
+      <p:ext uri="{BB962C8B-B14F-4D97-AF65-F5344CB8AC3E}">
+        <p14:creationId xmlns:p14="http://schemas.microsoft.com/office/powerpoint/2010/main" val="2761910627"/>
+      </p:ext>
+    </p:extLst>
+  </p:cSld>
+  <p:clrMapOvr>
+    <a:masterClrMapping/>
+  </p:clrMapOvr>
+  <p:timing>
+    <p:tnLst>
+      <p:par>
+        <p:cTn id="1" dur="indefinite" restart="never" nodeType="tmRoot">
+          <p:childTnLst>
+            <p:seq concurrent="1" nextAc="seek">
+              <p:cTn id="2" dur="indefinite" nodeType="mainSeq">
+                <p:childTnLst>
+                  <p:par>
+                    <p:cTn id="3" fill="hold">
+                      <p:stCondLst>
+                        <p:cond delay="indefinite"/>
+                      </p:stCondLst>
+                      <p:childTnLst>
+                        <p:par>
+                          <p:cTn id="4" fill="hold">
+                            <p:stCondLst>
+                              <p:cond delay="0"/>
+                            </p:stCondLst>
+                            <p:childTnLst>
+                              <p:par>
+                                <p:cTn id="5" presetID="1" presetClass="entr" presetSubtype="0" fill="hold" grpId="0" nodeType="clickEffect">
+                                  <p:stCondLst>
+                                    <p:cond delay="0"/>
+                                  </p:stCondLst>
+                                  <p:childTnLst>
+                                    <p:set>
+                                      <p:cBhvr>
+                                        <p:cTn id="6" dur="1" fill="hold">
+                                          <p:stCondLst>
+                                            <p:cond delay="0"/>
+                                          </p:stCondLst>
+                                        </p:cTn>
+                                        <p:tgtEl>
+                                          <p:spTgt spid="3">
+                                            <p:txEl>
+                                              <p:pRg st="0" end="0"/>
+                                            </p:txEl>
+                                          </p:spTgt>
+                                        </p:tgtEl>
+                                        <p:attrNameLst>
+                                          <p:attrName>style.visibility</p:attrName>
+                                        </p:attrNameLst>
+                                      </p:cBhvr>
+                                      <p:to>
+                                        <p:strVal val="visible"/>
+                                      </p:to>
+                                    </p:set>
+                                  </p:childTnLst>
+                                </p:cTn>
+                              </p:par>
+                            </p:childTnLst>
+                          </p:cTn>
+                        </p:par>
+                      </p:childTnLst>
+                    </p:cTn>
+                  </p:par>
+                </p:childTnLst>
+              </p:cTn>
+              <p:prevCondLst>
+                <p:cond evt="onPrev" delay="0">
+                  <p:tgtEl>
+                    <p:sldTgt/>
+                  </p:tgtEl>
+                </p:cond>
+              </p:prevCondLst>
+              <p:nextCondLst>
+                <p:cond evt="onNext" delay="0">
+                  <p:tgtEl>
+                    <p:sldTgt/>
+                  </p:tgtEl>
+                </p:cond>
+              </p:nextCondLst>
+            </p:seq>
+          </p:childTnLst>
+        </p:cTn>
+      </p:par>
+    </p:tnLst>
+    <p:bldLst>
+      <p:bldP spid="3" grpId="0" build="p"/>
+    </p:bldLst>
+  </p:timing>
+</p:sld>
+</file>
+
+<file path=ppt/slides/slide9.xml><?xml version="1.0" encoding="utf-8"?>
+<p:sld xmlns:a="http://schemas.openxmlformats.org/drawingml/2006/main" xmlns:r="http://schemas.openxmlformats.org/officeDocument/2006/relationships" xmlns:p="http://schemas.openxmlformats.org/presentationml/2006/main">
+  <p:cSld>
+    <p:spTree>
+      <p:nvGrpSpPr>
+        <p:cNvPr id="1" name=""/>
+        <p:cNvGrpSpPr/>
+        <p:nvPr/>
+      </p:nvGrpSpPr>
+      <p:grpSpPr>
+        <a:xfrm>
+          <a:off x="0" y="0"/>
+          <a:ext cx="0" cy="0"/>
+          <a:chOff x="0" y="0"/>
+          <a:chExt cx="0" cy="0"/>
+        </a:xfrm>
+      </p:grpSpPr>
+      <p:sp>
+        <p:nvSpPr>
+          <p:cNvPr id="2" name="Title 1"/>
+          <p:cNvSpPr>
+            <a:spLocks noGrp="1"/>
+          </p:cNvSpPr>
+          <p:nvPr>
+            <p:ph type="title"/>
+          </p:nvPr>
+        </p:nvSpPr>
+        <p:spPr>
+          <a:xfrm>
+            <a:off x="1154954" y="1447800"/>
+            <a:ext cx="8825659" cy="1198296"/>
+          </a:xfrm>
+        </p:spPr>
+        <p:txBody>
+          <a:bodyPr/>
+          <a:lstStyle/>
+          <a:p>
+            <a:r>
+              <a:rPr lang="en-GB" sz="3200" dirty="0" smtClean="0"/>
+              <a:t>Ways to register components</a:t>
+            </a:r>
+            <a:endParaRPr lang="en-GB" sz="3200" dirty="0"/>
+          </a:p>
+        </p:txBody>
+      </p:sp>
+      <p:sp>
+        <p:nvSpPr>
+          <p:cNvPr id="3" name="Text Placeholder 2"/>
+          <p:cNvSpPr>
+            <a:spLocks noGrp="1"/>
+          </p:cNvSpPr>
+          <p:nvPr>
+            <p:ph type="body" sz="half" idx="2"/>
+          </p:nvPr>
+        </p:nvSpPr>
+        <p:spPr>
+          <a:xfrm>
+            <a:off x="1365347" y="2160574"/>
+            <a:ext cx="8825659" cy="453154"/>
+          </a:xfrm>
+        </p:spPr>
+        <p:txBody>
+          <a:bodyPr>
+            <a:normAutofit/>
+          </a:bodyPr>
+          <a:lstStyle/>
+          <a:p>
+            <a:pPr marL="285750" indent="-285750">
+              <a:buFont typeface="Arial" panose="020B0604020202020204" pitchFamily="34" charset="0"/>
+              <a:buChar char="•"/>
+            </a:pPr>
+            <a:r>
+              <a:rPr lang="en-GB" dirty="0" smtClean="0"/>
+              <a:t>Registering </a:t>
+            </a:r>
+            <a:r>
+              <a:rPr lang="en-GB" dirty="0" smtClean="0"/>
+              <a:t>Generic Types – </a:t>
+            </a:r>
+            <a:r>
+              <a:rPr lang="en-GB" b="1" dirty="0" smtClean="0"/>
+              <a:t>Demo: Show how to register a generic type</a:t>
+            </a:r>
+          </a:p>
+          <a:p>
+            <a:endParaRPr lang="en-GB" dirty="0" smtClean="0"/>
+          </a:p>
+        </p:txBody>
+      </p:sp>
+      <p:pic>
+        <p:nvPicPr>
+          <p:cNvPr id="1026" name="Picture 2"/>
+          <p:cNvPicPr>
+            <a:picLocks noChangeAspect="1" noChangeArrowheads="1"/>
+          </p:cNvPicPr>
+          <p:nvPr/>
+        </p:nvPicPr>
+        <p:blipFill>
+          <a:blip r:embed="rId3">
+            <a:extLst>
+              <a:ext uri="{28A0092B-C50C-407E-A947-70E740481C1C}">
+                <a14:useLocalDpi xmlns:a14="http://schemas.microsoft.com/office/drawing/2010/main" val="0"/>
+              </a:ext>
+            </a:extLst>
+          </a:blip>
+          <a:srcRect/>
+          <a:stretch>
+            <a:fillRect/>
+          </a:stretch>
+        </p:blipFill>
+        <p:spPr bwMode="auto">
+          <a:xfrm>
+            <a:off x="1466006" y="2446956"/>
+            <a:ext cx="9482518" cy="2691486"/>
+          </a:xfrm>
+          <a:prstGeom prst="rect">
+            <a:avLst/>
+          </a:prstGeom>
+          <a:noFill/>
+          <a:ln>
+            <a:noFill/>
+          </a:ln>
+          <a:extLst>
+            <a:ext uri="{909E8E84-426E-40DD-AFC4-6F175D3DCCD1}">
+              <a14:hiddenFill xmlns:a14="http://schemas.microsoft.com/office/drawing/2010/main">
+                <a:solidFill>
+                  <a:schemeClr val="accent1"/>
+                </a:solidFill>
+              </a14:hiddenFill>
+            </a:ext>
+            <a:ext uri="{91240B29-F687-4F45-9708-019B960494DF}">
+              <a14:hiddenLine xmlns:a14="http://schemas.microsoft.com/office/drawing/2010/main" w="9525">
+                <a:solidFill>
+                  <a:schemeClr val="tx1"/>
+                </a:solidFill>
+                <a:miter lim="800000"/>
+                <a:headEnd/>
+                <a:tailEnd/>
+              </a14:hiddenLine>
+            </a:ext>
+          </a:extLst>
+        </p:spPr>
+      </p:pic>
+      <p:sp>
+        <p:nvSpPr>
+          <p:cNvPr id="4" name="TextBox 3"/>
+          <p:cNvSpPr txBox="1"/>
+          <p:nvPr/>
+        </p:nvSpPr>
+        <p:spPr>
+          <a:xfrm>
+            <a:off x="1466006" y="5939554"/>
+            <a:ext cx="9661217" cy="646331"/>
+          </a:xfrm>
+          <a:prstGeom prst="rect">
+            <a:avLst/>
+          </a:prstGeom>
+          <a:noFill/>
+        </p:spPr>
+        <p:txBody>
+          <a:bodyPr wrap="square" rtlCol="0">
+            <a:spAutoFit/>
+          </a:bodyPr>
+          <a:lstStyle/>
+          <a:p>
+            <a:pPr marL="285750" indent="-285750">
+              <a:buFont typeface="Arial" panose="020B0604020202020204" pitchFamily="34" charset="0"/>
+              <a:buChar char="•"/>
+            </a:pPr>
+            <a:r>
+              <a:rPr lang="en-GB" sz="1200" dirty="0" smtClean="0"/>
+              <a:t>This is a simplified example of how to implement a couple of design patterns in Castle Windsor (</a:t>
+            </a:r>
+            <a:r>
+              <a:rPr lang="en-GB" sz="1200" b="1" dirty="0" smtClean="0"/>
+              <a:t>Repository and Unit of Work</a:t>
+            </a:r>
+            <a:r>
+              <a:rPr lang="en-GB" sz="1200" dirty="0" smtClean="0"/>
+              <a:t>)</a:t>
+            </a:r>
+          </a:p>
+          <a:p>
+            <a:pPr marL="285750" indent="-285750">
+              <a:buFont typeface="Arial" panose="020B0604020202020204" pitchFamily="34" charset="0"/>
+              <a:buChar char="•"/>
+            </a:pPr>
+            <a:endParaRPr lang="en-GB" sz="1200" dirty="0"/>
+          </a:p>
+          <a:p>
+            <a:pPr marL="285750" indent="-285750">
+              <a:buFont typeface="Arial" panose="020B0604020202020204" pitchFamily="34" charset="0"/>
+              <a:buChar char="•"/>
+            </a:pPr>
+            <a:r>
+              <a:rPr lang="en-GB" sz="1200" b="1" dirty="0" smtClean="0"/>
+              <a:t>(Demo)</a:t>
+            </a:r>
+            <a:endParaRPr lang="en-GB" sz="1200" b="1" dirty="0"/>
+          </a:p>
+        </p:txBody>
+      </p:sp>
+      <p:sp>
+        <p:nvSpPr>
+          <p:cNvPr id="8" name="Rectangle 7"/>
+          <p:cNvSpPr/>
+          <p:nvPr/>
+        </p:nvSpPr>
+        <p:spPr>
+          <a:xfrm>
+            <a:off x="1466006" y="5241576"/>
+            <a:ext cx="9332815" cy="253916"/>
+          </a:xfrm>
+          <a:prstGeom prst="rect">
+            <a:avLst/>
+          </a:prstGeom>
+        </p:spPr>
+        <p:txBody>
+          <a:bodyPr wrap="square">
+            <a:spAutoFit/>
+          </a:bodyPr>
+          <a:lstStyle/>
+          <a:p>
+            <a:r>
+              <a:rPr lang="en-GB" sz="1050" dirty="0" smtClean="0">
+                <a:solidFill>
+                  <a:srgbClr val="000000"/>
+                </a:solidFill>
+                <a:highlight>
+                  <a:srgbClr val="FFFFFF"/>
+                </a:highlight>
+                <a:latin typeface="Consolas"/>
+              </a:rPr>
+              <a:t>container.Register(</a:t>
+            </a:r>
+            <a:r>
+              <a:rPr lang="en-GB" sz="1050" dirty="0" smtClean="0">
+                <a:solidFill>
+                  <a:srgbClr val="2B91AF"/>
+                </a:solidFill>
+                <a:highlight>
+                  <a:srgbClr val="FFFFFF"/>
+                </a:highlight>
+                <a:latin typeface="Consolas"/>
+              </a:rPr>
+              <a:t>Component</a:t>
+            </a:r>
+            <a:r>
+              <a:rPr lang="en-GB" sz="1050" dirty="0" smtClean="0">
+                <a:solidFill>
+                  <a:srgbClr val="000000"/>
+                </a:solidFill>
+                <a:highlight>
+                  <a:srgbClr val="FFFFFF"/>
+                </a:highlight>
+                <a:latin typeface="Consolas"/>
+              </a:rPr>
+              <a:t>.For(</a:t>
+            </a:r>
+            <a:r>
+              <a:rPr lang="en-GB" sz="1050" dirty="0" smtClean="0">
+                <a:solidFill>
+                  <a:srgbClr val="0000FF"/>
+                </a:solidFill>
+                <a:highlight>
+                  <a:srgbClr val="FFFFFF"/>
+                </a:highlight>
+                <a:latin typeface="Consolas"/>
+              </a:rPr>
+              <a:t>typeof</a:t>
+            </a:r>
+            <a:r>
+              <a:rPr lang="en-GB" sz="1050" dirty="0" smtClean="0">
+                <a:solidFill>
+                  <a:srgbClr val="000000"/>
+                </a:solidFill>
+                <a:highlight>
+                  <a:srgbClr val="FFFFFF"/>
+                </a:highlight>
+                <a:latin typeface="Consolas"/>
+              </a:rPr>
+              <a:t>(</a:t>
+            </a:r>
+            <a:r>
+              <a:rPr lang="en-GB" sz="1050" dirty="0" smtClean="0">
+                <a:solidFill>
+                  <a:srgbClr val="2B91AF"/>
+                </a:solidFill>
+                <a:highlight>
+                  <a:srgbClr val="FFFFFF"/>
+                </a:highlight>
+                <a:latin typeface="Consolas"/>
+              </a:rPr>
+              <a:t>IRepository</a:t>
+            </a:r>
+            <a:r>
+              <a:rPr lang="en-GB" sz="1050" dirty="0" smtClean="0">
+                <a:solidFill>
+                  <a:srgbClr val="000000"/>
+                </a:solidFill>
+                <a:highlight>
+                  <a:srgbClr val="FFFFFF"/>
+                </a:highlight>
+                <a:latin typeface="Consolas"/>
+              </a:rPr>
+              <a:t>&lt;&gt;)).ImplementedBy(</a:t>
+            </a:r>
+            <a:r>
+              <a:rPr lang="en-GB" sz="1050" dirty="0" smtClean="0">
+                <a:solidFill>
+                  <a:srgbClr val="0000FF"/>
+                </a:solidFill>
+                <a:highlight>
+                  <a:srgbClr val="FFFFFF"/>
+                </a:highlight>
+                <a:latin typeface="Consolas"/>
+              </a:rPr>
+              <a:t>typeof</a:t>
+            </a:r>
+            <a:r>
+              <a:rPr lang="en-GB" sz="1050" dirty="0" smtClean="0">
+                <a:solidFill>
+                  <a:srgbClr val="000000"/>
+                </a:solidFill>
+                <a:highlight>
+                  <a:srgbClr val="FFFFFF"/>
+                </a:highlight>
+                <a:latin typeface="Consolas"/>
+              </a:rPr>
+              <a:t>(</a:t>
+            </a:r>
+            <a:r>
+              <a:rPr lang="en-GB" sz="1050" dirty="0" smtClean="0">
+                <a:solidFill>
+                  <a:srgbClr val="2B91AF"/>
+                </a:solidFill>
+                <a:highlight>
+                  <a:srgbClr val="FFFFFF"/>
+                </a:highlight>
+                <a:latin typeface="Consolas"/>
+              </a:rPr>
+              <a:t>SqlRepository</a:t>
+            </a:r>
+            <a:r>
+              <a:rPr lang="en-GB" sz="1050" dirty="0">
+                <a:solidFill>
+                  <a:srgbClr val="000000"/>
+                </a:solidFill>
+                <a:highlight>
+                  <a:srgbClr val="FFFFFF"/>
+                </a:highlight>
+                <a:latin typeface="Consolas"/>
+              </a:rPr>
+              <a:t>&lt;&gt;)).LifeStyle.Transient);</a:t>
+            </a:r>
+            <a:endParaRPr lang="en-GB" sz="1050" dirty="0"/>
+          </a:p>
+        </p:txBody>
+      </p:sp>
+    </p:spTree>
+    <p:extLst>
+      <p:ext uri="{BB962C8B-B14F-4D97-AF65-F5344CB8AC3E}">
+        <p14:creationId xmlns:p14="http://schemas.microsoft.com/office/powerpoint/2010/main" val="2761910627"/>
+      </p:ext>
+    </p:extLst>
+  </p:cSld>
+  <p:clrMapOvr>
+    <a:masterClrMapping/>
+  </p:clrMapOvr>
+  <mc:AlternateContent xmlns:mc="http://schemas.openxmlformats.org/markup-compatibility/2006">
+    <mc:Choice xmlns:p14="http://schemas.microsoft.com/office/powerpoint/2010/main" Requires="p14">
+      <p:transition p14:dur="0"/>
+    </mc:Choice>
+    <mc:Fallback>
+      <p:transition/>
+    </mc:Fallback>
+  </mc:AlternateContent>
   <p:timing>
     <p:tnLst>
       <p:par>
@@ -10344,7 +14669,7 @@
                             </p:stCondLst>
                             <p:childTnLst>
                               <p:par>
-                                <p:cTn id="9" presetID="1" presetClass="entr" presetSubtype="0" fill="hold" grpId="0" nodeType="clickEffect">
+                                <p:cTn id="9" presetID="1" presetClass="entr" presetSubtype="0" fill="hold" nodeType="clickEffect">
                                   <p:stCondLst>
                                     <p:cond delay="0"/>
                                   </p:stCondLst>
@@ -10357,11 +14682,7 @@
                                           </p:stCondLst>
                                         </p:cTn>
                                         <p:tgtEl>
-                                          <p:spTgt spid="3">
-                                            <p:txEl>
-                                              <p:pRg st="2" end="2"/>
-                                            </p:txEl>
-                                          </p:spTgt>
+                                          <p:spTgt spid="1026"/>
                                         </p:tgtEl>
                                         <p:attrNameLst>
                                           <p:attrName>style.visibility</p:attrName>
@@ -10406,11 +14727,7 @@
                                           </p:stCondLst>
                                         </p:cTn>
                                         <p:tgtEl>
-                                          <p:spTgt spid="3">
-                                            <p:txEl>
-                                              <p:pRg st="3" end="3"/>
-                                            </p:txEl>
-                                          </p:spTgt>
+                                          <p:spTgt spid="4"/>
                                         </p:tgtEl>
                                         <p:attrNameLst>
                                           <p:attrName>style.visibility</p:attrName>
@@ -10455,207 +14772,7 @@
                                           </p:stCondLst>
                                         </p:cTn>
                                         <p:tgtEl>
-                                          <p:spTgt spid="3">
-                                            <p:txEl>
-                                              <p:pRg st="4" end="4"/>
-                                            </p:txEl>
-                                          </p:spTgt>
-                                        </p:tgtEl>
-                                        <p:attrNameLst>
-                                          <p:attrName>style.visibility</p:attrName>
-                                        </p:attrNameLst>
-                                      </p:cBhvr>
-                                      <p:to>
-                                        <p:strVal val="visible"/>
-                                      </p:to>
-                                    </p:set>
-                                  </p:childTnLst>
-                                </p:cTn>
-                              </p:par>
-                            </p:childTnLst>
-                          </p:cTn>
-                        </p:par>
-                      </p:childTnLst>
-                    </p:cTn>
-                  </p:par>
-                  <p:par>
-                    <p:cTn id="19" fill="hold">
-                      <p:stCondLst>
-                        <p:cond delay="indefinite"/>
-                      </p:stCondLst>
-                      <p:childTnLst>
-                        <p:par>
-                          <p:cTn id="20" fill="hold">
-                            <p:stCondLst>
-                              <p:cond delay="0"/>
-                            </p:stCondLst>
-                            <p:childTnLst>
-                              <p:par>
-                                <p:cTn id="21" presetID="1" presetClass="entr" presetSubtype="0" fill="hold" grpId="0" nodeType="clickEffect">
-                                  <p:stCondLst>
-                                    <p:cond delay="0"/>
-                                  </p:stCondLst>
-                                  <p:childTnLst>
-                                    <p:set>
-                                      <p:cBhvr>
-                                        <p:cTn id="22" dur="1" fill="hold">
-                                          <p:stCondLst>
-                                            <p:cond delay="0"/>
-                                          </p:stCondLst>
-                                        </p:cTn>
-                                        <p:tgtEl>
-                                          <p:spTgt spid="3">
-                                            <p:txEl>
-                                              <p:pRg st="5" end="5"/>
-                                            </p:txEl>
-                                          </p:spTgt>
-                                        </p:tgtEl>
-                                        <p:attrNameLst>
-                                          <p:attrName>style.visibility</p:attrName>
-                                        </p:attrNameLst>
-                                      </p:cBhvr>
-                                      <p:to>
-                                        <p:strVal val="visible"/>
-                                      </p:to>
-                                    </p:set>
-                                  </p:childTnLst>
-                                </p:cTn>
-                              </p:par>
-                            </p:childTnLst>
-                          </p:cTn>
-                        </p:par>
-                      </p:childTnLst>
-                    </p:cTn>
-                  </p:par>
-                  <p:par>
-                    <p:cTn id="23" fill="hold">
-                      <p:stCondLst>
-                        <p:cond delay="indefinite"/>
-                      </p:stCondLst>
-                      <p:childTnLst>
-                        <p:par>
-                          <p:cTn id="24" fill="hold">
-                            <p:stCondLst>
-                              <p:cond delay="0"/>
-                            </p:stCondLst>
-                            <p:childTnLst>
-                              <p:par>
-                                <p:cTn id="25" presetID="1" presetClass="entr" presetSubtype="0" fill="hold" grpId="0" nodeType="clickEffect">
-                                  <p:stCondLst>
-                                    <p:cond delay="0"/>
-                                  </p:stCondLst>
-                                  <p:childTnLst>
-                                    <p:set>
-                                      <p:cBhvr>
-                                        <p:cTn id="26" dur="1" fill="hold">
-                                          <p:stCondLst>
-                                            <p:cond delay="0"/>
-                                          </p:stCondLst>
-                                        </p:cTn>
-                                        <p:tgtEl>
-                                          <p:spTgt spid="3">
-                                            <p:txEl>
-                                              <p:pRg st="6" end="6"/>
-                                            </p:txEl>
-                                          </p:spTgt>
-                                        </p:tgtEl>
-                                        <p:attrNameLst>
-                                          <p:attrName>style.visibility</p:attrName>
-                                        </p:attrNameLst>
-                                      </p:cBhvr>
-                                      <p:to>
-                                        <p:strVal val="visible"/>
-                                      </p:to>
-                                    </p:set>
-                                  </p:childTnLst>
-                                </p:cTn>
-                              </p:par>
-                            </p:childTnLst>
-                          </p:cTn>
-                        </p:par>
-                      </p:childTnLst>
-                    </p:cTn>
-                  </p:par>
-                  <p:par>
-                    <p:cTn id="27" fill="hold">
-                      <p:stCondLst>
-                        <p:cond delay="indefinite"/>
-                      </p:stCondLst>
-                      <p:childTnLst>
-                        <p:par>
-                          <p:cTn id="28" fill="hold">
-                            <p:stCondLst>
-                              <p:cond delay="0"/>
-                            </p:stCondLst>
-                            <p:childTnLst>
-                              <p:par>
-                                <p:cTn id="29" presetID="1" presetClass="entr" presetSubtype="0" fill="hold" grpId="0" nodeType="clickEffect">
-                                  <p:stCondLst>
-                                    <p:cond delay="0"/>
-                                  </p:stCondLst>
-                                  <p:childTnLst>
-                                    <p:set>
-                                      <p:cBhvr>
-                                        <p:cTn id="30" dur="1" fill="hold">
-                                          <p:stCondLst>
-                                            <p:cond delay="0"/>
-                                          </p:stCondLst>
-                                        </p:cTn>
-                                        <p:tgtEl>
-                                          <p:spTgt spid="3">
-                                            <p:txEl>
-                                              <p:pRg st="7" end="7"/>
-                                            </p:txEl>
-                                          </p:spTgt>
-                                        </p:tgtEl>
-                                        <p:attrNameLst>
-                                          <p:attrName>style.visibility</p:attrName>
-                                        </p:attrNameLst>
-                                      </p:cBhvr>
-                                      <p:to>
-                                        <p:strVal val="visible"/>
-                                      </p:to>
-                                    </p:set>
-                                  </p:childTnLst>
-                                </p:cTn>
-                              </p:par>
-                            </p:childTnLst>
-                          </p:cTn>
-                        </p:par>
-                      </p:childTnLst>
-                    </p:cTn>
-                  </p:par>
-                  <p:par>
-                    <p:cTn id="31" fill="hold">
-                      <p:stCondLst>
-                        <p:cond delay="indefinite"/>
-                      </p:stCondLst>
-                      <p:childTnLst>
-                        <p:par>
-                          <p:cTn id="32" fill="hold">
-                            <p:stCondLst>
-                              <p:cond delay="0"/>
-                            </p:stCondLst>
-                            <p:childTnLst>
-                              <p:par>
-                                <p:cTn id="33" presetID="1" presetClass="entr" presetSubtype="0" fill="hold" grpId="0" nodeType="clickEffect">
-                                  <p:stCondLst>
-                                    <p:cond delay="0"/>
-                                  </p:stCondLst>
-                                  <p:childTnLst>
-                                    <p:set>
-                                      <p:cBhvr>
-                                        <p:cTn id="34" dur="1" fill="hold">
-                                          <p:stCondLst>
-                                            <p:cond delay="0"/>
-                                          </p:stCondLst>
-                                        </p:cTn>
-                                        <p:tgtEl>
-                                          <p:spTgt spid="3">
-                                            <p:txEl>
-                                              <p:pRg st="8" end="8"/>
-                                            </p:txEl>
-                                          </p:spTgt>
+                                          <p:spTgt spid="8"/>
                                         </p:tgtEl>
                                         <p:attrNameLst>
                                           <p:attrName>style.visibility</p:attrName>
@@ -10697,509 +14814,9 @@
     </p:tnLst>
     <p:bldLst>
       <p:bldP spid="3" grpId="0" build="p"/>
+      <p:bldP spid="4" grpId="0"/>
+      <p:bldP spid="8" grpId="0"/>
     </p:bldLst>
-  </p:timing>
-</p:sld>
-</file>
-
-<file path=ppt/slides/slide7.xml><?xml version="1.0" encoding="utf-8"?>
-<p:sld xmlns:a="http://schemas.openxmlformats.org/drawingml/2006/main" xmlns:r="http://schemas.openxmlformats.org/officeDocument/2006/relationships" xmlns:p="http://schemas.openxmlformats.org/presentationml/2006/main">
-  <p:cSld>
-    <p:spTree>
-      <p:nvGrpSpPr>
-        <p:cNvPr id="1" name=""/>
-        <p:cNvGrpSpPr/>
-        <p:nvPr/>
-      </p:nvGrpSpPr>
-      <p:grpSpPr>
-        <a:xfrm>
-          <a:off x="0" y="0"/>
-          <a:ext cx="0" cy="0"/>
-          <a:chOff x="0" y="0"/>
-          <a:chExt cx="0" cy="0"/>
-        </a:xfrm>
-      </p:grpSpPr>
-      <p:sp>
-        <p:nvSpPr>
-          <p:cNvPr id="2" name="Title 1"/>
-          <p:cNvSpPr>
-            <a:spLocks noGrp="1"/>
-          </p:cNvSpPr>
-          <p:nvPr>
-            <p:ph type="title"/>
-          </p:nvPr>
-        </p:nvSpPr>
-        <p:spPr/>
-        <p:txBody>
-          <a:bodyPr/>
-          <a:lstStyle/>
-          <a:p>
-            <a:r>
-              <a:rPr lang="en-GB" dirty="0" smtClean="0"/>
-              <a:t>Component Resolution</a:t>
-            </a:r>
-            <a:endParaRPr lang="en-GB" dirty="0"/>
-          </a:p>
-        </p:txBody>
-      </p:sp>
-      <p:sp>
-        <p:nvSpPr>
-          <p:cNvPr id="3" name="Text Placeholder 2"/>
-          <p:cNvSpPr>
-            <a:spLocks noGrp="1"/>
-          </p:cNvSpPr>
-          <p:nvPr>
-            <p:ph type="body" sz="half" idx="2"/>
-          </p:nvPr>
-        </p:nvSpPr>
-        <p:spPr>
-          <a:xfrm>
-            <a:off x="1138770" y="2411427"/>
-            <a:ext cx="8825659" cy="2362200"/>
-          </a:xfrm>
-        </p:spPr>
-        <p:txBody>
-          <a:bodyPr>
-            <a:normAutofit fontScale="92500" lnSpcReduction="10000"/>
-          </a:bodyPr>
-          <a:lstStyle/>
-          <a:p>
-            <a:r>
-              <a:rPr lang="en-GB" dirty="0" smtClean="0"/>
-              <a:t>To obtain the component dependency in a class we must call Resolve on the interface or </a:t>
-            </a:r>
-            <a:r>
-              <a:rPr lang="en-GB" b="1" dirty="0" smtClean="0"/>
-              <a:t>inject</a:t>
-            </a:r>
-            <a:r>
-              <a:rPr lang="en-GB" dirty="0" smtClean="0"/>
-              <a:t> the interface (via the constructor) into the class which wishes to use it. This concept of injection is what the </a:t>
-            </a:r>
-            <a:r>
-              <a:rPr lang="en-GB" b="1" dirty="0" smtClean="0"/>
-              <a:t>inversion of control </a:t>
-            </a:r>
-            <a:r>
-              <a:rPr lang="en-GB" dirty="0" smtClean="0"/>
-              <a:t>idea is built on.</a:t>
-            </a:r>
-          </a:p>
-          <a:p>
-            <a:r>
-              <a:rPr lang="en-GB" dirty="0" smtClean="0"/>
-              <a:t>When we resolve a dependency, all of the child objects that have dependencies are also resolved. (</a:t>
-            </a:r>
-            <a:r>
-              <a:rPr lang="en-GB" b="1" dirty="0" smtClean="0"/>
-              <a:t>So long as the components are registered in the correct order – or we have registered all interfaces from an assembly</a:t>
-            </a:r>
-            <a:r>
-              <a:rPr lang="en-GB" dirty="0" smtClean="0"/>
-              <a:t>!)</a:t>
-            </a:r>
-          </a:p>
-          <a:p>
-            <a:r>
-              <a:rPr lang="en-GB" b="1" dirty="0" smtClean="0"/>
-              <a:t>Demo: How to resolve a component by calling the Resolve&lt;T&gt; method or injection. </a:t>
-            </a:r>
-          </a:p>
-        </p:txBody>
-      </p:sp>
-    </p:spTree>
-    <p:extLst>
-      <p:ext uri="{BB962C8B-B14F-4D97-AF65-F5344CB8AC3E}">
-        <p14:creationId xmlns:p14="http://schemas.microsoft.com/office/powerpoint/2010/main" val="2164840694"/>
-      </p:ext>
-    </p:extLst>
-  </p:cSld>
-  <p:clrMapOvr>
-    <a:masterClrMapping/>
-  </p:clrMapOvr>
-  <p:timing>
-    <p:tnLst>
-      <p:par>
-        <p:cTn id="1" dur="indefinite" restart="never" nodeType="tmRoot">
-          <p:childTnLst>
-            <p:seq concurrent="1" nextAc="seek">
-              <p:cTn id="2" dur="indefinite" nodeType="mainSeq">
-                <p:childTnLst>
-                  <p:par>
-                    <p:cTn id="3" fill="hold">
-                      <p:stCondLst>
-                        <p:cond delay="indefinite"/>
-                      </p:stCondLst>
-                      <p:childTnLst>
-                        <p:par>
-                          <p:cTn id="4" fill="hold">
-                            <p:stCondLst>
-                              <p:cond delay="0"/>
-                            </p:stCondLst>
-                            <p:childTnLst>
-                              <p:par>
-                                <p:cTn id="5" presetID="1" presetClass="entr" presetSubtype="0" fill="hold" grpId="0" nodeType="clickEffect">
-                                  <p:stCondLst>
-                                    <p:cond delay="0"/>
-                                  </p:stCondLst>
-                                  <p:childTnLst>
-                                    <p:set>
-                                      <p:cBhvr>
-                                        <p:cTn id="6" dur="1" fill="hold">
-                                          <p:stCondLst>
-                                            <p:cond delay="0"/>
-                                          </p:stCondLst>
-                                        </p:cTn>
-                                        <p:tgtEl>
-                                          <p:spTgt spid="3">
-                                            <p:txEl>
-                                              <p:pRg st="0" end="0"/>
-                                            </p:txEl>
-                                          </p:spTgt>
-                                        </p:tgtEl>
-                                        <p:attrNameLst>
-                                          <p:attrName>style.visibility</p:attrName>
-                                        </p:attrNameLst>
-                                      </p:cBhvr>
-                                      <p:to>
-                                        <p:strVal val="visible"/>
-                                      </p:to>
-                                    </p:set>
-                                  </p:childTnLst>
-                                </p:cTn>
-                              </p:par>
-                            </p:childTnLst>
-                          </p:cTn>
-                        </p:par>
-                      </p:childTnLst>
-                    </p:cTn>
-                  </p:par>
-                  <p:par>
-                    <p:cTn id="7" fill="hold">
-                      <p:stCondLst>
-                        <p:cond delay="indefinite"/>
-                      </p:stCondLst>
-                      <p:childTnLst>
-                        <p:par>
-                          <p:cTn id="8" fill="hold">
-                            <p:stCondLst>
-                              <p:cond delay="0"/>
-                            </p:stCondLst>
-                            <p:childTnLst>
-                              <p:par>
-                                <p:cTn id="9" presetID="1" presetClass="entr" presetSubtype="0" fill="hold" grpId="0" nodeType="clickEffect">
-                                  <p:stCondLst>
-                                    <p:cond delay="0"/>
-                                  </p:stCondLst>
-                                  <p:childTnLst>
-                                    <p:set>
-                                      <p:cBhvr>
-                                        <p:cTn id="10" dur="1" fill="hold">
-                                          <p:stCondLst>
-                                            <p:cond delay="0"/>
-                                          </p:stCondLst>
-                                        </p:cTn>
-                                        <p:tgtEl>
-                                          <p:spTgt spid="3">
-                                            <p:txEl>
-                                              <p:pRg st="1" end="1"/>
-                                            </p:txEl>
-                                          </p:spTgt>
-                                        </p:tgtEl>
-                                        <p:attrNameLst>
-                                          <p:attrName>style.visibility</p:attrName>
-                                        </p:attrNameLst>
-                                      </p:cBhvr>
-                                      <p:to>
-                                        <p:strVal val="visible"/>
-                                      </p:to>
-                                    </p:set>
-                                  </p:childTnLst>
-                                </p:cTn>
-                              </p:par>
-                            </p:childTnLst>
-                          </p:cTn>
-                        </p:par>
-                      </p:childTnLst>
-                    </p:cTn>
-                  </p:par>
-                  <p:par>
-                    <p:cTn id="11" fill="hold">
-                      <p:stCondLst>
-                        <p:cond delay="indefinite"/>
-                      </p:stCondLst>
-                      <p:childTnLst>
-                        <p:par>
-                          <p:cTn id="12" fill="hold">
-                            <p:stCondLst>
-                              <p:cond delay="0"/>
-                            </p:stCondLst>
-                            <p:childTnLst>
-                              <p:par>
-                                <p:cTn id="13" presetID="1" presetClass="entr" presetSubtype="0" fill="hold" grpId="0" nodeType="clickEffect">
-                                  <p:stCondLst>
-                                    <p:cond delay="0"/>
-                                  </p:stCondLst>
-                                  <p:childTnLst>
-                                    <p:set>
-                                      <p:cBhvr>
-                                        <p:cTn id="14" dur="1" fill="hold">
-                                          <p:stCondLst>
-                                            <p:cond delay="0"/>
-                                          </p:stCondLst>
-                                        </p:cTn>
-                                        <p:tgtEl>
-                                          <p:spTgt spid="3">
-                                            <p:txEl>
-                                              <p:pRg st="2" end="2"/>
-                                            </p:txEl>
-                                          </p:spTgt>
-                                        </p:tgtEl>
-                                        <p:attrNameLst>
-                                          <p:attrName>style.visibility</p:attrName>
-                                        </p:attrNameLst>
-                                      </p:cBhvr>
-                                      <p:to>
-                                        <p:strVal val="visible"/>
-                                      </p:to>
-                                    </p:set>
-                                  </p:childTnLst>
-                                </p:cTn>
-                              </p:par>
-                            </p:childTnLst>
-                          </p:cTn>
-                        </p:par>
-                      </p:childTnLst>
-                    </p:cTn>
-                  </p:par>
-                </p:childTnLst>
-              </p:cTn>
-              <p:prevCondLst>
-                <p:cond evt="onPrev" delay="0">
-                  <p:tgtEl>
-                    <p:sldTgt/>
-                  </p:tgtEl>
-                </p:cond>
-              </p:prevCondLst>
-              <p:nextCondLst>
-                <p:cond evt="onNext" delay="0">
-                  <p:tgtEl>
-                    <p:sldTgt/>
-                  </p:tgtEl>
-                </p:cond>
-              </p:nextCondLst>
-            </p:seq>
-          </p:childTnLst>
-        </p:cTn>
-      </p:par>
-    </p:tnLst>
-    <p:bldLst>
-      <p:bldP spid="3" grpId="0" build="p"/>
-    </p:bldLst>
-  </p:timing>
-</p:sld>
-</file>
-
-<file path=ppt/slides/slide8.xml><?xml version="1.0" encoding="utf-8"?>
-<p:sld xmlns:a="http://schemas.openxmlformats.org/drawingml/2006/main" xmlns:r="http://schemas.openxmlformats.org/officeDocument/2006/relationships" xmlns:p="http://schemas.openxmlformats.org/presentationml/2006/main">
-  <p:cSld>
-    <p:spTree>
-      <p:nvGrpSpPr>
-        <p:cNvPr id="1" name=""/>
-        <p:cNvGrpSpPr/>
-        <p:nvPr/>
-      </p:nvGrpSpPr>
-      <p:grpSpPr>
-        <a:xfrm>
-          <a:off x="0" y="0"/>
-          <a:ext cx="0" cy="0"/>
-          <a:chOff x="0" y="0"/>
-          <a:chExt cx="0" cy="0"/>
-        </a:xfrm>
-      </p:grpSpPr>
-      <p:sp>
-        <p:nvSpPr>
-          <p:cNvPr id="2" name="Title 1"/>
-          <p:cNvSpPr>
-            <a:spLocks noGrp="1"/>
-          </p:cNvSpPr>
-          <p:nvPr>
-            <p:ph type="title"/>
-          </p:nvPr>
-        </p:nvSpPr>
-        <p:spPr/>
-        <p:txBody>
-          <a:bodyPr/>
-          <a:lstStyle/>
-          <a:p>
-            <a:r>
-              <a:rPr lang="en-GB" dirty="0" smtClean="0"/>
-              <a:t>Resolving a dependency</a:t>
-            </a:r>
-            <a:endParaRPr lang="en-GB" dirty="0"/>
-          </a:p>
-        </p:txBody>
-      </p:sp>
-      <p:sp>
-        <p:nvSpPr>
-          <p:cNvPr id="3" name="Text Placeholder 2"/>
-          <p:cNvSpPr>
-            <a:spLocks noGrp="1"/>
-          </p:cNvSpPr>
-          <p:nvPr>
-            <p:ph type="body" sz="half" idx="2"/>
-          </p:nvPr>
-        </p:nvSpPr>
-        <p:spPr>
-          <a:xfrm>
-            <a:off x="1219691" y="2435703"/>
-            <a:ext cx="8825659" cy="2362200"/>
-          </a:xfrm>
-        </p:spPr>
-        <p:txBody>
-          <a:bodyPr/>
-          <a:lstStyle/>
-          <a:p>
-            <a:r>
-              <a:rPr lang="en-GB" dirty="0" smtClean="0"/>
-              <a:t>We have demonstrated the ease of registration when we have one interface and one implementation to use.</a:t>
-            </a:r>
-          </a:p>
-          <a:p>
-            <a:r>
-              <a:rPr lang="en-GB" dirty="0" smtClean="0"/>
-              <a:t>So what if we have two components both implementing the same interface?</a:t>
-            </a:r>
-          </a:p>
-          <a:p>
-            <a:r>
-              <a:rPr lang="en-GB" b="1" dirty="0" smtClean="0"/>
-              <a:t>Demo: Show what happens when we try to do this</a:t>
-            </a:r>
-            <a:endParaRPr lang="en-GB" b="1" dirty="0"/>
-          </a:p>
-        </p:txBody>
-      </p:sp>
-    </p:spTree>
-    <p:extLst>
-      <p:ext uri="{BB962C8B-B14F-4D97-AF65-F5344CB8AC3E}">
-        <p14:creationId xmlns:p14="http://schemas.microsoft.com/office/powerpoint/2010/main" val="1571190253"/>
-      </p:ext>
-    </p:extLst>
-  </p:cSld>
-  <p:clrMapOvr>
-    <a:masterClrMapping/>
-  </p:clrMapOvr>
-  <p:timing>
-    <p:tnLst>
-      <p:par>
-        <p:cTn id="1" dur="indefinite" restart="never" nodeType="tmRoot"/>
-      </p:par>
-    </p:tnLst>
-  </p:timing>
-</p:sld>
-</file>
-
-<file path=ppt/slides/slide9.xml><?xml version="1.0" encoding="utf-8"?>
-<p:sld xmlns:a="http://schemas.openxmlformats.org/drawingml/2006/main" xmlns:r="http://schemas.openxmlformats.org/officeDocument/2006/relationships" xmlns:p="http://schemas.openxmlformats.org/presentationml/2006/main">
-  <p:cSld>
-    <p:spTree>
-      <p:nvGrpSpPr>
-        <p:cNvPr id="1" name=""/>
-        <p:cNvGrpSpPr/>
-        <p:nvPr/>
-      </p:nvGrpSpPr>
-      <p:grpSpPr>
-        <a:xfrm>
-          <a:off x="0" y="0"/>
-          <a:ext cx="0" cy="0"/>
-          <a:chOff x="0" y="0"/>
-          <a:chExt cx="0" cy="0"/>
-        </a:xfrm>
-      </p:grpSpPr>
-      <p:sp>
-        <p:nvSpPr>
-          <p:cNvPr id="2" name="Title 1"/>
-          <p:cNvSpPr>
-            <a:spLocks noGrp="1"/>
-          </p:cNvSpPr>
-          <p:nvPr>
-            <p:ph type="title"/>
-          </p:nvPr>
-        </p:nvSpPr>
-        <p:spPr/>
-        <p:txBody>
-          <a:bodyPr/>
-          <a:lstStyle/>
-          <a:p>
-            <a:r>
-              <a:rPr lang="en-GB" dirty="0" smtClean="0"/>
-              <a:t>Inline dependencies</a:t>
-            </a:r>
-            <a:endParaRPr lang="en-GB" dirty="0"/>
-          </a:p>
-        </p:txBody>
-      </p:sp>
-      <p:sp>
-        <p:nvSpPr>
-          <p:cNvPr id="3" name="Text Placeholder 2"/>
-          <p:cNvSpPr>
-            <a:spLocks noGrp="1"/>
-          </p:cNvSpPr>
-          <p:nvPr>
-            <p:ph type="body" sz="half" idx="2"/>
-          </p:nvPr>
-        </p:nvSpPr>
-        <p:spPr/>
-        <p:txBody>
-          <a:bodyPr/>
-          <a:lstStyle/>
-          <a:p>
-            <a:r>
-              <a:rPr lang="en-GB" dirty="0" smtClean="0"/>
-              <a:t>Most IOC containers also provide support for inline dependencies.</a:t>
-            </a:r>
-          </a:p>
-          <a:p>
-            <a:r>
-              <a:rPr lang="en-GB" dirty="0" smtClean="0"/>
-              <a:t>Lets say that there is a property we have to set on a class before setting it up</a:t>
-            </a:r>
-          </a:p>
-          <a:p>
-            <a:r>
-              <a:rPr lang="en-GB" dirty="0" smtClean="0"/>
-              <a:t>A prime candidate for that might be log4net. i.e we want to tell it where to log the file when we create the dependency</a:t>
-            </a:r>
-          </a:p>
-          <a:p>
-            <a:endParaRPr lang="en-GB" dirty="0"/>
-          </a:p>
-          <a:p>
-            <a:r>
-              <a:rPr lang="en-GB" b="1" dirty="0" smtClean="0"/>
-              <a:t>Demo: Show inline dependencies</a:t>
-            </a:r>
-            <a:endParaRPr lang="en-GB" b="1" dirty="0"/>
-          </a:p>
-        </p:txBody>
-      </p:sp>
-    </p:spTree>
-    <p:extLst>
-      <p:ext uri="{BB962C8B-B14F-4D97-AF65-F5344CB8AC3E}">
-        <p14:creationId xmlns:p14="http://schemas.microsoft.com/office/powerpoint/2010/main" val="2808532298"/>
-      </p:ext>
-    </p:extLst>
-  </p:cSld>
-  <p:clrMapOvr>
-    <a:masterClrMapping/>
-  </p:clrMapOvr>
-  <p:timing>
-    <p:tnLst>
-      <p:par>
-        <p:cTn id="1" dur="indefinite" restart="never" nodeType="tmRoot"/>
-      </p:par>
-    </p:tnLst>
   </p:timing>
 </p:sld>
 </file>
@@ -11464,7 +15081,7 @@
   <a:extraClrSchemeLst/>
   <a:extLst>
     <a:ext uri="{05A4C25C-085E-4340-85A3-A5531E510DB2}">
-      <thm15:themeFamily xmlns:thm15="http://schemas.microsoft.com/office/thememl/2012/main" xmlns="" name="Ion" id="{B8441ADB-2E43-4AF7-B97A-BD870242C6A8}" vid="{292E63A9-BB86-4E3D-B92A-7223C6510D2E}"/>
+      <thm15:themeFamily xmlns="" xmlns:thm15="http://schemas.microsoft.com/office/thememl/2012/main" name="Ion" id="{B8441ADB-2E43-4AF7-B97A-BD870242C6A8}" vid="{292E63A9-BB86-4E3D-B92A-7223C6510D2E}"/>
     </a:ext>
   </a:extLst>
 </a:theme>

--- a/Castle Windsor Inversion of Control.pptx
+++ b/Castle Windsor Inversion of Control.pptx
@@ -8757,7 +8757,6 @@
               <a:rPr lang="en-GB" dirty="0" smtClean="0"/>
               <a:t>!)</a:t>
             </a:r>
-            <a:endParaRPr lang="en-GB" dirty="0" smtClean="0"/>
           </a:p>
         </p:txBody>
       </p:sp>
@@ -9486,7 +9485,7 @@
       </p:sp>
       <p:pic>
         <p:nvPicPr>
-          <p:cNvPr id="2050" name="Picture 2"/>
+          <p:cNvPr id="1026" name="Picture 2"/>
           <p:cNvPicPr>
             <a:picLocks noChangeAspect="1" noChangeArrowheads="1"/>
           </p:cNvPicPr>
@@ -9507,8 +9506,8 @@
         </p:blipFill>
         <p:spPr bwMode="auto">
           <a:xfrm>
-            <a:off x="1474015" y="1989841"/>
-            <a:ext cx="9717269" cy="4448175"/>
+            <a:off x="1530659" y="2098451"/>
+            <a:ext cx="7334250" cy="4133850"/>
           </a:xfrm>
           <a:prstGeom prst="rect">
             <a:avLst/>
@@ -9551,75 +9550,7 @@
   <p:timing>
     <p:tnLst>
       <p:par>
-        <p:cTn id="1" dur="indefinite" restart="never" nodeType="tmRoot">
-          <p:childTnLst>
-            <p:seq concurrent="1" nextAc="seek">
-              <p:cTn id="2" dur="indefinite" nodeType="mainSeq">
-                <p:childTnLst>
-                  <p:par>
-                    <p:cTn id="3" fill="hold">
-                      <p:stCondLst>
-                        <p:cond delay="indefinite"/>
-                      </p:stCondLst>
-                      <p:childTnLst>
-                        <p:par>
-                          <p:cTn id="4" fill="hold">
-                            <p:stCondLst>
-                              <p:cond delay="0"/>
-                            </p:stCondLst>
-                            <p:childTnLst>
-                              <p:par>
-                                <p:cTn id="5" presetID="1" presetClass="entr" presetSubtype="0" fill="hold" nodeType="clickEffect">
-                                  <p:stCondLst>
-                                    <p:cond delay="0"/>
-                                  </p:stCondLst>
-                                  <p:childTnLst>
-                                    <p:set>
-                                      <p:cBhvr>
-                                        <p:cTn id="6" dur="1" fill="hold">
-                                          <p:stCondLst>
-                                            <p:cond delay="0"/>
-                                          </p:stCondLst>
-                                        </p:cTn>
-                                        <p:tgtEl>
-                                          <p:spTgt spid="2050"/>
-                                        </p:tgtEl>
-                                        <p:attrNameLst>
-                                          <p:attrName>style.visibility</p:attrName>
-                                        </p:attrNameLst>
-                                      </p:cBhvr>
-                                      <p:to>
-                                        <p:strVal val="visible"/>
-                                      </p:to>
-                                    </p:set>
-                                  </p:childTnLst>
-                                </p:cTn>
-                              </p:par>
-                            </p:childTnLst>
-                          </p:cTn>
-                        </p:par>
-                      </p:childTnLst>
-                    </p:cTn>
-                  </p:par>
-                </p:childTnLst>
-              </p:cTn>
-              <p:prevCondLst>
-                <p:cond evt="onPrev" delay="0">
-                  <p:tgtEl>
-                    <p:sldTgt/>
-                  </p:tgtEl>
-                </p:cond>
-              </p:prevCondLst>
-              <p:nextCondLst>
-                <p:cond evt="onNext" delay="0">
-                  <p:tgtEl>
-                    <p:sldTgt/>
-                  </p:tgtEl>
-                </p:cond>
-              </p:nextCondLst>
-            </p:seq>
-          </p:childTnLst>
-        </p:cTn>
+        <p:cTn id="1" dur="indefinite" restart="never" nodeType="tmRoot"/>
       </p:par>
     </p:tnLst>
   </p:timing>
@@ -9702,11 +9633,7 @@
           <a:p>
             <a:r>
               <a:rPr lang="en-GB" sz="1600" dirty="0" smtClean="0"/>
-              <a:t>A prime candidate for that might be log4net. i.e we want to tell it where to log the file when we create the </a:t>
-            </a:r>
-            <a:r>
-              <a:rPr lang="en-GB" sz="1600" dirty="0" smtClean="0"/>
-              <a:t>dependency</a:t>
+              <a:t>A prime candidate for that might be log4net. i.e we want to tell it where to log the file when we create the dependency</a:t>
             </a:r>
           </a:p>
           <a:p>
@@ -9714,7 +9641,6 @@
               <a:rPr lang="en-GB" sz="1600" b="1" dirty="0" smtClean="0"/>
               <a:t>(Demo)</a:t>
             </a:r>
-            <a:endParaRPr lang="en-GB" sz="1600" b="1" dirty="0" smtClean="0"/>
           </a:p>
           <a:p>
             <a:endParaRPr lang="en-GB" sz="1600" dirty="0"/>
@@ -10106,7 +10032,6 @@
               <a:rPr lang="en-GB" dirty="0" smtClean="0"/>
               <a:t>)</a:t>
             </a:r>
-            <a:endParaRPr lang="en-GB" dirty="0" smtClean="0"/>
           </a:p>
         </p:txBody>
       </p:sp>
@@ -10992,13 +10917,7 @@
               <a:rPr lang="en-GB" sz="1200" dirty="0" smtClean="0">
                 <a:hlinkClick r:id="rId4"/>
               </a:rPr>
-              <a:t>wts-svn.wellsfargo.com/wcrdr-fiit-sonar/branches/SONAR_IMPORT_IOC_BRANCH</a:t>
-            </a:r>
-            <a:r>
-              <a:rPr lang="en-GB" sz="1200" dirty="0" smtClean="0">
-                <a:hlinkClick r:id="rId4"/>
-              </a:rPr>
-              <a:t>/</a:t>
+              <a:t>wts-svn.wellsfargo.com/wcrdr-fiit-sonar/branches/SONAR_IMPORT_IOC_BRANCH/</a:t>
             </a:r>
             <a:endParaRPr lang="en-GB" sz="1200" dirty="0" smtClean="0"/>
           </a:p>
@@ -11010,7 +10929,6 @@
               <a:rPr lang="en-GB" sz="1700" b="1" dirty="0" smtClean="0"/>
               <a:t>If folks are interested I can do a presentation on TDD including Mocking Libraries and NUnit)</a:t>
             </a:r>
-            <a:endParaRPr lang="en-GB" sz="1700" b="1" dirty="0" smtClean="0"/>
           </a:p>
           <a:p>
             <a:endParaRPr lang="en-GB" dirty="0"/>
@@ -12356,11 +12274,7 @@
             </a:pPr>
             <a:r>
               <a:rPr lang="en-GB" dirty="0" smtClean="0"/>
-              <a:t>Configuration </a:t>
-            </a:r>
-            <a:r>
-              <a:rPr lang="en-GB" dirty="0" smtClean="0"/>
-              <a:t>Based</a:t>
+              <a:t>Configuration Based</a:t>
             </a:r>
           </a:p>
           <a:p>
@@ -13575,13 +13489,8 @@
             </a:pPr>
             <a:r>
               <a:rPr lang="en-GB" dirty="0" smtClean="0"/>
-              <a:t>Normal </a:t>
-            </a:r>
-            <a:r>
-              <a:rPr lang="en-GB" dirty="0" smtClean="0"/>
-              <a:t>Class and Interface Registration by Fluent API </a:t>
-            </a:r>
-            <a:endParaRPr lang="en-GB" dirty="0" smtClean="0"/>
+              <a:t>Normal Class and Interface Registration by Fluent API </a:t>
+            </a:r>
           </a:p>
           <a:p>
             <a:endParaRPr lang="en-GB" dirty="0" smtClean="0"/>
@@ -13951,17 +13860,12 @@
             </a:pPr>
             <a:r>
               <a:rPr lang="en-GB" dirty="0" smtClean="0"/>
-              <a:t>OnCreate </a:t>
-            </a:r>
-            <a:r>
-              <a:rPr lang="en-GB" dirty="0" smtClean="0"/>
-              <a:t>(Useful if something needs to exist before a feature is specifically implemented) </a:t>
+              <a:t>OnCreate (Useful if something needs to exist before a feature is specifically implemented) </a:t>
             </a:r>
             <a:r>
               <a:rPr lang="en-GB" b="1" dirty="0" smtClean="0"/>
               <a:t>(Demo)</a:t>
             </a:r>
-            <a:endParaRPr lang="en-GB" b="1" dirty="0" smtClean="0"/>
           </a:p>
           <a:p>
             <a:endParaRPr lang="en-GB" dirty="0" smtClean="0"/>
@@ -14295,11 +14199,7 @@
             </a:pPr>
             <a:r>
               <a:rPr lang="en-GB" dirty="0" smtClean="0"/>
-              <a:t>Registering </a:t>
-            </a:r>
-            <a:r>
-              <a:rPr lang="en-GB" dirty="0" smtClean="0"/>
-              <a:t>Generic Types – </a:t>
+              <a:t>Registering Generic Types – </a:t>
             </a:r>
             <a:r>
               <a:rPr lang="en-GB" b="1" dirty="0" smtClean="0"/>
@@ -14591,11 +14491,11 @@
   <p:clrMapOvr>
     <a:masterClrMapping/>
   </p:clrMapOvr>
-  <mc:AlternateContent xmlns:mc="http://schemas.openxmlformats.org/markup-compatibility/2006">
-    <mc:Choice xmlns:p14="http://schemas.microsoft.com/office/powerpoint/2010/main" Requires="p14">
+  <mc:AlternateContent xmlns:mc="http://schemas.openxmlformats.org/markup-compatibility/2006" xmlns:p14="http://schemas.microsoft.com/office/powerpoint/2010/main">
+    <mc:Choice Requires="p14">
       <p:transition p14:dur="0"/>
     </mc:Choice>
-    <mc:Fallback>
+    <mc:Fallback xmlns="">
       <p:transition/>
     </mc:Fallback>
   </mc:AlternateContent>
@@ -15081,7 +14981,7 @@
   <a:extraClrSchemeLst/>
   <a:extLst>
     <a:ext uri="{05A4C25C-085E-4340-85A3-A5531E510DB2}">
-      <thm15:themeFamily xmlns="" xmlns:thm15="http://schemas.microsoft.com/office/thememl/2012/main" name="Ion" id="{B8441ADB-2E43-4AF7-B97A-BD870242C6A8}" vid="{292E63A9-BB86-4E3D-B92A-7223C6510D2E}"/>
+      <thm15:themeFamily xmlns:thm15="http://schemas.microsoft.com/office/thememl/2012/main" xmlns="" name="Ion" id="{B8441ADB-2E43-4AF7-B97A-BD870242C6A8}" vid="{292E63A9-BB86-4E3D-B92A-7223C6510D2E}"/>
     </a:ext>
   </a:extLst>
 </a:theme>
